--- a/Relazione/presentazioneProgettoFinal.pptx
+++ b/Relazione/presentazioneProgettoFinal.pptx
@@ -5,10 +5,10 @@
     <p:sldMasterId id="2147483660" r:id="rId4"/>
   </p:sldMasterIdLst>
   <p:notesMasterIdLst>
-    <p:notesMasterId r:id="rId29"/>
+    <p:notesMasterId r:id="rId31"/>
   </p:notesMasterIdLst>
   <p:handoutMasterIdLst>
-    <p:handoutMasterId r:id="rId30"/>
+    <p:handoutMasterId r:id="rId32"/>
   </p:handoutMasterIdLst>
   <p:sldIdLst>
     <p:sldId id="257" r:id="rId5"/>
@@ -24,17 +24,19 @@
     <p:sldId id="274" r:id="rId15"/>
     <p:sldId id="261" r:id="rId16"/>
     <p:sldId id="275" r:id="rId17"/>
-    <p:sldId id="276" r:id="rId18"/>
-    <p:sldId id="277" r:id="rId19"/>
-    <p:sldId id="282" r:id="rId20"/>
-    <p:sldId id="278" r:id="rId21"/>
-    <p:sldId id="283" r:id="rId22"/>
-    <p:sldId id="279" r:id="rId23"/>
-    <p:sldId id="284" r:id="rId24"/>
-    <p:sldId id="280" r:id="rId25"/>
-    <p:sldId id="285" r:id="rId26"/>
-    <p:sldId id="281" r:id="rId27"/>
-    <p:sldId id="291" r:id="rId28"/>
+    <p:sldId id="292" r:id="rId18"/>
+    <p:sldId id="276" r:id="rId19"/>
+    <p:sldId id="277" r:id="rId20"/>
+    <p:sldId id="282" r:id="rId21"/>
+    <p:sldId id="278" r:id="rId22"/>
+    <p:sldId id="283" r:id="rId23"/>
+    <p:sldId id="279" r:id="rId24"/>
+    <p:sldId id="284" r:id="rId25"/>
+    <p:sldId id="280" r:id="rId26"/>
+    <p:sldId id="293" r:id="rId27"/>
+    <p:sldId id="285" r:id="rId28"/>
+    <p:sldId id="281" r:id="rId29"/>
+    <p:sldId id="291" r:id="rId30"/>
   </p:sldIdLst>
   <p:sldSz cx="12188825" cy="6858000"/>
   <p:notesSz cx="6858000" cy="9144000"/>
@@ -2007,6 +2009,13 @@
         <a:p>
           <a:r>
             <a:rPr lang="it-IT" sz="3200" dirty="0">
+              <a:effectLst>
+                <a:outerShdw blurRad="38100" dist="38100" dir="2700000" algn="tl">
+                  <a:srgbClr val="000000">
+                    <a:alpha val="43137"/>
+                  </a:srgbClr>
+                </a:outerShdw>
+              </a:effectLst>
               <a:latin typeface="Arial" panose="020B0604020202020204" pitchFamily="34" charset="0"/>
               <a:cs typeface="Arial" panose="020B0604020202020204" pitchFamily="34" charset="0"/>
             </a:rPr>
@@ -2046,6 +2055,13 @@
         <a:p>
           <a:r>
             <a:rPr lang="it-IT" sz="3200" dirty="0">
+              <a:effectLst>
+                <a:outerShdw blurRad="38100" dist="38100" dir="2700000" algn="tl">
+                  <a:srgbClr val="000000">
+                    <a:alpha val="43137"/>
+                  </a:srgbClr>
+                </a:outerShdw>
+              </a:effectLst>
               <a:latin typeface="Arial" panose="020B0604020202020204" pitchFamily="34" charset="0"/>
               <a:cs typeface="Arial" panose="020B0604020202020204" pitchFamily="34" charset="0"/>
             </a:rPr>
@@ -2088,12 +2104,26 @@
               <a:solidFill>
                 <a:prstClr val="white"/>
               </a:solidFill>
+              <a:effectLst>
+                <a:outerShdw blurRad="38100" dist="38100" dir="2700000" algn="tl">
+                  <a:srgbClr val="000000">
+                    <a:alpha val="43137"/>
+                  </a:srgbClr>
+                </a:outerShdw>
+              </a:effectLst>
               <a:latin typeface="Arial" panose="020B0604020202020204" pitchFamily="34" charset="0"/>
               <a:cs typeface="Arial" panose="020B0604020202020204" pitchFamily="34" charset="0"/>
             </a:rPr>
             <a:t>Versatile</a:t>
           </a:r>
           <a:endParaRPr lang="it-IT" sz="3200" dirty="0">
+            <a:effectLst>
+              <a:outerShdw blurRad="38100" dist="38100" dir="2700000" algn="tl">
+                <a:srgbClr val="000000">
+                  <a:alpha val="43137"/>
+                </a:srgbClr>
+              </a:outerShdw>
+            </a:effectLst>
             <a:latin typeface="Arial" panose="020B0604020202020204" pitchFamily="34" charset="0"/>
             <a:cs typeface="Arial" panose="020B0604020202020204" pitchFamily="34" charset="0"/>
           </a:endParaRPr>
@@ -2690,12 +2720,26 @@
               <a:solidFill>
                 <a:prstClr val="white"/>
               </a:solidFill>
+              <a:effectLst>
+                <a:outerShdw blurRad="38100" dist="38100" dir="2700000" algn="tl">
+                  <a:srgbClr val="000000">
+                    <a:alpha val="43137"/>
+                  </a:srgbClr>
+                </a:outerShdw>
+              </a:effectLst>
               <a:latin typeface="Arial" panose="020B0604020202020204" pitchFamily="34" charset="0"/>
               <a:cs typeface="Arial" panose="020B0604020202020204" pitchFamily="34" charset="0"/>
             </a:rPr>
             <a:t>Versatile</a:t>
           </a:r>
           <a:endParaRPr lang="it-IT" sz="3200" kern="1200" dirty="0">
+            <a:effectLst>
+              <a:outerShdw blurRad="38100" dist="38100" dir="2700000" algn="tl">
+                <a:srgbClr val="000000">
+                  <a:alpha val="43137"/>
+                </a:srgbClr>
+              </a:outerShdw>
+            </a:effectLst>
             <a:latin typeface="Arial" panose="020B0604020202020204" pitchFamily="34" charset="0"/>
             <a:cs typeface="Arial" panose="020B0604020202020204" pitchFamily="34" charset="0"/>
           </a:endParaRPr>
@@ -2825,6 +2869,13 @@
           </a:pPr>
           <a:r>
             <a:rPr lang="it-IT" sz="3200" kern="1200" dirty="0">
+              <a:effectLst>
+                <a:outerShdw blurRad="38100" dist="38100" dir="2700000" algn="tl">
+                  <a:srgbClr val="000000">
+                    <a:alpha val="43137"/>
+                  </a:srgbClr>
+                </a:outerShdw>
+              </a:effectLst>
               <a:latin typeface="Arial" panose="020B0604020202020204" pitchFamily="34" charset="0"/>
               <a:cs typeface="Arial" panose="020B0604020202020204" pitchFamily="34" charset="0"/>
             </a:rPr>
@@ -2956,6 +3007,13 @@
           </a:pPr>
           <a:r>
             <a:rPr lang="it-IT" sz="3200" kern="1200" dirty="0">
+              <a:effectLst>
+                <a:outerShdw blurRad="38100" dist="38100" dir="2700000" algn="tl">
+                  <a:srgbClr val="000000">
+                    <a:alpha val="43137"/>
+                  </a:srgbClr>
+                </a:outerShdw>
+              </a:effectLst>
               <a:latin typeface="Arial" panose="020B0604020202020204" pitchFamily="34" charset="0"/>
               <a:cs typeface="Arial" panose="020B0604020202020204" pitchFamily="34" charset="0"/>
             </a:rPr>
@@ -6540,7 +6598,7 @@
     </p:spTree>
     <p:extLst>
       <p:ext uri="{BB962C8B-B14F-4D97-AF65-F5344CB8AC3E}">
-        <p14:creationId xmlns:p14="http://schemas.microsoft.com/office/powerpoint/2010/main" val="723283743"/>
+        <p14:creationId xmlns:p14="http://schemas.microsoft.com/office/powerpoint/2010/main" val="2453715004"/>
       </p:ext>
     </p:extLst>
   </p:cSld>
@@ -6625,7 +6683,7 @@
     </p:spTree>
     <p:extLst>
       <p:ext uri="{BB962C8B-B14F-4D97-AF65-F5344CB8AC3E}">
-        <p14:creationId xmlns:p14="http://schemas.microsoft.com/office/powerpoint/2010/main" val="54014194"/>
+        <p14:creationId xmlns:p14="http://schemas.microsoft.com/office/powerpoint/2010/main" val="723283743"/>
       </p:ext>
     </p:extLst>
   </p:cSld>
@@ -6701,7 +6759,7 @@
             <a:fld id="{3EBA5BD7-F043-4D1B-AA17-CD412FC534DE}" type="slidenum">
               <a:rPr lang="it-IT" smtClean="0"/>
               <a:pPr/>
-              <a:t>17</a:t>
+              <a:t>16</a:t>
             </a:fld>
             <a:endParaRPr lang="it-IT" dirty="0"/>
           </a:p>
@@ -6710,7 +6768,7 @@
     </p:spTree>
     <p:extLst>
       <p:ext uri="{BB962C8B-B14F-4D97-AF65-F5344CB8AC3E}">
-        <p14:creationId xmlns:p14="http://schemas.microsoft.com/office/powerpoint/2010/main" val="705611287"/>
+        <p14:creationId xmlns:p14="http://schemas.microsoft.com/office/powerpoint/2010/main" val="54014194"/>
       </p:ext>
     </p:extLst>
   </p:cSld>
@@ -6786,7 +6844,7 @@
             <a:fld id="{3EBA5BD7-F043-4D1B-AA17-CD412FC534DE}" type="slidenum">
               <a:rPr lang="it-IT" smtClean="0"/>
               <a:pPr/>
-              <a:t>19</a:t>
+              <a:t>18</a:t>
             </a:fld>
             <a:endParaRPr lang="it-IT" dirty="0"/>
           </a:p>
@@ -6795,7 +6853,7 @@
     </p:spTree>
     <p:extLst>
       <p:ext uri="{BB962C8B-B14F-4D97-AF65-F5344CB8AC3E}">
-        <p14:creationId xmlns:p14="http://schemas.microsoft.com/office/powerpoint/2010/main" val="1780095528"/>
+        <p14:creationId xmlns:p14="http://schemas.microsoft.com/office/powerpoint/2010/main" val="705611287"/>
       </p:ext>
     </p:extLst>
   </p:cSld>
@@ -6871,7 +6929,7 @@
             <a:fld id="{3EBA5BD7-F043-4D1B-AA17-CD412FC534DE}" type="slidenum">
               <a:rPr lang="it-IT" smtClean="0"/>
               <a:pPr/>
-              <a:t>21</a:t>
+              <a:t>20</a:t>
             </a:fld>
             <a:endParaRPr lang="it-IT" dirty="0"/>
           </a:p>
@@ -6880,7 +6938,7 @@
     </p:spTree>
     <p:extLst>
       <p:ext uri="{BB962C8B-B14F-4D97-AF65-F5344CB8AC3E}">
-        <p14:creationId xmlns:p14="http://schemas.microsoft.com/office/powerpoint/2010/main" val="1187560833"/>
+        <p14:creationId xmlns:p14="http://schemas.microsoft.com/office/powerpoint/2010/main" val="1780095528"/>
       </p:ext>
     </p:extLst>
   </p:cSld>
@@ -6956,7 +7014,7 @@
             <a:fld id="{3EBA5BD7-F043-4D1B-AA17-CD412FC534DE}" type="slidenum">
               <a:rPr lang="it-IT" smtClean="0"/>
               <a:pPr/>
-              <a:t>23</a:t>
+              <a:t>22</a:t>
             </a:fld>
             <a:endParaRPr lang="it-IT" dirty="0"/>
           </a:p>
@@ -6965,7 +7023,7 @@
     </p:spTree>
     <p:extLst>
       <p:ext uri="{BB962C8B-B14F-4D97-AF65-F5344CB8AC3E}">
-        <p14:creationId xmlns:p14="http://schemas.microsoft.com/office/powerpoint/2010/main" val="4034551255"/>
+        <p14:creationId xmlns:p14="http://schemas.microsoft.com/office/powerpoint/2010/main" val="1187560833"/>
       </p:ext>
     </p:extLst>
   </p:cSld>
@@ -7126,7 +7184,177 @@
             <a:fld id="{3EBA5BD7-F043-4D1B-AA17-CD412FC534DE}" type="slidenum">
               <a:rPr lang="it-IT" smtClean="0"/>
               <a:pPr/>
-              <a:t>24</a:t>
+              <a:t>23</a:t>
+            </a:fld>
+            <a:endParaRPr lang="it-IT" dirty="0"/>
+          </a:p>
+        </p:txBody>
+      </p:sp>
+    </p:spTree>
+    <p:extLst>
+      <p:ext uri="{BB962C8B-B14F-4D97-AF65-F5344CB8AC3E}">
+        <p14:creationId xmlns:p14="http://schemas.microsoft.com/office/powerpoint/2010/main" val="2499562989"/>
+      </p:ext>
+    </p:extLst>
+  </p:cSld>
+  <p:clrMapOvr>
+    <a:masterClrMapping/>
+  </p:clrMapOvr>
+</p:notes>
+</file>
+
+<file path=ppt/notesSlides/notesSlide21.xml><?xml version="1.0" encoding="utf-8"?>
+<p:notes xmlns:a="http://schemas.openxmlformats.org/drawingml/2006/main" xmlns:r="http://schemas.openxmlformats.org/officeDocument/2006/relationships" xmlns:p="http://schemas.openxmlformats.org/presentationml/2006/main">
+  <p:cSld>
+    <p:spTree>
+      <p:nvGrpSpPr>
+        <p:cNvPr id="1" name=""/>
+        <p:cNvGrpSpPr/>
+        <p:nvPr/>
+      </p:nvGrpSpPr>
+      <p:grpSpPr>
+        <a:xfrm>
+          <a:off x="0" y="0"/>
+          <a:ext cx="0" cy="0"/>
+          <a:chOff x="0" y="0"/>
+          <a:chExt cx="0" cy="0"/>
+        </a:xfrm>
+      </p:grpSpPr>
+      <p:sp>
+        <p:nvSpPr>
+          <p:cNvPr id="2" name="Segnaposto immagine diapositiva 1"/>
+          <p:cNvSpPr>
+            <a:spLocks noGrp="1" noRot="1" noChangeAspect="1"/>
+          </p:cNvSpPr>
+          <p:nvPr>
+            <p:ph type="sldImg"/>
+          </p:nvPr>
+        </p:nvSpPr>
+        <p:spPr/>
+      </p:sp>
+      <p:sp>
+        <p:nvSpPr>
+          <p:cNvPr id="3" name="Segnaposto note 2"/>
+          <p:cNvSpPr>
+            <a:spLocks noGrp="1"/>
+          </p:cNvSpPr>
+          <p:nvPr>
+            <p:ph type="body" idx="1"/>
+          </p:nvPr>
+        </p:nvSpPr>
+        <p:spPr/>
+        <p:txBody>
+          <a:bodyPr/>
+          <a:lstStyle/>
+          <a:p>
+            <a:endParaRPr lang="it-IT" dirty="0"/>
+          </a:p>
+        </p:txBody>
+      </p:sp>
+      <p:sp>
+        <p:nvSpPr>
+          <p:cNvPr id="4" name="Segnaposto numero diapositiva 3"/>
+          <p:cNvSpPr>
+            <a:spLocks noGrp="1"/>
+          </p:cNvSpPr>
+          <p:nvPr>
+            <p:ph type="sldNum" sz="quarter" idx="10"/>
+          </p:nvPr>
+        </p:nvSpPr>
+        <p:spPr/>
+        <p:txBody>
+          <a:bodyPr/>
+          <a:lstStyle/>
+          <a:p>
+            <a:fld id="{3EBA5BD7-F043-4D1B-AA17-CD412FC534DE}" type="slidenum">
+              <a:rPr lang="it-IT" smtClean="0"/>
+              <a:pPr/>
+              <a:t>25</a:t>
+            </a:fld>
+            <a:endParaRPr lang="it-IT" dirty="0"/>
+          </a:p>
+        </p:txBody>
+      </p:sp>
+    </p:spTree>
+    <p:extLst>
+      <p:ext uri="{BB962C8B-B14F-4D97-AF65-F5344CB8AC3E}">
+        <p14:creationId xmlns:p14="http://schemas.microsoft.com/office/powerpoint/2010/main" val="4034551255"/>
+      </p:ext>
+    </p:extLst>
+  </p:cSld>
+  <p:clrMapOvr>
+    <a:masterClrMapping/>
+  </p:clrMapOvr>
+</p:notes>
+</file>
+
+<file path=ppt/notesSlides/notesSlide22.xml><?xml version="1.0" encoding="utf-8"?>
+<p:notes xmlns:a="http://schemas.openxmlformats.org/drawingml/2006/main" xmlns:r="http://schemas.openxmlformats.org/officeDocument/2006/relationships" xmlns:p="http://schemas.openxmlformats.org/presentationml/2006/main">
+  <p:cSld>
+    <p:spTree>
+      <p:nvGrpSpPr>
+        <p:cNvPr id="1" name=""/>
+        <p:cNvGrpSpPr/>
+        <p:nvPr/>
+      </p:nvGrpSpPr>
+      <p:grpSpPr>
+        <a:xfrm>
+          <a:off x="0" y="0"/>
+          <a:ext cx="0" cy="0"/>
+          <a:chOff x="0" y="0"/>
+          <a:chExt cx="0" cy="0"/>
+        </a:xfrm>
+      </p:grpSpPr>
+      <p:sp>
+        <p:nvSpPr>
+          <p:cNvPr id="2" name="Segnaposto immagine diapositiva 1"/>
+          <p:cNvSpPr>
+            <a:spLocks noGrp="1" noRot="1" noChangeAspect="1"/>
+          </p:cNvSpPr>
+          <p:nvPr>
+            <p:ph type="sldImg"/>
+          </p:nvPr>
+        </p:nvSpPr>
+        <p:spPr/>
+      </p:sp>
+      <p:sp>
+        <p:nvSpPr>
+          <p:cNvPr id="3" name="Segnaposto note 2"/>
+          <p:cNvSpPr>
+            <a:spLocks noGrp="1"/>
+          </p:cNvSpPr>
+          <p:nvPr>
+            <p:ph type="body" idx="1"/>
+          </p:nvPr>
+        </p:nvSpPr>
+        <p:spPr/>
+        <p:txBody>
+          <a:bodyPr/>
+          <a:lstStyle/>
+          <a:p>
+            <a:endParaRPr lang="it-IT" dirty="0"/>
+          </a:p>
+        </p:txBody>
+      </p:sp>
+      <p:sp>
+        <p:nvSpPr>
+          <p:cNvPr id="4" name="Segnaposto numero diapositiva 3"/>
+          <p:cNvSpPr>
+            <a:spLocks noGrp="1"/>
+          </p:cNvSpPr>
+          <p:nvPr>
+            <p:ph type="sldNum" sz="quarter" idx="10"/>
+          </p:nvPr>
+        </p:nvSpPr>
+        <p:spPr/>
+        <p:txBody>
+          <a:bodyPr/>
+          <a:lstStyle/>
+          <a:p>
+            <a:fld id="{3EBA5BD7-F043-4D1B-AA17-CD412FC534DE}" type="slidenum">
+              <a:rPr lang="it-IT" smtClean="0"/>
+              <a:pPr/>
+              <a:t>26</a:t>
             </a:fld>
             <a:endParaRPr lang="it-IT" dirty="0"/>
           </a:p>
@@ -12824,6 +13052,13 @@
           <a:p>
             <a:r>
               <a:rPr lang="it-IT" sz="2400" dirty="0">
+                <a:effectLst>
+                  <a:outerShdw blurRad="38100" dist="38100" dir="2700000" algn="tl">
+                    <a:srgbClr val="000000">
+                      <a:alpha val="43137"/>
+                    </a:srgbClr>
+                  </a:outerShdw>
+                </a:effectLst>
                 <a:latin typeface="Verdana" panose="020B0604030504040204" pitchFamily="34" charset="0"/>
                 <a:ea typeface="Verdana" panose="020B0604030504040204" pitchFamily="34" charset="0"/>
                 <a:cs typeface="Verdana" panose="020B0604030504040204" pitchFamily="34" charset="0"/>
@@ -13847,6 +14082,13 @@
             <a:pPr rtl="0"/>
             <a:r>
               <a:rPr lang="it-IT" sz="2400" dirty="0">
+                <a:effectLst>
+                  <a:outerShdw blurRad="38100" dist="38100" dir="2700000" algn="tl">
+                    <a:srgbClr val="000000">
+                      <a:alpha val="43137"/>
+                    </a:srgbClr>
+                  </a:outerShdw>
+                </a:effectLst>
                 <a:latin typeface="Verdana" panose="020B0604030504040204" pitchFamily="34" charset="0"/>
                 <a:ea typeface="Verdana" panose="020B0604030504040204" pitchFamily="34" charset="0"/>
                 <a:cs typeface="Verdana" panose="020B0604030504040204" pitchFamily="34" charset="0"/>
@@ -14650,6 +14892,13 @@
           <a:p>
             <a:r>
               <a:rPr lang="it-IT" sz="2400" dirty="0">
+                <a:effectLst>
+                  <a:outerShdw blurRad="38100" dist="38100" dir="2700000" algn="tl">
+                    <a:srgbClr val="000000">
+                      <a:alpha val="43137"/>
+                    </a:srgbClr>
+                  </a:outerShdw>
+                </a:effectLst>
                 <a:latin typeface="Verdana" panose="020B0604030504040204" pitchFamily="34" charset="0"/>
                 <a:ea typeface="Verdana" panose="020B0604030504040204" pitchFamily="34" charset="0"/>
                 <a:cs typeface="Verdana" panose="020B0604030504040204" pitchFamily="34" charset="0"/>
@@ -14661,6 +14910,13 @@
                 <a:solidFill>
                   <a:prstClr val="white"/>
                 </a:solidFill>
+                <a:effectLst>
+                  <a:outerShdw blurRad="38100" dist="38100" dir="2700000" algn="tl">
+                    <a:srgbClr val="000000">
+                      <a:alpha val="43137"/>
+                    </a:srgbClr>
+                  </a:outerShdw>
+                </a:effectLst>
                 <a:latin typeface="Verdana" panose="020B0604030504040204" pitchFamily="34" charset="0"/>
                 <a:ea typeface="Verdana" panose="020B0604030504040204" pitchFamily="34" charset="0"/>
                 <a:cs typeface="Verdana" panose="020B0604030504040204" pitchFamily="34" charset="0"/>
@@ -14668,6 +14924,13 @@
               <a:t>Unica sinusoide pura</a:t>
             </a:r>
             <a:endParaRPr lang="it-IT" sz="2400" dirty="0">
+              <a:effectLst>
+                <a:outerShdw blurRad="38100" dist="38100" dir="2700000" algn="tl">
+                  <a:srgbClr val="000000">
+                    <a:alpha val="43137"/>
+                  </a:srgbClr>
+                </a:outerShdw>
+              </a:effectLst>
               <a:latin typeface="Verdana" panose="020B0604030504040204" pitchFamily="34" charset="0"/>
               <a:ea typeface="Verdana" panose="020B0604030504040204" pitchFamily="34" charset="0"/>
               <a:cs typeface="Verdana" panose="020B0604030504040204" pitchFamily="34" charset="0"/>
@@ -15003,6 +15266,460 @@
         </p:nvSpPr>
         <p:spPr>
           <a:xfrm>
+            <a:off x="837828" y="1916832"/>
+            <a:ext cx="10225137" cy="2291909"/>
+          </a:xfrm>
+          <a:prstGeom prst="rect">
+            <a:avLst/>
+          </a:prstGeom>
+        </p:spPr>
+        <p:txBody>
+          <a:bodyPr wrap="square">
+            <a:spAutoFit/>
+          </a:bodyPr>
+          <a:lstStyle/>
+          <a:p>
+            <a:pPr marL="342900" lvl="0" indent="-342900">
+              <a:lnSpc>
+                <a:spcPct val="90000"/>
+              </a:lnSpc>
+              <a:spcBef>
+                <a:spcPts val="1600"/>
+              </a:spcBef>
+              <a:buClr>
+                <a:srgbClr val="009999"/>
+              </a:buClr>
+              <a:buSzPct val="100000"/>
+              <a:buFont typeface="Arial" panose="020B0604020202020204" pitchFamily="34" charset="0"/>
+              <a:buChar char="•"/>
+            </a:pPr>
+            <a:r>
+              <a:rPr lang="it-IT" dirty="0">
+                <a:solidFill>
+                  <a:prstClr val="white"/>
+                </a:solidFill>
+                <a:latin typeface="Arial" panose="020B0604020202020204" pitchFamily="34" charset="0"/>
+                <a:cs typeface="Arial" panose="020B0604020202020204" pitchFamily="34" charset="0"/>
+              </a:rPr>
+              <a:t>In questa demo i segnali di test sono creati o importati e poi </a:t>
+            </a:r>
+            <a:r>
+              <a:rPr lang="it-IT" i="1" dirty="0">
+                <a:solidFill>
+                  <a:prstClr val="white"/>
+                </a:solidFill>
+                <a:latin typeface="Arial" panose="020B0604020202020204" pitchFamily="34" charset="0"/>
+                <a:cs typeface="Arial" panose="020B0604020202020204" pitchFamily="34" charset="0"/>
+              </a:rPr>
+              <a:t>compromessi artificialmente</a:t>
+            </a:r>
+            <a:r>
+              <a:rPr lang="it-IT" dirty="0">
+                <a:solidFill>
+                  <a:prstClr val="white"/>
+                </a:solidFill>
+                <a:latin typeface="Arial" panose="020B0604020202020204" pitchFamily="34" charset="0"/>
+                <a:cs typeface="Arial" panose="020B0604020202020204" pitchFamily="34" charset="0"/>
+              </a:rPr>
+              <a:t>, ponendo arbitrariamente a 0 il valore di alcuni sample.</a:t>
+            </a:r>
+          </a:p>
+          <a:p>
+            <a:pPr marL="342900" lvl="0" indent="-342900">
+              <a:lnSpc>
+                <a:spcPct val="90000"/>
+              </a:lnSpc>
+              <a:spcBef>
+                <a:spcPts val="1600"/>
+              </a:spcBef>
+              <a:buClr>
+                <a:srgbClr val="009999"/>
+              </a:buClr>
+              <a:buSzPct val="100000"/>
+              <a:buFont typeface="Arial" panose="020B0604020202020204" pitchFamily="34" charset="0"/>
+              <a:buChar char="•"/>
+            </a:pPr>
+            <a:r>
+              <a:rPr lang="it-IT" dirty="0">
+                <a:solidFill>
+                  <a:prstClr val="white"/>
+                </a:solidFill>
+                <a:latin typeface="Arial" panose="020B0604020202020204" pitchFamily="34" charset="0"/>
+                <a:cs typeface="Arial" panose="020B0604020202020204" pitchFamily="34" charset="0"/>
+              </a:rPr>
+              <a:t>Per tutti i segnali di test, i risultati del metodo di interpolazione adattivo sono giudicate in base alla media </a:t>
+            </a:r>
+            <a:r>
+              <a:rPr lang="it-IT" i="1" dirty="0">
+                <a:solidFill>
+                  <a:prstClr val="white"/>
+                </a:solidFill>
+                <a:latin typeface="Arial" panose="020B0604020202020204" pitchFamily="34" charset="0"/>
+                <a:cs typeface="Arial" panose="020B0604020202020204" pitchFamily="34" charset="0"/>
+              </a:rPr>
+              <a:t>dell'errore quadratico relativo di interpolazione.</a:t>
+            </a:r>
+          </a:p>
+        </p:txBody>
+      </p:sp>
+      <p:sp>
+        <p:nvSpPr>
+          <p:cNvPr id="9" name="Titolo 12">
+            <a:extLst>
+              <a:ext uri="{FF2B5EF4-FFF2-40B4-BE49-F238E27FC236}">
+                <a16:creationId xmlns:a16="http://schemas.microsoft.com/office/drawing/2014/main" id="{18111242-8B3E-4F9B-BB51-B40C25A1C688}"/>
+              </a:ext>
+            </a:extLst>
+          </p:cNvPr>
+          <p:cNvSpPr txBox="1">
+            <a:spLocks/>
+          </p:cNvSpPr>
+          <p:nvPr/>
+        </p:nvSpPr>
+        <p:spPr>
+          <a:xfrm>
+            <a:off x="914161" y="836712"/>
+            <a:ext cx="10360501" cy="706091"/>
+          </a:xfrm>
+          <a:prstGeom prst="rect">
+            <a:avLst/>
+          </a:prstGeom>
+          <a:noFill/>
+        </p:spPr>
+        <p:style>
+          <a:lnRef idx="2">
+            <a:schemeClr val="accent1"/>
+          </a:lnRef>
+          <a:fillRef idx="1">
+            <a:schemeClr val="lt1"/>
+          </a:fillRef>
+          <a:effectRef idx="0">
+            <a:schemeClr val="accent1"/>
+          </a:effectRef>
+          <a:fontRef idx="minor">
+            <a:schemeClr val="dk1"/>
+          </a:fontRef>
+        </p:style>
+        <p:txBody>
+          <a:bodyPr vert="horz" lIns="121899" tIns="60949" rIns="121899" bIns="60949" rtlCol="0" anchor="b">
+            <a:normAutofit/>
+          </a:bodyPr>
+          <a:lstStyle>
+            <a:lvl1pPr algn="l" defTabSz="1218987" rtl="0" eaLnBrk="1" latinLnBrk="0" hangingPunct="1">
+              <a:lnSpc>
+                <a:spcPct val="90000"/>
+              </a:lnSpc>
+              <a:spcBef>
+                <a:spcPct val="0"/>
+              </a:spcBef>
+              <a:buNone/>
+              <a:defRPr sz="5400" b="0" kern="1200" cap="none" baseline="0">
+                <a:solidFill>
+                  <a:schemeClr val="dk1"/>
+                </a:solidFill>
+                <a:latin typeface="+mn-lt"/>
+                <a:ea typeface="+mn-ea"/>
+                <a:cs typeface="+mn-cs"/>
+              </a:defRPr>
+            </a:lvl1pPr>
+            <a:lvl2pPr>
+              <a:defRPr>
+                <a:solidFill>
+                  <a:schemeClr val="dk1"/>
+                </a:solidFill>
+                <a:latin typeface="+mn-lt"/>
+                <a:ea typeface="+mn-ea"/>
+                <a:cs typeface="+mn-cs"/>
+              </a:defRPr>
+            </a:lvl2pPr>
+            <a:lvl3pPr>
+              <a:defRPr>
+                <a:solidFill>
+                  <a:schemeClr val="dk1"/>
+                </a:solidFill>
+                <a:latin typeface="+mn-lt"/>
+                <a:ea typeface="+mn-ea"/>
+                <a:cs typeface="+mn-cs"/>
+              </a:defRPr>
+            </a:lvl3pPr>
+            <a:lvl4pPr>
+              <a:defRPr>
+                <a:solidFill>
+                  <a:schemeClr val="dk1"/>
+                </a:solidFill>
+                <a:latin typeface="+mn-lt"/>
+                <a:ea typeface="+mn-ea"/>
+                <a:cs typeface="+mn-cs"/>
+              </a:defRPr>
+            </a:lvl4pPr>
+            <a:lvl5pPr>
+              <a:defRPr>
+                <a:solidFill>
+                  <a:schemeClr val="dk1"/>
+                </a:solidFill>
+                <a:latin typeface="+mn-lt"/>
+                <a:ea typeface="+mn-ea"/>
+                <a:cs typeface="+mn-cs"/>
+              </a:defRPr>
+            </a:lvl5pPr>
+            <a:lvl6pPr>
+              <a:defRPr>
+                <a:solidFill>
+                  <a:schemeClr val="dk1"/>
+                </a:solidFill>
+                <a:latin typeface="+mn-lt"/>
+                <a:ea typeface="+mn-ea"/>
+                <a:cs typeface="+mn-cs"/>
+              </a:defRPr>
+            </a:lvl6pPr>
+            <a:lvl7pPr>
+              <a:defRPr>
+                <a:solidFill>
+                  <a:schemeClr val="dk1"/>
+                </a:solidFill>
+                <a:latin typeface="+mn-lt"/>
+                <a:ea typeface="+mn-ea"/>
+                <a:cs typeface="+mn-cs"/>
+              </a:defRPr>
+            </a:lvl7pPr>
+            <a:lvl8pPr>
+              <a:defRPr>
+                <a:solidFill>
+                  <a:schemeClr val="dk1"/>
+                </a:solidFill>
+                <a:latin typeface="+mn-lt"/>
+                <a:ea typeface="+mn-ea"/>
+                <a:cs typeface="+mn-cs"/>
+              </a:defRPr>
+            </a:lvl8pPr>
+            <a:lvl9pPr>
+              <a:defRPr>
+                <a:solidFill>
+                  <a:schemeClr val="dk1"/>
+                </a:solidFill>
+                <a:latin typeface="+mn-lt"/>
+                <a:ea typeface="+mn-ea"/>
+                <a:cs typeface="+mn-cs"/>
+              </a:defRPr>
+            </a:lvl9pPr>
+          </a:lstStyle>
+          <a:p>
+            <a:r>
+              <a:rPr lang="it-IT" sz="4000" dirty="0">
+                <a:solidFill>
+                  <a:schemeClr val="tx1"/>
+                </a:solidFill>
+                <a:latin typeface="Verdana" panose="020B0604030504040204" pitchFamily="34" charset="0"/>
+                <a:ea typeface="Verdana" panose="020B0604030504040204" pitchFamily="34" charset="0"/>
+                <a:cs typeface="Verdana" panose="020B0604030504040204" pitchFamily="34" charset="0"/>
+              </a:rPr>
+              <a:t>Test e risultati</a:t>
+            </a:r>
+          </a:p>
+        </p:txBody>
+      </p:sp>
+      <p:grpSp>
+        <p:nvGrpSpPr>
+          <p:cNvPr id="10" name="Gruppo 9">
+            <a:extLst>
+              <a:ext uri="{FF2B5EF4-FFF2-40B4-BE49-F238E27FC236}">
+                <a16:creationId xmlns:a16="http://schemas.microsoft.com/office/drawing/2014/main" id="{1065CFDF-A3F6-4560-849D-49D247684F0A}"/>
+              </a:ext>
+            </a:extLst>
+          </p:cNvPr>
+          <p:cNvGrpSpPr/>
+          <p:nvPr/>
+        </p:nvGrpSpPr>
+        <p:grpSpPr>
+          <a:xfrm>
+            <a:off x="477787" y="836712"/>
+            <a:ext cx="508384" cy="705600"/>
+            <a:chOff x="477787" y="836712"/>
+            <a:chExt cx="508384" cy="705600"/>
+          </a:xfrm>
+        </p:grpSpPr>
+        <p:sp>
+          <p:nvSpPr>
+            <p:cNvPr id="11" name="Rettangolo con angoli in alto arrotondati 10">
+              <a:extLst>
+                <a:ext uri="{FF2B5EF4-FFF2-40B4-BE49-F238E27FC236}">
+                  <a16:creationId xmlns:a16="http://schemas.microsoft.com/office/drawing/2014/main" id="{03CA2F84-9460-4135-B397-D6D620934247}"/>
+                </a:ext>
+              </a:extLst>
+            </p:cNvPr>
+            <p:cNvSpPr/>
+            <p:nvPr/>
+          </p:nvSpPr>
+          <p:spPr>
+            <a:xfrm rot="16200000">
+              <a:off x="343174" y="971325"/>
+              <a:ext cx="705600" cy="436373"/>
+            </a:xfrm>
+            <a:prstGeom prst="round2SameRect">
+              <a:avLst>
+                <a:gd name="adj1" fmla="val 30776"/>
+                <a:gd name="adj2" fmla="val 0"/>
+              </a:avLst>
+            </a:prstGeom>
+            <a:solidFill>
+              <a:schemeClr val="accent1"/>
+            </a:solidFill>
+            <a:ln>
+              <a:solidFill>
+                <a:schemeClr val="accent1"/>
+              </a:solidFill>
+            </a:ln>
+          </p:spPr>
+          <p:style>
+            <a:lnRef idx="2">
+              <a:schemeClr val="accent1">
+                <a:shade val="50000"/>
+              </a:schemeClr>
+            </a:lnRef>
+            <a:fillRef idx="1">
+              <a:schemeClr val="accent1"/>
+            </a:fillRef>
+            <a:effectRef idx="0">
+              <a:schemeClr val="accent1"/>
+            </a:effectRef>
+            <a:fontRef idx="minor">
+              <a:schemeClr val="lt1"/>
+            </a:fontRef>
+          </p:style>
+          <p:txBody>
+            <a:bodyPr rtlCol="0" anchor="ctr"/>
+            <a:lstStyle/>
+            <a:p>
+              <a:pPr algn="ctr"/>
+              <a:endParaRPr lang="it-IT" sz="2800" dirty="0"/>
+            </a:p>
+          </p:txBody>
+        </p:sp>
+        <p:sp>
+          <p:nvSpPr>
+            <p:cNvPr id="12" name="CasellaDiTesto 11">
+              <a:extLst>
+                <a:ext uri="{FF2B5EF4-FFF2-40B4-BE49-F238E27FC236}">
+                  <a16:creationId xmlns:a16="http://schemas.microsoft.com/office/drawing/2014/main" id="{788FBD9B-BE3E-4A4A-A759-A10249C95DD0}"/>
+                </a:ext>
+              </a:extLst>
+            </p:cNvPr>
+            <p:cNvSpPr txBox="1"/>
+            <p:nvPr/>
+          </p:nvSpPr>
+          <p:spPr>
+            <a:xfrm>
+              <a:off x="549796" y="927901"/>
+              <a:ext cx="436375" cy="523220"/>
+            </a:xfrm>
+            <a:prstGeom prst="rect">
+              <a:avLst/>
+            </a:prstGeom>
+            <a:noFill/>
+          </p:spPr>
+          <p:txBody>
+            <a:bodyPr wrap="square" rtlCol="0">
+              <a:spAutoFit/>
+            </a:bodyPr>
+            <a:lstStyle/>
+            <a:p>
+              <a:r>
+                <a:rPr lang="it-IT" sz="2800" b="1" dirty="0">
+                  <a:latin typeface="Arial" panose="020B0604020202020204" pitchFamily="34" charset="0"/>
+                  <a:cs typeface="Arial" panose="020B0604020202020204" pitchFamily="34" charset="0"/>
+                </a:rPr>
+                <a:t>4</a:t>
+              </a:r>
+            </a:p>
+          </p:txBody>
+        </p:sp>
+      </p:grpSp>
+      <p:pic>
+        <p:nvPicPr>
+          <p:cNvPr id="2" name="Immagine 1">
+            <a:extLst>
+              <a:ext uri="{FF2B5EF4-FFF2-40B4-BE49-F238E27FC236}">
+                <a16:creationId xmlns:a16="http://schemas.microsoft.com/office/drawing/2014/main" id="{E29DFBE0-335E-44FA-B33E-FD8E5A7B70F1}"/>
+              </a:ext>
+            </a:extLst>
+          </p:cNvPr>
+          <p:cNvPicPr>
+            <a:picLocks noChangeAspect="1"/>
+          </p:cNvPicPr>
+          <p:nvPr/>
+        </p:nvPicPr>
+        <p:blipFill>
+          <a:blip r:embed="rId3"/>
+          <a:stretch>
+            <a:fillRect/>
+          </a:stretch>
+        </p:blipFill>
+        <p:spPr>
+          <a:xfrm>
+            <a:off x="3358108" y="4509120"/>
+            <a:ext cx="3448023" cy="1014889"/>
+          </a:xfrm>
+          <a:prstGeom prst="rect">
+            <a:avLst/>
+          </a:prstGeom>
+        </p:spPr>
+      </p:pic>
+    </p:spTree>
+    <p:extLst>
+      <p:ext uri="{BB962C8B-B14F-4D97-AF65-F5344CB8AC3E}">
+        <p14:creationId xmlns:p14="http://schemas.microsoft.com/office/powerpoint/2010/main" val="2416355897"/>
+      </p:ext>
+    </p:extLst>
+  </p:cSld>
+  <p:clrMapOvr>
+    <a:masterClrMapping/>
+  </p:clrMapOvr>
+  <mc:AlternateContent xmlns:mc="http://schemas.openxmlformats.org/markup-compatibility/2006" xmlns:p159="http://schemas.microsoft.com/office/powerpoint/2015/09/main">
+    <mc:Choice Requires="p159">
+      <p:transition spd="slow">
+        <p159:morph option="byObject"/>
+      </p:transition>
+    </mc:Choice>
+    <mc:Fallback xmlns="">
+      <p:transition spd="slow">
+        <p:fade/>
+      </p:transition>
+    </mc:Fallback>
+  </mc:AlternateContent>
+</p:sld>
+</file>
+
+<file path=ppt/slides/slide15.xml><?xml version="1.0" encoding="utf-8"?>
+<p:sld xmlns:a="http://schemas.openxmlformats.org/drawingml/2006/main" xmlns:r="http://schemas.openxmlformats.org/officeDocument/2006/relationships" xmlns:p="http://schemas.openxmlformats.org/presentationml/2006/main">
+  <p:cSld>
+    <p:spTree>
+      <p:nvGrpSpPr>
+        <p:cNvPr id="1" name=""/>
+        <p:cNvGrpSpPr/>
+        <p:nvPr/>
+      </p:nvGrpSpPr>
+      <p:grpSpPr>
+        <a:xfrm>
+          <a:off x="0" y="0"/>
+          <a:ext cx="0" cy="0"/>
+          <a:chOff x="0" y="0"/>
+          <a:chExt cx="0" cy="0"/>
+        </a:xfrm>
+      </p:grpSpPr>
+      <p:sp>
+        <p:nvSpPr>
+          <p:cNvPr id="6" name="Rettangolo 5">
+            <a:extLst>
+              <a:ext uri="{FF2B5EF4-FFF2-40B4-BE49-F238E27FC236}">
+                <a16:creationId xmlns:a16="http://schemas.microsoft.com/office/drawing/2014/main" id="{7B1B5504-98A2-493E-BB44-52C45E1E59C2}"/>
+              </a:ext>
+            </a:extLst>
+          </p:cNvPr>
+          <p:cNvSpPr/>
+          <p:nvPr/>
+        </p:nvSpPr>
+        <p:spPr>
+          <a:xfrm>
             <a:off x="914161" y="2247910"/>
             <a:ext cx="10225137" cy="757130"/>
           </a:xfrm>
@@ -15159,6 +15876,13 @@
           <a:p>
             <a:r>
               <a:rPr lang="it-IT" sz="2400" dirty="0">
+                <a:effectLst>
+                  <a:outerShdw blurRad="38100" dist="38100" dir="2700000" algn="tl">
+                    <a:srgbClr val="000000">
+                      <a:alpha val="43137"/>
+                    </a:srgbClr>
+                  </a:outerShdw>
+                </a:effectLst>
                 <a:latin typeface="Verdana" panose="020B0604030504040204" pitchFamily="34" charset="0"/>
                 <a:ea typeface="Verdana" panose="020B0604030504040204" pitchFamily="34" charset="0"/>
                 <a:cs typeface="Verdana" panose="020B0604030504040204" pitchFamily="34" charset="0"/>
@@ -15465,7 +16189,7 @@
 </p:sld>
 </file>
 
-<file path=ppt/slides/slide15.xml><?xml version="1.0" encoding="utf-8"?>
+<file path=ppt/slides/slide16.xml><?xml version="1.0" encoding="utf-8"?>
 <p:sld xmlns:a="http://schemas.openxmlformats.org/drawingml/2006/main" xmlns:r="http://schemas.openxmlformats.org/officeDocument/2006/relationships" xmlns:p="http://schemas.openxmlformats.org/presentationml/2006/main">
   <p:cSld>
     <p:spTree>
@@ -15667,6 +16391,13 @@
           <a:p>
             <a:r>
               <a:rPr lang="it-IT" sz="2400" dirty="0">
+                <a:effectLst>
+                  <a:outerShdw blurRad="38100" dist="38100" dir="2700000" algn="tl">
+                    <a:srgbClr val="000000">
+                      <a:alpha val="43137"/>
+                    </a:srgbClr>
+                  </a:outerShdw>
+                </a:effectLst>
                 <a:latin typeface="Verdana" panose="020B0604030504040204" pitchFamily="34" charset="0"/>
                 <a:ea typeface="Verdana" panose="020B0604030504040204" pitchFamily="34" charset="0"/>
                 <a:cs typeface="Verdana" panose="020B0604030504040204" pitchFamily="34" charset="0"/>
@@ -15973,7 +16704,7 @@
 </p:sld>
 </file>
 
-<file path=ppt/slides/slide16.xml><?xml version="1.0" encoding="utf-8"?>
+<file path=ppt/slides/slide17.xml><?xml version="1.0" encoding="utf-8"?>
 <p:sld xmlns:a="http://schemas.openxmlformats.org/drawingml/2006/main" xmlns:r="http://schemas.openxmlformats.org/officeDocument/2006/relationships" xmlns:p="http://schemas.openxmlformats.org/presentationml/2006/main">
   <p:cSld>
     <p:spTree>
@@ -16051,7 +16782,7 @@
 </p:sld>
 </file>
 
-<file path=ppt/slides/slide17.xml><?xml version="1.0" encoding="utf-8"?>
+<file path=ppt/slides/slide18.xml><?xml version="1.0" encoding="utf-8"?>
 <p:sld xmlns:a="http://schemas.openxmlformats.org/drawingml/2006/main" xmlns:r="http://schemas.openxmlformats.org/officeDocument/2006/relationships" xmlns:p="http://schemas.openxmlformats.org/presentationml/2006/main">
   <p:cSld>
     <p:spTree>
@@ -16083,7 +16814,7 @@
         <p:spPr>
           <a:xfrm>
             <a:off x="914161" y="2098970"/>
-            <a:ext cx="7340491" cy="1569660"/>
+            <a:ext cx="7340491" cy="1107996"/>
           </a:xfrm>
           <a:prstGeom prst="rect">
             <a:avLst/>
@@ -16096,27 +16827,27 @@
           <a:lstStyle/>
           <a:p>
             <a:r>
-              <a:rPr lang="it-IT" dirty="0">
+              <a:rPr lang="it-IT" sz="2200" dirty="0">
                 <a:latin typeface="Arial" panose="020B0604020202020204" pitchFamily="34" charset="0"/>
                 <a:cs typeface="Arial" panose="020B0604020202020204" pitchFamily="34" charset="0"/>
               </a:rPr>
               <a:t>Realizzazione, artificialmente generata di un processo AR di ordine 10 con spettro in frequenza generico. Sequenze di 512 sample, pattern dei </a:t>
             </a:r>
             <a:r>
-              <a:rPr lang="it-IT" dirty="0" err="1">
+              <a:rPr lang="it-IT" sz="2200" dirty="0" err="1">
                 <a:latin typeface="Arial" panose="020B0604020202020204" pitchFamily="34" charset="0"/>
                 <a:cs typeface="Arial" panose="020B0604020202020204" pitchFamily="34" charset="0"/>
               </a:rPr>
               <a:t>burst</a:t>
             </a:r>
             <a:r>
-              <a:rPr lang="it-IT" dirty="0">
+              <a:rPr lang="it-IT" sz="2200" dirty="0">
                 <a:latin typeface="Arial" panose="020B0604020202020204" pitchFamily="34" charset="0"/>
                 <a:cs typeface="Arial" panose="020B0604020202020204" pitchFamily="34" charset="0"/>
               </a:rPr>
               <a:t> da m = 8.</a:t>
             </a:r>
-            <a:endParaRPr lang="it-IT" sz="2800" dirty="0">
+            <a:endParaRPr lang="it-IT" sz="2200" dirty="0">
               <a:solidFill>
                 <a:prstClr val="white"/>
               </a:solidFill>
@@ -16188,6 +16919,13 @@
           <a:p>
             <a:r>
               <a:rPr lang="it-IT" sz="2400" dirty="0">
+                <a:effectLst>
+                  <a:outerShdw blurRad="38100" dist="38100" dir="2700000" algn="tl">
+                    <a:srgbClr val="000000">
+                      <a:alpha val="43137"/>
+                    </a:srgbClr>
+                  </a:outerShdw>
+                </a:effectLst>
                 <a:latin typeface="Verdana" panose="020B0604030504040204" pitchFamily="34" charset="0"/>
                 <a:ea typeface="Verdana" panose="020B0604030504040204" pitchFamily="34" charset="0"/>
                 <a:cs typeface="Verdana" panose="020B0604030504040204" pitchFamily="34" charset="0"/>
@@ -16499,6 +17237,125 @@
           </a:prstGeom>
         </p:spPr>
       </p:pic>
+      <p:sp>
+        <p:nvSpPr>
+          <p:cNvPr id="3" name="CasellaDiTesto 2">
+            <a:extLst>
+              <a:ext uri="{FF2B5EF4-FFF2-40B4-BE49-F238E27FC236}">
+                <a16:creationId xmlns:a16="http://schemas.microsoft.com/office/drawing/2014/main" id="{E53CFBE4-1558-45CA-8883-B41E1E0F725B}"/>
+              </a:ext>
+            </a:extLst>
+          </p:cNvPr>
+          <p:cNvSpPr txBox="1"/>
+          <p:nvPr/>
+        </p:nvSpPr>
+        <p:spPr>
+          <a:xfrm>
+            <a:off x="914161" y="3239469"/>
+            <a:ext cx="7124465" cy="1107996"/>
+          </a:xfrm>
+          <a:prstGeom prst="rect">
+            <a:avLst/>
+          </a:prstGeom>
+          <a:noFill/>
+        </p:spPr>
+        <p:txBody>
+          <a:bodyPr wrap="square" rtlCol="0">
+            <a:spAutoFit/>
+          </a:bodyPr>
+          <a:lstStyle/>
+          <a:p>
+            <a:r>
+              <a:rPr lang="it-IT" sz="2200" dirty="0">
+                <a:latin typeface="Arial" panose="020B0604020202020204" pitchFamily="34" charset="0"/>
+                <a:cs typeface="Arial" panose="020B0604020202020204" pitchFamily="34" charset="0"/>
+              </a:rPr>
+              <a:t>In questo caso, avendo </a:t>
+            </a:r>
+            <a:r>
+              <a:rPr lang="it-IT" sz="2200" i="1" dirty="0">
+                <a:solidFill>
+                  <a:schemeClr val="accent1"/>
+                </a:solidFill>
+                <a:latin typeface="Arial" panose="020B0604020202020204" pitchFamily="34" charset="0"/>
+                <a:cs typeface="Arial" panose="020B0604020202020204" pitchFamily="34" charset="0"/>
+              </a:rPr>
+              <a:t>p = 3m+2 = 50</a:t>
+            </a:r>
+            <a:r>
+              <a:rPr lang="it-IT" sz="2200" dirty="0">
+                <a:latin typeface="Arial" panose="020B0604020202020204" pitchFamily="34" charset="0"/>
+                <a:cs typeface="Arial" panose="020B0604020202020204" pitchFamily="34" charset="0"/>
+              </a:rPr>
+              <a:t>, ci si può chiedere cosa accada forzando l'algoritmo a lavorare con </a:t>
+            </a:r>
+            <a:r>
+              <a:rPr lang="it-IT" sz="2200" i="1" dirty="0">
+                <a:solidFill>
+                  <a:schemeClr val="accent1"/>
+                </a:solidFill>
+                <a:latin typeface="Arial" panose="020B0604020202020204" pitchFamily="34" charset="0"/>
+                <a:cs typeface="Arial" panose="020B0604020202020204" pitchFamily="34" charset="0"/>
+              </a:rPr>
+              <a:t>p = 10</a:t>
+            </a:r>
+            <a:r>
+              <a:rPr lang="it-IT" sz="2200" dirty="0">
+                <a:latin typeface="Arial" panose="020B0604020202020204" pitchFamily="34" charset="0"/>
+                <a:cs typeface="Arial" panose="020B0604020202020204" pitchFamily="34" charset="0"/>
+              </a:rPr>
+              <a:t>.</a:t>
+            </a:r>
+          </a:p>
+        </p:txBody>
+      </p:sp>
+      <p:sp>
+        <p:nvSpPr>
+          <p:cNvPr id="4" name="CasellaDiTesto 3">
+            <a:extLst>
+              <a:ext uri="{FF2B5EF4-FFF2-40B4-BE49-F238E27FC236}">
+                <a16:creationId xmlns:a16="http://schemas.microsoft.com/office/drawing/2014/main" id="{DFFEF522-63E5-4C89-8EF7-5F1DCF95C491}"/>
+              </a:ext>
+            </a:extLst>
+          </p:cNvPr>
+          <p:cNvSpPr txBox="1"/>
+          <p:nvPr/>
+        </p:nvSpPr>
+        <p:spPr>
+          <a:xfrm>
+            <a:off x="914161" y="4610719"/>
+            <a:ext cx="7234521" cy="2123658"/>
+          </a:xfrm>
+          <a:prstGeom prst="rect">
+            <a:avLst/>
+          </a:prstGeom>
+          <a:noFill/>
+        </p:spPr>
+        <p:txBody>
+          <a:bodyPr wrap="square" rtlCol="0">
+            <a:spAutoFit/>
+          </a:bodyPr>
+          <a:lstStyle/>
+          <a:p>
+            <a:r>
+              <a:rPr lang="it-IT" sz="2200" dirty="0">
+                <a:latin typeface="Arial" panose="020B0604020202020204" pitchFamily="34" charset="0"/>
+                <a:cs typeface="Arial" panose="020B0604020202020204" pitchFamily="34" charset="0"/>
+              </a:rPr>
+              <a:t>Si può vedere come l'errore di interpolazione per entrambi i metodi di stima dei coefficienti non differisce significativamente dall'errore di interpolazione attraverso</a:t>
+            </a:r>
+          </a:p>
+          <a:p>
+            <a:r>
+              <a:rPr lang="it-IT" sz="2200" dirty="0">
+                <a:latin typeface="Arial" panose="020B0604020202020204" pitchFamily="34" charset="0"/>
+                <a:cs typeface="Arial" panose="020B0604020202020204" pitchFamily="34" charset="0"/>
+              </a:rPr>
+              <a:t>i veri coefficienti del modello AR. Inoltre, una stima grossolana dei coefficienti di predizione non influenza significativamente la qualità della ricostruzione.</a:t>
+            </a:r>
+          </a:p>
+        </p:txBody>
+      </p:sp>
     </p:spTree>
     <p:extLst>
       <p:ext uri="{BB962C8B-B14F-4D97-AF65-F5344CB8AC3E}">
@@ -16524,7 +17381,7 @@
 </p:sld>
 </file>
 
-<file path=ppt/slides/slide18.xml><?xml version="1.0" encoding="utf-8"?>
+<file path=ppt/slides/slide19.xml><?xml version="1.0" encoding="utf-8"?>
 <p:sld xmlns:a="http://schemas.openxmlformats.org/drawingml/2006/main" xmlns:r="http://schemas.openxmlformats.org/officeDocument/2006/relationships" xmlns:p="http://schemas.openxmlformats.org/presentationml/2006/main">
   <p:cSld>
     <p:spTree>
@@ -16581,449 +17438,6 @@
     <p:extLst>
       <p:ext uri="{BB962C8B-B14F-4D97-AF65-F5344CB8AC3E}">
         <p14:creationId xmlns:p14="http://schemas.microsoft.com/office/powerpoint/2010/main" val="3051268569"/>
-      </p:ext>
-    </p:extLst>
-  </p:cSld>
-  <p:clrMapOvr>
-    <a:masterClrMapping/>
-  </p:clrMapOvr>
-  <mc:AlternateContent xmlns:mc="http://schemas.openxmlformats.org/markup-compatibility/2006" xmlns:p159="http://schemas.microsoft.com/office/powerpoint/2015/09/main">
-    <mc:Choice Requires="p159">
-      <p:transition spd="slow">
-        <p159:morph option="byObject"/>
-      </p:transition>
-    </mc:Choice>
-    <mc:Fallback xmlns="">
-      <p:transition spd="slow">
-        <p:fade/>
-      </p:transition>
-    </mc:Fallback>
-  </mc:AlternateContent>
-</p:sld>
-</file>
-
-<file path=ppt/slides/slide19.xml><?xml version="1.0" encoding="utf-8"?>
-<p:sld xmlns:a="http://schemas.openxmlformats.org/drawingml/2006/main" xmlns:r="http://schemas.openxmlformats.org/officeDocument/2006/relationships" xmlns:p="http://schemas.openxmlformats.org/presentationml/2006/main">
-  <p:cSld>
-    <p:spTree>
-      <p:nvGrpSpPr>
-        <p:cNvPr id="1" name=""/>
-        <p:cNvGrpSpPr/>
-        <p:nvPr/>
-      </p:nvGrpSpPr>
-      <p:grpSpPr>
-        <a:xfrm>
-          <a:off x="0" y="0"/>
-          <a:ext cx="0" cy="0"/>
-          <a:chOff x="0" y="0"/>
-          <a:chExt cx="0" cy="0"/>
-        </a:xfrm>
-      </p:grpSpPr>
-      <p:sp>
-        <p:nvSpPr>
-          <p:cNvPr id="6" name="Rettangolo 5">
-            <a:extLst>
-              <a:ext uri="{FF2B5EF4-FFF2-40B4-BE49-F238E27FC236}">
-                <a16:creationId xmlns:a16="http://schemas.microsoft.com/office/drawing/2014/main" id="{7B1B5504-98A2-493E-BB44-52C45E1E59C2}"/>
-              </a:ext>
-            </a:extLst>
-          </p:cNvPr>
-          <p:cNvSpPr/>
-          <p:nvPr/>
-        </p:nvSpPr>
-        <p:spPr>
-          <a:xfrm>
-            <a:off x="806599" y="2083499"/>
-            <a:ext cx="10369153" cy="1200329"/>
-          </a:xfrm>
-          <a:prstGeom prst="rect">
-            <a:avLst/>
-          </a:prstGeom>
-        </p:spPr>
-        <p:txBody>
-          <a:bodyPr wrap="square">
-            <a:spAutoFit/>
-          </a:bodyPr>
-          <a:lstStyle/>
-          <a:p>
-            <a:r>
-              <a:rPr lang="it-IT" dirty="0">
-                <a:latin typeface="Arial" panose="020B0604020202020204" pitchFamily="34" charset="0"/>
-                <a:cs typeface="Arial" panose="020B0604020202020204" pitchFamily="34" charset="0"/>
-              </a:rPr>
-              <a:t>Due sinusoidi, le stesse descritte nel Test 3, corrotte da rumore bianco. Viene considerato un rapporto segnale-rumore di 40dB. Sequenza di 512 sample, con 3 </a:t>
-            </a:r>
-            <a:r>
-              <a:rPr lang="it-IT" dirty="0" err="1">
-                <a:latin typeface="Arial" panose="020B0604020202020204" pitchFamily="34" charset="0"/>
-                <a:cs typeface="Arial" panose="020B0604020202020204" pitchFamily="34" charset="0"/>
-              </a:rPr>
-              <a:t>bursts</a:t>
-            </a:r>
-            <a:r>
-              <a:rPr lang="it-IT" dirty="0">
-                <a:latin typeface="Arial" panose="020B0604020202020204" pitchFamily="34" charset="0"/>
-                <a:cs typeface="Arial" panose="020B0604020202020204" pitchFamily="34" charset="0"/>
-              </a:rPr>
-              <a:t> da 4 sample (m = 12).</a:t>
-            </a:r>
-            <a:endParaRPr lang="it-IT" sz="2800" dirty="0">
-              <a:solidFill>
-                <a:prstClr val="white"/>
-              </a:solidFill>
-              <a:latin typeface="Arial" panose="020B0604020202020204" pitchFamily="34" charset="0"/>
-              <a:cs typeface="Arial" panose="020B0604020202020204" pitchFamily="34" charset="0"/>
-            </a:endParaRPr>
-          </a:p>
-        </p:txBody>
-      </p:sp>
-      <p:sp>
-        <p:nvSpPr>
-          <p:cNvPr id="7" name="Titolo 6">
-            <a:extLst>
-              <a:ext uri="{FF2B5EF4-FFF2-40B4-BE49-F238E27FC236}">
-                <a16:creationId xmlns:a16="http://schemas.microsoft.com/office/drawing/2014/main" id="{C2646486-150F-41EE-967F-8B350431AD1D}"/>
-              </a:ext>
-            </a:extLst>
-          </p:cNvPr>
-          <p:cNvSpPr txBox="1">
-            <a:spLocks/>
-          </p:cNvSpPr>
-          <p:nvPr/>
-        </p:nvSpPr>
-        <p:spPr>
-          <a:xfrm>
-            <a:off x="806599" y="1542310"/>
-            <a:ext cx="8787600" cy="450000"/>
-          </a:xfrm>
-          <a:prstGeom prst="rect">
-            <a:avLst/>
-          </a:prstGeom>
-          <a:solidFill>
-            <a:schemeClr val="accent1"/>
-          </a:solidFill>
-          <a:ln>
-            <a:noFill/>
-          </a:ln>
-          <a:effectLst>
-            <a:outerShdw blurRad="149987" dist="250190" dir="8460000" algn="ctr">
-              <a:srgbClr val="000000">
-                <a:alpha val="28000"/>
-              </a:srgbClr>
-            </a:outerShdw>
-          </a:effectLst>
-        </p:spPr>
-        <p:txBody>
-          <a:bodyPr vert="horz" lIns="121899" tIns="60949" rIns="121899" bIns="60949" rtlCol="0" anchor="b">
-            <a:noAutofit/>
-          </a:bodyPr>
-          <a:lstStyle>
-            <a:lvl1pPr algn="l" defTabSz="1218987" rtl="0" eaLnBrk="1" latinLnBrk="0" hangingPunct="1">
-              <a:lnSpc>
-                <a:spcPct val="90000"/>
-              </a:lnSpc>
-              <a:spcBef>
-                <a:spcPct val="0"/>
-              </a:spcBef>
-              <a:buNone/>
-              <a:defRPr sz="5400" b="0" kern="1200" cap="none" baseline="0">
-                <a:solidFill>
-                  <a:schemeClr val="tx1"/>
-                </a:solidFill>
-                <a:latin typeface="+mj-lt"/>
-                <a:ea typeface="+mj-ea"/>
-                <a:cs typeface="+mj-cs"/>
-              </a:defRPr>
-            </a:lvl1pPr>
-          </a:lstStyle>
-          <a:p>
-            <a:r>
-              <a:rPr lang="it-IT" sz="2400" dirty="0">
-                <a:latin typeface="Verdana" panose="020B0604030504040204" pitchFamily="34" charset="0"/>
-                <a:ea typeface="Verdana" panose="020B0604030504040204" pitchFamily="34" charset="0"/>
-                <a:cs typeface="Verdana" panose="020B0604030504040204" pitchFamily="34" charset="0"/>
-              </a:rPr>
-              <a:t>Test 5 : Multiple sinusoidi corrotte da rumore bianco</a:t>
-            </a:r>
-          </a:p>
-        </p:txBody>
-      </p:sp>
-      <p:sp>
-        <p:nvSpPr>
-          <p:cNvPr id="8" name="Titolo 12">
-            <a:extLst>
-              <a:ext uri="{FF2B5EF4-FFF2-40B4-BE49-F238E27FC236}">
-                <a16:creationId xmlns:a16="http://schemas.microsoft.com/office/drawing/2014/main" id="{4F2BED4B-656B-4EA5-A424-09A648BFE2A6}"/>
-              </a:ext>
-            </a:extLst>
-          </p:cNvPr>
-          <p:cNvSpPr txBox="1">
-            <a:spLocks/>
-          </p:cNvSpPr>
-          <p:nvPr/>
-        </p:nvSpPr>
-        <p:spPr>
-          <a:xfrm>
-            <a:off x="914161" y="836712"/>
-            <a:ext cx="10360501" cy="706091"/>
-          </a:xfrm>
-          <a:prstGeom prst="rect">
-            <a:avLst/>
-          </a:prstGeom>
-          <a:noFill/>
-        </p:spPr>
-        <p:style>
-          <a:lnRef idx="2">
-            <a:schemeClr val="accent1"/>
-          </a:lnRef>
-          <a:fillRef idx="1">
-            <a:schemeClr val="lt1"/>
-          </a:fillRef>
-          <a:effectRef idx="0">
-            <a:schemeClr val="accent1"/>
-          </a:effectRef>
-          <a:fontRef idx="minor">
-            <a:schemeClr val="dk1"/>
-          </a:fontRef>
-        </p:style>
-        <p:txBody>
-          <a:bodyPr vert="horz" lIns="121899" tIns="60949" rIns="121899" bIns="60949" rtlCol="0" anchor="b">
-            <a:normAutofit/>
-          </a:bodyPr>
-          <a:lstStyle>
-            <a:lvl1pPr algn="l" defTabSz="1218987" rtl="0" eaLnBrk="1" latinLnBrk="0" hangingPunct="1">
-              <a:lnSpc>
-                <a:spcPct val="90000"/>
-              </a:lnSpc>
-              <a:spcBef>
-                <a:spcPct val="0"/>
-              </a:spcBef>
-              <a:buNone/>
-              <a:defRPr sz="5400" b="0" kern="1200" cap="none" baseline="0">
-                <a:solidFill>
-                  <a:schemeClr val="dk1"/>
-                </a:solidFill>
-                <a:latin typeface="+mn-lt"/>
-                <a:ea typeface="+mn-ea"/>
-                <a:cs typeface="+mn-cs"/>
-              </a:defRPr>
-            </a:lvl1pPr>
-            <a:lvl2pPr>
-              <a:defRPr>
-                <a:solidFill>
-                  <a:schemeClr val="dk1"/>
-                </a:solidFill>
-                <a:latin typeface="+mn-lt"/>
-                <a:ea typeface="+mn-ea"/>
-                <a:cs typeface="+mn-cs"/>
-              </a:defRPr>
-            </a:lvl2pPr>
-            <a:lvl3pPr>
-              <a:defRPr>
-                <a:solidFill>
-                  <a:schemeClr val="dk1"/>
-                </a:solidFill>
-                <a:latin typeface="+mn-lt"/>
-                <a:ea typeface="+mn-ea"/>
-                <a:cs typeface="+mn-cs"/>
-              </a:defRPr>
-            </a:lvl3pPr>
-            <a:lvl4pPr>
-              <a:defRPr>
-                <a:solidFill>
-                  <a:schemeClr val="dk1"/>
-                </a:solidFill>
-                <a:latin typeface="+mn-lt"/>
-                <a:ea typeface="+mn-ea"/>
-                <a:cs typeface="+mn-cs"/>
-              </a:defRPr>
-            </a:lvl4pPr>
-            <a:lvl5pPr>
-              <a:defRPr>
-                <a:solidFill>
-                  <a:schemeClr val="dk1"/>
-                </a:solidFill>
-                <a:latin typeface="+mn-lt"/>
-                <a:ea typeface="+mn-ea"/>
-                <a:cs typeface="+mn-cs"/>
-              </a:defRPr>
-            </a:lvl5pPr>
-            <a:lvl6pPr>
-              <a:defRPr>
-                <a:solidFill>
-                  <a:schemeClr val="dk1"/>
-                </a:solidFill>
-                <a:latin typeface="+mn-lt"/>
-                <a:ea typeface="+mn-ea"/>
-                <a:cs typeface="+mn-cs"/>
-              </a:defRPr>
-            </a:lvl6pPr>
-            <a:lvl7pPr>
-              <a:defRPr>
-                <a:solidFill>
-                  <a:schemeClr val="dk1"/>
-                </a:solidFill>
-                <a:latin typeface="+mn-lt"/>
-                <a:ea typeface="+mn-ea"/>
-                <a:cs typeface="+mn-cs"/>
-              </a:defRPr>
-            </a:lvl7pPr>
-            <a:lvl8pPr>
-              <a:defRPr>
-                <a:solidFill>
-                  <a:schemeClr val="dk1"/>
-                </a:solidFill>
-                <a:latin typeface="+mn-lt"/>
-                <a:ea typeface="+mn-ea"/>
-                <a:cs typeface="+mn-cs"/>
-              </a:defRPr>
-            </a:lvl8pPr>
-            <a:lvl9pPr>
-              <a:defRPr>
-                <a:solidFill>
-                  <a:schemeClr val="dk1"/>
-                </a:solidFill>
-                <a:latin typeface="+mn-lt"/>
-                <a:ea typeface="+mn-ea"/>
-                <a:cs typeface="+mn-cs"/>
-              </a:defRPr>
-            </a:lvl9pPr>
-          </a:lstStyle>
-          <a:p>
-            <a:r>
-              <a:rPr lang="it-IT" sz="4000" dirty="0">
-                <a:solidFill>
-                  <a:schemeClr val="tx1"/>
-                </a:solidFill>
-                <a:latin typeface="Verdana" panose="020B0604030504040204" pitchFamily="34" charset="0"/>
-                <a:ea typeface="Verdana" panose="020B0604030504040204" pitchFamily="34" charset="0"/>
-                <a:cs typeface="Verdana" panose="020B0604030504040204" pitchFamily="34" charset="0"/>
-              </a:rPr>
-              <a:t>Test e risultati</a:t>
-            </a:r>
-          </a:p>
-        </p:txBody>
-      </p:sp>
-      <p:grpSp>
-        <p:nvGrpSpPr>
-          <p:cNvPr id="9" name="Gruppo 8">
-            <a:extLst>
-              <a:ext uri="{FF2B5EF4-FFF2-40B4-BE49-F238E27FC236}">
-                <a16:creationId xmlns:a16="http://schemas.microsoft.com/office/drawing/2014/main" id="{7640E55D-0D98-4462-BF0B-1B7C09EA0D5B}"/>
-              </a:ext>
-            </a:extLst>
-          </p:cNvPr>
-          <p:cNvGrpSpPr/>
-          <p:nvPr/>
-        </p:nvGrpSpPr>
-        <p:grpSpPr>
-          <a:xfrm>
-            <a:off x="477787" y="836712"/>
-            <a:ext cx="508384" cy="705600"/>
-            <a:chOff x="477787" y="836712"/>
-            <a:chExt cx="508384" cy="705600"/>
-          </a:xfrm>
-        </p:grpSpPr>
-        <p:sp>
-          <p:nvSpPr>
-            <p:cNvPr id="10" name="Rettangolo con angoli in alto arrotondati 9">
-              <a:extLst>
-                <a:ext uri="{FF2B5EF4-FFF2-40B4-BE49-F238E27FC236}">
-                  <a16:creationId xmlns:a16="http://schemas.microsoft.com/office/drawing/2014/main" id="{9B2E8261-9285-4959-9C85-824AB1A707E5}"/>
-                </a:ext>
-              </a:extLst>
-            </p:cNvPr>
-            <p:cNvSpPr/>
-            <p:nvPr/>
-          </p:nvSpPr>
-          <p:spPr>
-            <a:xfrm rot="16200000">
-              <a:off x="343174" y="971325"/>
-              <a:ext cx="705600" cy="436373"/>
-            </a:xfrm>
-            <a:prstGeom prst="round2SameRect">
-              <a:avLst>
-                <a:gd name="adj1" fmla="val 30776"/>
-                <a:gd name="adj2" fmla="val 0"/>
-              </a:avLst>
-            </a:prstGeom>
-            <a:solidFill>
-              <a:schemeClr val="accent1"/>
-            </a:solidFill>
-            <a:ln>
-              <a:solidFill>
-                <a:schemeClr val="accent1"/>
-              </a:solidFill>
-            </a:ln>
-          </p:spPr>
-          <p:style>
-            <a:lnRef idx="2">
-              <a:schemeClr val="accent1">
-                <a:shade val="50000"/>
-              </a:schemeClr>
-            </a:lnRef>
-            <a:fillRef idx="1">
-              <a:schemeClr val="accent1"/>
-            </a:fillRef>
-            <a:effectRef idx="0">
-              <a:schemeClr val="accent1"/>
-            </a:effectRef>
-            <a:fontRef idx="minor">
-              <a:schemeClr val="lt1"/>
-            </a:fontRef>
-          </p:style>
-          <p:txBody>
-            <a:bodyPr rtlCol="0" anchor="ctr"/>
-            <a:lstStyle/>
-            <a:p>
-              <a:pPr algn="ctr"/>
-              <a:endParaRPr lang="it-IT" sz="2800" dirty="0"/>
-            </a:p>
-          </p:txBody>
-        </p:sp>
-        <p:sp>
-          <p:nvSpPr>
-            <p:cNvPr id="11" name="CasellaDiTesto 10">
-              <a:extLst>
-                <a:ext uri="{FF2B5EF4-FFF2-40B4-BE49-F238E27FC236}">
-                  <a16:creationId xmlns:a16="http://schemas.microsoft.com/office/drawing/2014/main" id="{2F128D95-F1F1-4D95-84CA-E1C847004D4F}"/>
-                </a:ext>
-              </a:extLst>
-            </p:cNvPr>
-            <p:cNvSpPr txBox="1"/>
-            <p:nvPr/>
-          </p:nvSpPr>
-          <p:spPr>
-            <a:xfrm>
-              <a:off x="549796" y="927901"/>
-              <a:ext cx="436375" cy="523220"/>
-            </a:xfrm>
-            <a:prstGeom prst="rect">
-              <a:avLst/>
-            </a:prstGeom>
-            <a:noFill/>
-          </p:spPr>
-          <p:txBody>
-            <a:bodyPr wrap="square" rtlCol="0">
-              <a:spAutoFit/>
-            </a:bodyPr>
-            <a:lstStyle/>
-            <a:p>
-              <a:r>
-                <a:rPr lang="it-IT" sz="2800" b="1" dirty="0">
-                  <a:latin typeface="Arial" panose="020B0604020202020204" pitchFamily="34" charset="0"/>
-                  <a:cs typeface="Arial" panose="020B0604020202020204" pitchFamily="34" charset="0"/>
-                </a:rPr>
-                <a:t>4</a:t>
-              </a:r>
-            </a:p>
-          </p:txBody>
-        </p:sp>
-      </p:grpSp>
-    </p:spTree>
-    <p:extLst>
-      <p:ext uri="{BB962C8B-B14F-4D97-AF65-F5344CB8AC3E}">
-        <p14:creationId xmlns:p14="http://schemas.microsoft.com/office/powerpoint/2010/main" val="9367387"/>
       </p:ext>
     </p:extLst>
   </p:cSld>
@@ -17296,6 +17710,456 @@
           <a:chExt cx="0" cy="0"/>
         </a:xfrm>
       </p:grpSpPr>
+      <p:sp>
+        <p:nvSpPr>
+          <p:cNvPr id="6" name="Rettangolo 5">
+            <a:extLst>
+              <a:ext uri="{FF2B5EF4-FFF2-40B4-BE49-F238E27FC236}">
+                <a16:creationId xmlns:a16="http://schemas.microsoft.com/office/drawing/2014/main" id="{7B1B5504-98A2-493E-BB44-52C45E1E59C2}"/>
+              </a:ext>
+            </a:extLst>
+          </p:cNvPr>
+          <p:cNvSpPr/>
+          <p:nvPr/>
+        </p:nvSpPr>
+        <p:spPr>
+          <a:xfrm>
+            <a:off x="806599" y="2083499"/>
+            <a:ext cx="10369153" cy="1200329"/>
+          </a:xfrm>
+          <a:prstGeom prst="rect">
+            <a:avLst/>
+          </a:prstGeom>
+        </p:spPr>
+        <p:txBody>
+          <a:bodyPr wrap="square">
+            <a:spAutoFit/>
+          </a:bodyPr>
+          <a:lstStyle/>
+          <a:p>
+            <a:r>
+              <a:rPr lang="it-IT" dirty="0">
+                <a:latin typeface="Arial" panose="020B0604020202020204" pitchFamily="34" charset="0"/>
+                <a:cs typeface="Arial" panose="020B0604020202020204" pitchFamily="34" charset="0"/>
+              </a:rPr>
+              <a:t>Due sinusoidi, le stesse descritte nel Test 3, corrotte da rumore bianco. Viene considerato un rapporto segnale-rumore di 40dB. Sequenza di 512 sample, con 3 </a:t>
+            </a:r>
+            <a:r>
+              <a:rPr lang="it-IT" dirty="0" err="1">
+                <a:latin typeface="Arial" panose="020B0604020202020204" pitchFamily="34" charset="0"/>
+                <a:cs typeface="Arial" panose="020B0604020202020204" pitchFamily="34" charset="0"/>
+              </a:rPr>
+              <a:t>bursts</a:t>
+            </a:r>
+            <a:r>
+              <a:rPr lang="it-IT" dirty="0">
+                <a:latin typeface="Arial" panose="020B0604020202020204" pitchFamily="34" charset="0"/>
+                <a:cs typeface="Arial" panose="020B0604020202020204" pitchFamily="34" charset="0"/>
+              </a:rPr>
+              <a:t> da 4 sample (m = 12).</a:t>
+            </a:r>
+            <a:endParaRPr lang="it-IT" sz="2800" dirty="0">
+              <a:solidFill>
+                <a:prstClr val="white"/>
+              </a:solidFill>
+              <a:latin typeface="Arial" panose="020B0604020202020204" pitchFamily="34" charset="0"/>
+              <a:cs typeface="Arial" panose="020B0604020202020204" pitchFamily="34" charset="0"/>
+            </a:endParaRPr>
+          </a:p>
+        </p:txBody>
+      </p:sp>
+      <p:sp>
+        <p:nvSpPr>
+          <p:cNvPr id="7" name="Titolo 6">
+            <a:extLst>
+              <a:ext uri="{FF2B5EF4-FFF2-40B4-BE49-F238E27FC236}">
+                <a16:creationId xmlns:a16="http://schemas.microsoft.com/office/drawing/2014/main" id="{C2646486-150F-41EE-967F-8B350431AD1D}"/>
+              </a:ext>
+            </a:extLst>
+          </p:cNvPr>
+          <p:cNvSpPr txBox="1">
+            <a:spLocks/>
+          </p:cNvSpPr>
+          <p:nvPr/>
+        </p:nvSpPr>
+        <p:spPr>
+          <a:xfrm>
+            <a:off x="806599" y="1542310"/>
+            <a:ext cx="8787600" cy="450000"/>
+          </a:xfrm>
+          <a:prstGeom prst="rect">
+            <a:avLst/>
+          </a:prstGeom>
+          <a:solidFill>
+            <a:schemeClr val="accent1"/>
+          </a:solidFill>
+          <a:ln>
+            <a:noFill/>
+          </a:ln>
+          <a:effectLst>
+            <a:outerShdw blurRad="149987" dist="250190" dir="8460000" algn="ctr">
+              <a:srgbClr val="000000">
+                <a:alpha val="28000"/>
+              </a:srgbClr>
+            </a:outerShdw>
+          </a:effectLst>
+        </p:spPr>
+        <p:txBody>
+          <a:bodyPr vert="horz" lIns="121899" tIns="60949" rIns="121899" bIns="60949" rtlCol="0" anchor="b">
+            <a:noAutofit/>
+          </a:bodyPr>
+          <a:lstStyle>
+            <a:lvl1pPr algn="l" defTabSz="1218987" rtl="0" eaLnBrk="1" latinLnBrk="0" hangingPunct="1">
+              <a:lnSpc>
+                <a:spcPct val="90000"/>
+              </a:lnSpc>
+              <a:spcBef>
+                <a:spcPct val="0"/>
+              </a:spcBef>
+              <a:buNone/>
+              <a:defRPr sz="5400" b="0" kern="1200" cap="none" baseline="0">
+                <a:solidFill>
+                  <a:schemeClr val="tx1"/>
+                </a:solidFill>
+                <a:latin typeface="+mj-lt"/>
+                <a:ea typeface="+mj-ea"/>
+                <a:cs typeface="+mj-cs"/>
+              </a:defRPr>
+            </a:lvl1pPr>
+          </a:lstStyle>
+          <a:p>
+            <a:r>
+              <a:rPr lang="it-IT" sz="2400" dirty="0">
+                <a:effectLst>
+                  <a:outerShdw blurRad="38100" dist="38100" dir="2700000" algn="tl">
+                    <a:srgbClr val="000000">
+                      <a:alpha val="43137"/>
+                    </a:srgbClr>
+                  </a:outerShdw>
+                </a:effectLst>
+                <a:latin typeface="Verdana" panose="020B0604030504040204" pitchFamily="34" charset="0"/>
+                <a:ea typeface="Verdana" panose="020B0604030504040204" pitchFamily="34" charset="0"/>
+                <a:cs typeface="Verdana" panose="020B0604030504040204" pitchFamily="34" charset="0"/>
+              </a:rPr>
+              <a:t>Test 5 : Multiple sinusoidi corrotte da rumore bianco</a:t>
+            </a:r>
+          </a:p>
+        </p:txBody>
+      </p:sp>
+      <p:sp>
+        <p:nvSpPr>
+          <p:cNvPr id="8" name="Titolo 12">
+            <a:extLst>
+              <a:ext uri="{FF2B5EF4-FFF2-40B4-BE49-F238E27FC236}">
+                <a16:creationId xmlns:a16="http://schemas.microsoft.com/office/drawing/2014/main" id="{4F2BED4B-656B-4EA5-A424-09A648BFE2A6}"/>
+              </a:ext>
+            </a:extLst>
+          </p:cNvPr>
+          <p:cNvSpPr txBox="1">
+            <a:spLocks/>
+          </p:cNvSpPr>
+          <p:nvPr/>
+        </p:nvSpPr>
+        <p:spPr>
+          <a:xfrm>
+            <a:off x="914161" y="836712"/>
+            <a:ext cx="10360501" cy="706091"/>
+          </a:xfrm>
+          <a:prstGeom prst="rect">
+            <a:avLst/>
+          </a:prstGeom>
+          <a:noFill/>
+        </p:spPr>
+        <p:style>
+          <a:lnRef idx="2">
+            <a:schemeClr val="accent1"/>
+          </a:lnRef>
+          <a:fillRef idx="1">
+            <a:schemeClr val="lt1"/>
+          </a:fillRef>
+          <a:effectRef idx="0">
+            <a:schemeClr val="accent1"/>
+          </a:effectRef>
+          <a:fontRef idx="minor">
+            <a:schemeClr val="dk1"/>
+          </a:fontRef>
+        </p:style>
+        <p:txBody>
+          <a:bodyPr vert="horz" lIns="121899" tIns="60949" rIns="121899" bIns="60949" rtlCol="0" anchor="b">
+            <a:normAutofit/>
+          </a:bodyPr>
+          <a:lstStyle>
+            <a:lvl1pPr algn="l" defTabSz="1218987" rtl="0" eaLnBrk="1" latinLnBrk="0" hangingPunct="1">
+              <a:lnSpc>
+                <a:spcPct val="90000"/>
+              </a:lnSpc>
+              <a:spcBef>
+                <a:spcPct val="0"/>
+              </a:spcBef>
+              <a:buNone/>
+              <a:defRPr sz="5400" b="0" kern="1200" cap="none" baseline="0">
+                <a:solidFill>
+                  <a:schemeClr val="dk1"/>
+                </a:solidFill>
+                <a:latin typeface="+mn-lt"/>
+                <a:ea typeface="+mn-ea"/>
+                <a:cs typeface="+mn-cs"/>
+              </a:defRPr>
+            </a:lvl1pPr>
+            <a:lvl2pPr>
+              <a:defRPr>
+                <a:solidFill>
+                  <a:schemeClr val="dk1"/>
+                </a:solidFill>
+                <a:latin typeface="+mn-lt"/>
+                <a:ea typeface="+mn-ea"/>
+                <a:cs typeface="+mn-cs"/>
+              </a:defRPr>
+            </a:lvl2pPr>
+            <a:lvl3pPr>
+              <a:defRPr>
+                <a:solidFill>
+                  <a:schemeClr val="dk1"/>
+                </a:solidFill>
+                <a:latin typeface="+mn-lt"/>
+                <a:ea typeface="+mn-ea"/>
+                <a:cs typeface="+mn-cs"/>
+              </a:defRPr>
+            </a:lvl3pPr>
+            <a:lvl4pPr>
+              <a:defRPr>
+                <a:solidFill>
+                  <a:schemeClr val="dk1"/>
+                </a:solidFill>
+                <a:latin typeface="+mn-lt"/>
+                <a:ea typeface="+mn-ea"/>
+                <a:cs typeface="+mn-cs"/>
+              </a:defRPr>
+            </a:lvl4pPr>
+            <a:lvl5pPr>
+              <a:defRPr>
+                <a:solidFill>
+                  <a:schemeClr val="dk1"/>
+                </a:solidFill>
+                <a:latin typeface="+mn-lt"/>
+                <a:ea typeface="+mn-ea"/>
+                <a:cs typeface="+mn-cs"/>
+              </a:defRPr>
+            </a:lvl5pPr>
+            <a:lvl6pPr>
+              <a:defRPr>
+                <a:solidFill>
+                  <a:schemeClr val="dk1"/>
+                </a:solidFill>
+                <a:latin typeface="+mn-lt"/>
+                <a:ea typeface="+mn-ea"/>
+                <a:cs typeface="+mn-cs"/>
+              </a:defRPr>
+            </a:lvl6pPr>
+            <a:lvl7pPr>
+              <a:defRPr>
+                <a:solidFill>
+                  <a:schemeClr val="dk1"/>
+                </a:solidFill>
+                <a:latin typeface="+mn-lt"/>
+                <a:ea typeface="+mn-ea"/>
+                <a:cs typeface="+mn-cs"/>
+              </a:defRPr>
+            </a:lvl7pPr>
+            <a:lvl8pPr>
+              <a:defRPr>
+                <a:solidFill>
+                  <a:schemeClr val="dk1"/>
+                </a:solidFill>
+                <a:latin typeface="+mn-lt"/>
+                <a:ea typeface="+mn-ea"/>
+                <a:cs typeface="+mn-cs"/>
+              </a:defRPr>
+            </a:lvl8pPr>
+            <a:lvl9pPr>
+              <a:defRPr>
+                <a:solidFill>
+                  <a:schemeClr val="dk1"/>
+                </a:solidFill>
+                <a:latin typeface="+mn-lt"/>
+                <a:ea typeface="+mn-ea"/>
+                <a:cs typeface="+mn-cs"/>
+              </a:defRPr>
+            </a:lvl9pPr>
+          </a:lstStyle>
+          <a:p>
+            <a:r>
+              <a:rPr lang="it-IT" sz="4000" dirty="0">
+                <a:solidFill>
+                  <a:schemeClr val="tx1"/>
+                </a:solidFill>
+                <a:latin typeface="Verdana" panose="020B0604030504040204" pitchFamily="34" charset="0"/>
+                <a:ea typeface="Verdana" panose="020B0604030504040204" pitchFamily="34" charset="0"/>
+                <a:cs typeface="Verdana" panose="020B0604030504040204" pitchFamily="34" charset="0"/>
+              </a:rPr>
+              <a:t>Test e risultati</a:t>
+            </a:r>
+          </a:p>
+        </p:txBody>
+      </p:sp>
+      <p:grpSp>
+        <p:nvGrpSpPr>
+          <p:cNvPr id="9" name="Gruppo 8">
+            <a:extLst>
+              <a:ext uri="{FF2B5EF4-FFF2-40B4-BE49-F238E27FC236}">
+                <a16:creationId xmlns:a16="http://schemas.microsoft.com/office/drawing/2014/main" id="{7640E55D-0D98-4462-BF0B-1B7C09EA0D5B}"/>
+              </a:ext>
+            </a:extLst>
+          </p:cNvPr>
+          <p:cNvGrpSpPr/>
+          <p:nvPr/>
+        </p:nvGrpSpPr>
+        <p:grpSpPr>
+          <a:xfrm>
+            <a:off x="477787" y="836712"/>
+            <a:ext cx="508384" cy="705600"/>
+            <a:chOff x="477787" y="836712"/>
+            <a:chExt cx="508384" cy="705600"/>
+          </a:xfrm>
+        </p:grpSpPr>
+        <p:sp>
+          <p:nvSpPr>
+            <p:cNvPr id="10" name="Rettangolo con angoli in alto arrotondati 9">
+              <a:extLst>
+                <a:ext uri="{FF2B5EF4-FFF2-40B4-BE49-F238E27FC236}">
+                  <a16:creationId xmlns:a16="http://schemas.microsoft.com/office/drawing/2014/main" id="{9B2E8261-9285-4959-9C85-824AB1A707E5}"/>
+                </a:ext>
+              </a:extLst>
+            </p:cNvPr>
+            <p:cNvSpPr/>
+            <p:nvPr/>
+          </p:nvSpPr>
+          <p:spPr>
+            <a:xfrm rot="16200000">
+              <a:off x="343174" y="971325"/>
+              <a:ext cx="705600" cy="436373"/>
+            </a:xfrm>
+            <a:prstGeom prst="round2SameRect">
+              <a:avLst>
+                <a:gd name="adj1" fmla="val 30776"/>
+                <a:gd name="adj2" fmla="val 0"/>
+              </a:avLst>
+            </a:prstGeom>
+            <a:solidFill>
+              <a:schemeClr val="accent1"/>
+            </a:solidFill>
+            <a:ln>
+              <a:solidFill>
+                <a:schemeClr val="accent1"/>
+              </a:solidFill>
+            </a:ln>
+          </p:spPr>
+          <p:style>
+            <a:lnRef idx="2">
+              <a:schemeClr val="accent1">
+                <a:shade val="50000"/>
+              </a:schemeClr>
+            </a:lnRef>
+            <a:fillRef idx="1">
+              <a:schemeClr val="accent1"/>
+            </a:fillRef>
+            <a:effectRef idx="0">
+              <a:schemeClr val="accent1"/>
+            </a:effectRef>
+            <a:fontRef idx="minor">
+              <a:schemeClr val="lt1"/>
+            </a:fontRef>
+          </p:style>
+          <p:txBody>
+            <a:bodyPr rtlCol="0" anchor="ctr"/>
+            <a:lstStyle/>
+            <a:p>
+              <a:pPr algn="ctr"/>
+              <a:endParaRPr lang="it-IT" sz="2800" dirty="0"/>
+            </a:p>
+          </p:txBody>
+        </p:sp>
+        <p:sp>
+          <p:nvSpPr>
+            <p:cNvPr id="11" name="CasellaDiTesto 10">
+              <a:extLst>
+                <a:ext uri="{FF2B5EF4-FFF2-40B4-BE49-F238E27FC236}">
+                  <a16:creationId xmlns:a16="http://schemas.microsoft.com/office/drawing/2014/main" id="{2F128D95-F1F1-4D95-84CA-E1C847004D4F}"/>
+                </a:ext>
+              </a:extLst>
+            </p:cNvPr>
+            <p:cNvSpPr txBox="1"/>
+            <p:nvPr/>
+          </p:nvSpPr>
+          <p:spPr>
+            <a:xfrm>
+              <a:off x="549796" y="927901"/>
+              <a:ext cx="436375" cy="523220"/>
+            </a:xfrm>
+            <a:prstGeom prst="rect">
+              <a:avLst/>
+            </a:prstGeom>
+            <a:noFill/>
+          </p:spPr>
+          <p:txBody>
+            <a:bodyPr wrap="square" rtlCol="0">
+              <a:spAutoFit/>
+            </a:bodyPr>
+            <a:lstStyle/>
+            <a:p>
+              <a:r>
+                <a:rPr lang="it-IT" sz="2800" b="1" dirty="0">
+                  <a:latin typeface="Arial" panose="020B0604020202020204" pitchFamily="34" charset="0"/>
+                  <a:cs typeface="Arial" panose="020B0604020202020204" pitchFamily="34" charset="0"/>
+                </a:rPr>
+                <a:t>4</a:t>
+              </a:r>
+            </a:p>
+          </p:txBody>
+        </p:sp>
+      </p:grpSp>
+    </p:spTree>
+    <p:extLst>
+      <p:ext uri="{BB962C8B-B14F-4D97-AF65-F5344CB8AC3E}">
+        <p14:creationId xmlns:p14="http://schemas.microsoft.com/office/powerpoint/2010/main" val="9367387"/>
+      </p:ext>
+    </p:extLst>
+  </p:cSld>
+  <p:clrMapOvr>
+    <a:masterClrMapping/>
+  </p:clrMapOvr>
+  <mc:AlternateContent xmlns:mc="http://schemas.openxmlformats.org/markup-compatibility/2006" xmlns:p159="http://schemas.microsoft.com/office/powerpoint/2015/09/main">
+    <mc:Choice Requires="p159">
+      <p:transition spd="slow">
+        <p159:morph option="byObject"/>
+      </p:transition>
+    </mc:Choice>
+    <mc:Fallback xmlns="">
+      <p:transition spd="slow">
+        <p:fade/>
+      </p:transition>
+    </mc:Fallback>
+  </mc:AlternateContent>
+</p:sld>
+</file>
+
+<file path=ppt/slides/slide21.xml><?xml version="1.0" encoding="utf-8"?>
+<p:sld xmlns:a="http://schemas.openxmlformats.org/drawingml/2006/main" xmlns:r="http://schemas.openxmlformats.org/officeDocument/2006/relationships" xmlns:p="http://schemas.openxmlformats.org/presentationml/2006/main">
+  <p:cSld>
+    <p:spTree>
+      <p:nvGrpSpPr>
+        <p:cNvPr id="1" name=""/>
+        <p:cNvGrpSpPr/>
+        <p:nvPr/>
+      </p:nvGrpSpPr>
+      <p:grpSpPr>
+        <a:xfrm>
+          <a:off x="0" y="0"/>
+          <a:ext cx="0" cy="0"/>
+          <a:chOff x="0" y="0"/>
+          <a:chExt cx="0" cy="0"/>
+        </a:xfrm>
+      </p:grpSpPr>
       <p:pic>
         <p:nvPicPr>
           <p:cNvPr id="5" name="Immagine 4" descr="test 5">
@@ -17360,7 +18224,7 @@
 </p:sld>
 </file>
 
-<file path=ppt/slides/slide21.xml><?xml version="1.0" encoding="utf-8"?>
+<file path=ppt/slides/slide22.xml><?xml version="1.0" encoding="utf-8"?>
 <p:sld xmlns:a="http://schemas.openxmlformats.org/drawingml/2006/main" xmlns:r="http://schemas.openxmlformats.org/officeDocument/2006/relationships" xmlns:p="http://schemas.openxmlformats.org/presentationml/2006/main">
   <p:cSld>
     <p:spTree>
@@ -17377,8 +18241,8 @@
           <a:chExt cx="0" cy="0"/>
         </a:xfrm>
       </p:grpSpPr>
-      <mc:AlternateContent xmlns:mc="http://schemas.openxmlformats.org/markup-compatibility/2006" xmlns:a14="http://schemas.microsoft.com/office/drawing/2010/main">
-        <mc:Choice Requires="a14">
+      <mc:AlternateContent xmlns:mc="http://schemas.openxmlformats.org/markup-compatibility/2006">
+        <mc:Choice xmlns:a14="http://schemas.microsoft.com/office/drawing/2010/main" Requires="a14">
           <p:sp>
             <p:nvSpPr>
               <p:cNvPr id="6" name="Rettangolo 5">
@@ -17393,7 +18257,7 @@
             </p:nvSpPr>
             <p:spPr>
               <a:xfrm>
-                <a:off x="914365" y="2557347"/>
+                <a:off x="883681" y="2420888"/>
                 <a:ext cx="4680520" cy="2677656"/>
               </a:xfrm>
               <a:prstGeom prst="rect">
@@ -17419,7 +18283,7 @@
                 <a:r>
                   <a:rPr lang="it-IT" i="1" dirty="0">
                     <a:solidFill>
-                      <a:prstClr val="white"/>
+                      <a:schemeClr val="accent1"/>
                     </a:solidFill>
                     <a:latin typeface="Arial" panose="020B0604020202020204" pitchFamily="34" charset="0"/>
                     <a:cs typeface="Arial" panose="020B0604020202020204" pitchFamily="34" charset="0"/>
@@ -17454,19 +18318,7 @@
                     <a:latin typeface="Arial" panose="020B0604020202020204" pitchFamily="34" charset="0"/>
                     <a:cs typeface="Arial" panose="020B0604020202020204" pitchFamily="34" charset="0"/>
                   </a:rPr>
-                  <a:t> di</a:t>
-                </a:r>
-              </a:p>
-              <a:p>
-                <a:r>
-                  <a:rPr lang="it-IT" dirty="0">
-                    <a:solidFill>
-                      <a:prstClr val="white"/>
-                    </a:solidFill>
-                    <a:latin typeface="Arial" panose="020B0604020202020204" pitchFamily="34" charset="0"/>
-                    <a:cs typeface="Arial" panose="020B0604020202020204" pitchFamily="34" charset="0"/>
-                  </a:rPr>
-                  <a:t>16 sample con un rate di </a:t>
+                  <a:t> di 16 sample con un rate di </a:t>
                 </a:r>
                 <a14:m>
                   <m:oMath xmlns:m="http://schemas.openxmlformats.org/officeDocument/2006/math">
@@ -17533,7 +18385,7 @@
             </p:txBody>
           </p:sp>
         </mc:Choice>
-        <mc:Fallback xmlns="">
+        <mc:Fallback>
           <p:sp>
             <p:nvSpPr>
               <p:cNvPr id="6" name="Rettangolo 5">
@@ -17550,7 +18402,7 @@
             </p:nvSpPr>
             <p:spPr>
               <a:xfrm>
-                <a:off x="914365" y="2557347"/>
+                <a:off x="883681" y="2420888"/>
                 <a:ext cx="4680520" cy="2677656"/>
               </a:xfrm>
               <a:prstGeom prst="rect">
@@ -17559,7 +18411,7 @@
               <a:blipFill>
                 <a:blip r:embed="rId3"/>
                 <a:stretch>
-                  <a:fillRect l="-2168" t="-1415" r="-2168" b="-3774"/>
+                  <a:fillRect l="-2083" t="-1595" r="-2214" b="-4556"/>
                 </a:stretch>
               </a:blipFill>
             </p:spPr>
@@ -17568,7 +18420,7 @@
               <a:lstStyle/>
               <a:p>
                 <a:r>
-                  <a:rPr lang="en-US">
+                  <a:rPr lang="it-IT">
                     <a:noFill/>
                   </a:rPr>
                   <a:t> </a:t>
@@ -17676,6 +18528,13 @@
           <a:p>
             <a:r>
               <a:rPr lang="it-IT" sz="2400" dirty="0">
+                <a:effectLst>
+                  <a:outerShdw blurRad="38100" dist="38100" dir="2700000" algn="tl">
+                    <a:srgbClr val="000000">
+                      <a:alpha val="43137"/>
+                    </a:srgbClr>
+                  </a:outerShdw>
+                </a:effectLst>
                 <a:latin typeface="Verdana" panose="020B0604030504040204" pitchFamily="34" charset="0"/>
                 <a:ea typeface="Verdana" panose="020B0604030504040204" pitchFamily="34" charset="0"/>
                 <a:cs typeface="Verdana" panose="020B0604030504040204" pitchFamily="34" charset="0"/>
@@ -17982,7 +18841,595 @@
 </p:sld>
 </file>
 
-<file path=ppt/slides/slide22.xml><?xml version="1.0" encoding="utf-8"?>
+<file path=ppt/slides/slide23.xml><?xml version="1.0" encoding="utf-8"?>
+<p:sld xmlns:a="http://schemas.openxmlformats.org/drawingml/2006/main" xmlns:r="http://schemas.openxmlformats.org/officeDocument/2006/relationships" xmlns:p="http://schemas.openxmlformats.org/presentationml/2006/main">
+  <p:cSld>
+    <p:spTree>
+      <p:nvGrpSpPr>
+        <p:cNvPr id="1" name=""/>
+        <p:cNvGrpSpPr/>
+        <p:nvPr/>
+      </p:nvGrpSpPr>
+      <p:grpSpPr>
+        <a:xfrm>
+          <a:off x="0" y="0"/>
+          <a:ext cx="0" cy="0"/>
+          <a:chOff x="0" y="0"/>
+          <a:chExt cx="0" cy="0"/>
+        </a:xfrm>
+      </p:grpSpPr>
+      <p:sp>
+        <p:nvSpPr>
+          <p:cNvPr id="8" name="Titolo 6">
+            <a:extLst>
+              <a:ext uri="{FF2B5EF4-FFF2-40B4-BE49-F238E27FC236}">
+                <a16:creationId xmlns:a16="http://schemas.microsoft.com/office/drawing/2014/main" id="{765AF794-1312-4268-8DD9-6A5EA057064D}"/>
+              </a:ext>
+            </a:extLst>
+          </p:cNvPr>
+          <p:cNvSpPr txBox="1">
+            <a:spLocks/>
+          </p:cNvSpPr>
+          <p:nvPr/>
+        </p:nvSpPr>
+        <p:spPr>
+          <a:xfrm>
+            <a:off x="806599" y="1542310"/>
+            <a:ext cx="8787600" cy="450000"/>
+          </a:xfrm>
+          <a:prstGeom prst="rect">
+            <a:avLst/>
+          </a:prstGeom>
+          <a:solidFill>
+            <a:schemeClr val="accent1"/>
+          </a:solidFill>
+          <a:ln>
+            <a:noFill/>
+          </a:ln>
+          <a:effectLst>
+            <a:outerShdw blurRad="149987" dist="250190" dir="8460000" algn="ctr">
+              <a:srgbClr val="000000">
+                <a:alpha val="28000"/>
+              </a:srgbClr>
+            </a:outerShdw>
+          </a:effectLst>
+        </p:spPr>
+        <p:txBody>
+          <a:bodyPr vert="horz" lIns="121899" tIns="60949" rIns="121899" bIns="60949" rtlCol="0" anchor="b">
+            <a:noAutofit/>
+          </a:bodyPr>
+          <a:lstStyle>
+            <a:lvl1pPr algn="l" defTabSz="1218987" rtl="0" eaLnBrk="1" latinLnBrk="0" hangingPunct="1">
+              <a:lnSpc>
+                <a:spcPct val="90000"/>
+              </a:lnSpc>
+              <a:spcBef>
+                <a:spcPct val="0"/>
+              </a:spcBef>
+              <a:buNone/>
+              <a:defRPr sz="5400" b="0" kern="1200" cap="none" baseline="0">
+                <a:solidFill>
+                  <a:schemeClr val="tx1"/>
+                </a:solidFill>
+                <a:latin typeface="+mj-lt"/>
+                <a:ea typeface="+mj-ea"/>
+                <a:cs typeface="+mj-cs"/>
+              </a:defRPr>
+            </a:lvl1pPr>
+          </a:lstStyle>
+          <a:p>
+            <a:r>
+              <a:rPr lang="it-IT" sz="2400" dirty="0">
+                <a:effectLst>
+                  <a:outerShdw blurRad="38100" dist="38100" dir="2700000" algn="tl">
+                    <a:srgbClr val="000000">
+                      <a:alpha val="43137"/>
+                    </a:srgbClr>
+                  </a:outerShdw>
+                </a:effectLst>
+                <a:latin typeface="Verdana" panose="020B0604030504040204" pitchFamily="34" charset="0"/>
+                <a:ea typeface="Verdana" panose="020B0604030504040204" pitchFamily="34" charset="0"/>
+                <a:cs typeface="Verdana" panose="020B0604030504040204" pitchFamily="34" charset="0"/>
+              </a:rPr>
+              <a:t>Test 6 : File audio musicale</a:t>
+            </a:r>
+          </a:p>
+        </p:txBody>
+      </p:sp>
+      <p:sp>
+        <p:nvSpPr>
+          <p:cNvPr id="9" name="Titolo 12">
+            <a:extLst>
+              <a:ext uri="{FF2B5EF4-FFF2-40B4-BE49-F238E27FC236}">
+                <a16:creationId xmlns:a16="http://schemas.microsoft.com/office/drawing/2014/main" id="{221DEEDA-9406-41F4-9473-4BB8B92C1965}"/>
+              </a:ext>
+            </a:extLst>
+          </p:cNvPr>
+          <p:cNvSpPr txBox="1">
+            <a:spLocks/>
+          </p:cNvSpPr>
+          <p:nvPr/>
+        </p:nvSpPr>
+        <p:spPr>
+          <a:xfrm>
+            <a:off x="914161" y="836712"/>
+            <a:ext cx="10360501" cy="706091"/>
+          </a:xfrm>
+          <a:prstGeom prst="rect">
+            <a:avLst/>
+          </a:prstGeom>
+          <a:noFill/>
+        </p:spPr>
+        <p:style>
+          <a:lnRef idx="2">
+            <a:schemeClr val="accent1"/>
+          </a:lnRef>
+          <a:fillRef idx="1">
+            <a:schemeClr val="lt1"/>
+          </a:fillRef>
+          <a:effectRef idx="0">
+            <a:schemeClr val="accent1"/>
+          </a:effectRef>
+          <a:fontRef idx="minor">
+            <a:schemeClr val="dk1"/>
+          </a:fontRef>
+        </p:style>
+        <p:txBody>
+          <a:bodyPr vert="horz" lIns="121899" tIns="60949" rIns="121899" bIns="60949" rtlCol="0" anchor="b">
+            <a:normAutofit/>
+          </a:bodyPr>
+          <a:lstStyle>
+            <a:lvl1pPr algn="l" defTabSz="1218987" rtl="0" eaLnBrk="1" latinLnBrk="0" hangingPunct="1">
+              <a:lnSpc>
+                <a:spcPct val="90000"/>
+              </a:lnSpc>
+              <a:spcBef>
+                <a:spcPct val="0"/>
+              </a:spcBef>
+              <a:buNone/>
+              <a:defRPr sz="5400" b="0" kern="1200" cap="none" baseline="0">
+                <a:solidFill>
+                  <a:schemeClr val="dk1"/>
+                </a:solidFill>
+                <a:latin typeface="+mn-lt"/>
+                <a:ea typeface="+mn-ea"/>
+                <a:cs typeface="+mn-cs"/>
+              </a:defRPr>
+            </a:lvl1pPr>
+            <a:lvl2pPr>
+              <a:defRPr>
+                <a:solidFill>
+                  <a:schemeClr val="dk1"/>
+                </a:solidFill>
+                <a:latin typeface="+mn-lt"/>
+                <a:ea typeface="+mn-ea"/>
+                <a:cs typeface="+mn-cs"/>
+              </a:defRPr>
+            </a:lvl2pPr>
+            <a:lvl3pPr>
+              <a:defRPr>
+                <a:solidFill>
+                  <a:schemeClr val="dk1"/>
+                </a:solidFill>
+                <a:latin typeface="+mn-lt"/>
+                <a:ea typeface="+mn-ea"/>
+                <a:cs typeface="+mn-cs"/>
+              </a:defRPr>
+            </a:lvl3pPr>
+            <a:lvl4pPr>
+              <a:defRPr>
+                <a:solidFill>
+                  <a:schemeClr val="dk1"/>
+                </a:solidFill>
+                <a:latin typeface="+mn-lt"/>
+                <a:ea typeface="+mn-ea"/>
+                <a:cs typeface="+mn-cs"/>
+              </a:defRPr>
+            </a:lvl4pPr>
+            <a:lvl5pPr>
+              <a:defRPr>
+                <a:solidFill>
+                  <a:schemeClr val="dk1"/>
+                </a:solidFill>
+                <a:latin typeface="+mn-lt"/>
+                <a:ea typeface="+mn-ea"/>
+                <a:cs typeface="+mn-cs"/>
+              </a:defRPr>
+            </a:lvl5pPr>
+            <a:lvl6pPr>
+              <a:defRPr>
+                <a:solidFill>
+                  <a:schemeClr val="dk1"/>
+                </a:solidFill>
+                <a:latin typeface="+mn-lt"/>
+                <a:ea typeface="+mn-ea"/>
+                <a:cs typeface="+mn-cs"/>
+              </a:defRPr>
+            </a:lvl6pPr>
+            <a:lvl7pPr>
+              <a:defRPr>
+                <a:solidFill>
+                  <a:schemeClr val="dk1"/>
+                </a:solidFill>
+                <a:latin typeface="+mn-lt"/>
+                <a:ea typeface="+mn-ea"/>
+                <a:cs typeface="+mn-cs"/>
+              </a:defRPr>
+            </a:lvl7pPr>
+            <a:lvl8pPr>
+              <a:defRPr>
+                <a:solidFill>
+                  <a:schemeClr val="dk1"/>
+                </a:solidFill>
+                <a:latin typeface="+mn-lt"/>
+                <a:ea typeface="+mn-ea"/>
+                <a:cs typeface="+mn-cs"/>
+              </a:defRPr>
+            </a:lvl8pPr>
+            <a:lvl9pPr>
+              <a:defRPr>
+                <a:solidFill>
+                  <a:schemeClr val="dk1"/>
+                </a:solidFill>
+                <a:latin typeface="+mn-lt"/>
+                <a:ea typeface="+mn-ea"/>
+                <a:cs typeface="+mn-cs"/>
+              </a:defRPr>
+            </a:lvl9pPr>
+          </a:lstStyle>
+          <a:p>
+            <a:r>
+              <a:rPr lang="it-IT" sz="4000" dirty="0">
+                <a:solidFill>
+                  <a:schemeClr val="tx1"/>
+                </a:solidFill>
+                <a:latin typeface="Verdana" panose="020B0604030504040204" pitchFamily="34" charset="0"/>
+                <a:ea typeface="Verdana" panose="020B0604030504040204" pitchFamily="34" charset="0"/>
+                <a:cs typeface="Verdana" panose="020B0604030504040204" pitchFamily="34" charset="0"/>
+              </a:rPr>
+              <a:t>Test e risultati</a:t>
+            </a:r>
+          </a:p>
+        </p:txBody>
+      </p:sp>
+      <p:grpSp>
+        <p:nvGrpSpPr>
+          <p:cNvPr id="10" name="Gruppo 9">
+            <a:extLst>
+              <a:ext uri="{FF2B5EF4-FFF2-40B4-BE49-F238E27FC236}">
+                <a16:creationId xmlns:a16="http://schemas.microsoft.com/office/drawing/2014/main" id="{389CB9E6-F8DD-46BA-9295-B5C8E04B415E}"/>
+              </a:ext>
+            </a:extLst>
+          </p:cNvPr>
+          <p:cNvGrpSpPr/>
+          <p:nvPr/>
+        </p:nvGrpSpPr>
+        <p:grpSpPr>
+          <a:xfrm>
+            <a:off x="477787" y="836712"/>
+            <a:ext cx="508384" cy="705600"/>
+            <a:chOff x="477787" y="836712"/>
+            <a:chExt cx="508384" cy="705600"/>
+          </a:xfrm>
+        </p:grpSpPr>
+        <p:sp>
+          <p:nvSpPr>
+            <p:cNvPr id="11" name="Rettangolo con angoli in alto arrotondati 10">
+              <a:extLst>
+                <a:ext uri="{FF2B5EF4-FFF2-40B4-BE49-F238E27FC236}">
+                  <a16:creationId xmlns:a16="http://schemas.microsoft.com/office/drawing/2014/main" id="{66EB7739-0317-4860-9F53-05490919642B}"/>
+                </a:ext>
+              </a:extLst>
+            </p:cNvPr>
+            <p:cNvSpPr/>
+            <p:nvPr/>
+          </p:nvSpPr>
+          <p:spPr>
+            <a:xfrm rot="16200000">
+              <a:off x="343174" y="971325"/>
+              <a:ext cx="705600" cy="436373"/>
+            </a:xfrm>
+            <a:prstGeom prst="round2SameRect">
+              <a:avLst>
+                <a:gd name="adj1" fmla="val 30776"/>
+                <a:gd name="adj2" fmla="val 0"/>
+              </a:avLst>
+            </a:prstGeom>
+            <a:solidFill>
+              <a:schemeClr val="accent1"/>
+            </a:solidFill>
+            <a:ln>
+              <a:solidFill>
+                <a:schemeClr val="accent1"/>
+              </a:solidFill>
+            </a:ln>
+          </p:spPr>
+          <p:style>
+            <a:lnRef idx="2">
+              <a:schemeClr val="accent1">
+                <a:shade val="50000"/>
+              </a:schemeClr>
+            </a:lnRef>
+            <a:fillRef idx="1">
+              <a:schemeClr val="accent1"/>
+            </a:fillRef>
+            <a:effectRef idx="0">
+              <a:schemeClr val="accent1"/>
+            </a:effectRef>
+            <a:fontRef idx="minor">
+              <a:schemeClr val="lt1"/>
+            </a:fontRef>
+          </p:style>
+          <p:txBody>
+            <a:bodyPr rtlCol="0" anchor="ctr"/>
+            <a:lstStyle/>
+            <a:p>
+              <a:pPr algn="ctr"/>
+              <a:endParaRPr lang="it-IT" sz="2800" dirty="0"/>
+            </a:p>
+          </p:txBody>
+        </p:sp>
+        <p:sp>
+          <p:nvSpPr>
+            <p:cNvPr id="12" name="CasellaDiTesto 11">
+              <a:extLst>
+                <a:ext uri="{FF2B5EF4-FFF2-40B4-BE49-F238E27FC236}">
+                  <a16:creationId xmlns:a16="http://schemas.microsoft.com/office/drawing/2014/main" id="{E5B4397E-317D-449E-B1CE-AC77F3A4A3C9}"/>
+                </a:ext>
+              </a:extLst>
+            </p:cNvPr>
+            <p:cNvSpPr txBox="1"/>
+            <p:nvPr/>
+          </p:nvSpPr>
+          <p:spPr>
+            <a:xfrm>
+              <a:off x="549796" y="927901"/>
+              <a:ext cx="436375" cy="523220"/>
+            </a:xfrm>
+            <a:prstGeom prst="rect">
+              <a:avLst/>
+            </a:prstGeom>
+            <a:noFill/>
+          </p:spPr>
+          <p:txBody>
+            <a:bodyPr wrap="square" rtlCol="0">
+              <a:spAutoFit/>
+            </a:bodyPr>
+            <a:lstStyle/>
+            <a:p>
+              <a:r>
+                <a:rPr lang="it-IT" sz="2800" b="1" dirty="0">
+                  <a:latin typeface="Arial" panose="020B0604020202020204" pitchFamily="34" charset="0"/>
+                  <a:cs typeface="Arial" panose="020B0604020202020204" pitchFamily="34" charset="0"/>
+                </a:rPr>
+                <a:t>4</a:t>
+              </a:r>
+            </a:p>
+          </p:txBody>
+        </p:sp>
+      </p:grpSp>
+      <p:sp>
+        <p:nvSpPr>
+          <p:cNvPr id="2" name="CasellaDiTesto 1">
+            <a:extLst>
+              <a:ext uri="{FF2B5EF4-FFF2-40B4-BE49-F238E27FC236}">
+                <a16:creationId xmlns:a16="http://schemas.microsoft.com/office/drawing/2014/main" id="{3CD14D3B-30DD-45F8-ABBC-134D433593C5}"/>
+              </a:ext>
+            </a:extLst>
+          </p:cNvPr>
+          <p:cNvSpPr txBox="1"/>
+          <p:nvPr/>
+        </p:nvSpPr>
+        <p:spPr>
+          <a:xfrm>
+            <a:off x="914161" y="2420888"/>
+            <a:ext cx="10360501" cy="3785652"/>
+          </a:xfrm>
+          <a:prstGeom prst="rect">
+            <a:avLst/>
+          </a:prstGeom>
+          <a:noFill/>
+        </p:spPr>
+        <p:txBody>
+          <a:bodyPr wrap="square" rtlCol="0">
+            <a:spAutoFit/>
+          </a:bodyPr>
+          <a:lstStyle/>
+          <a:p>
+            <a:pPr marL="457200" indent="-457200">
+              <a:buFont typeface="Arial" panose="020B0604020202020204" pitchFamily="34" charset="0"/>
+              <a:buChar char="•"/>
+            </a:pPr>
+            <a:r>
+              <a:rPr lang="it-IT" i="1" dirty="0">
+                <a:solidFill>
+                  <a:schemeClr val="accent1"/>
+                </a:solidFill>
+              </a:rPr>
+              <a:t>p</a:t>
+            </a:r>
+            <a:r>
+              <a:rPr lang="it-IT" dirty="0"/>
+              <a:t> è estremamente alto. Viene scelto arbitrariamente </a:t>
+            </a:r>
+          </a:p>
+          <a:p>
+            <a:pPr marL="457200" indent="-457200">
+              <a:buFont typeface="Arial" panose="020B0604020202020204" pitchFamily="34" charset="0"/>
+              <a:buChar char="•"/>
+            </a:pPr>
+            <a:endParaRPr lang="it-IT" dirty="0"/>
+          </a:p>
+          <a:p>
+            <a:pPr algn="ctr"/>
+            <a:r>
+              <a:rPr lang="it-IT" dirty="0">
+                <a:solidFill>
+                  <a:schemeClr val="accent1">
+                    <a:lumMod val="20000"/>
+                    <a:lumOff val="80000"/>
+                  </a:schemeClr>
+                </a:solidFill>
+              </a:rPr>
+              <a:t>p = </a:t>
+            </a:r>
+            <a:r>
+              <a:rPr lang="it-IT" dirty="0" err="1">
+                <a:solidFill>
+                  <a:schemeClr val="accent1">
+                    <a:lumMod val="20000"/>
+                    <a:lumOff val="80000"/>
+                  </a:schemeClr>
+                </a:solidFill>
+              </a:rPr>
+              <a:t>min</a:t>
+            </a:r>
+            <a:r>
+              <a:rPr lang="it-IT" dirty="0">
+                <a:solidFill>
+                  <a:schemeClr val="accent1">
+                    <a:lumMod val="20000"/>
+                    <a:lumOff val="80000"/>
+                  </a:schemeClr>
+                </a:solidFill>
+              </a:rPr>
+              <a:t>(3m + 2; 50)</a:t>
+            </a:r>
+          </a:p>
+          <a:p>
+            <a:pPr algn="ctr"/>
+            <a:endParaRPr lang="it-IT" dirty="0">
+              <a:solidFill>
+                <a:schemeClr val="accent1">
+                  <a:lumMod val="20000"/>
+                  <a:lumOff val="80000"/>
+                </a:schemeClr>
+              </a:solidFill>
+            </a:endParaRPr>
+          </a:p>
+          <a:p>
+            <a:pPr marL="457200" indent="-457200">
+              <a:buClr>
+                <a:schemeClr val="accent1"/>
+              </a:buClr>
+              <a:buFont typeface="Arial" panose="020B0604020202020204" pitchFamily="34" charset="0"/>
+              <a:buChar char="•"/>
+            </a:pPr>
+            <a:r>
+              <a:rPr lang="it-IT" dirty="0"/>
+              <a:t>Per segnali audio musicali, l'errore quadratico relativo di interpolazione è dello stesso ordine di grandezza di quello di un processo auto-regressivo</a:t>
+            </a:r>
+          </a:p>
+          <a:p>
+            <a:pPr marL="457200" indent="-457200">
+              <a:buClr>
+                <a:schemeClr val="accent1"/>
+              </a:buClr>
+              <a:buFont typeface="Arial" panose="020B0604020202020204" pitchFamily="34" charset="0"/>
+              <a:buChar char="•"/>
+            </a:pPr>
+            <a:endParaRPr lang="it-IT" dirty="0"/>
+          </a:p>
+          <a:p>
+            <a:pPr marL="457200" indent="-457200">
+              <a:buClr>
+                <a:schemeClr val="accent1"/>
+              </a:buClr>
+              <a:buFont typeface="Arial" panose="020B0604020202020204" pitchFamily="34" charset="0"/>
+              <a:buChar char="•"/>
+            </a:pPr>
+            <a:r>
+              <a:rPr lang="it-IT" dirty="0"/>
+              <a:t>Spesso gli errori di ricostruzione fatti non sembrano ridurre la qualità dell'esperienza di ascolto soggettiva: è probabile </a:t>
+            </a:r>
+          </a:p>
+          <a:p>
+            <a:pPr>
+              <a:buClr>
+                <a:schemeClr val="accent1"/>
+              </a:buClr>
+            </a:pPr>
+            <a:r>
+              <a:rPr lang="it-IT" dirty="0"/>
+              <a:t>      che ciò sia dovuto a effetti di mascheramento.</a:t>
+            </a:r>
+          </a:p>
+        </p:txBody>
+      </p:sp>
+      <p:sp>
+        <p:nvSpPr>
+          <p:cNvPr id="4" name="Rettangolo con angoli arrotondati 3">
+            <a:extLst>
+              <a:ext uri="{FF2B5EF4-FFF2-40B4-BE49-F238E27FC236}">
+                <a16:creationId xmlns:a16="http://schemas.microsoft.com/office/drawing/2014/main" id="{FD0F169C-66B4-460B-ACB7-1C95FD198FE0}"/>
+              </a:ext>
+            </a:extLst>
+          </p:cNvPr>
+          <p:cNvSpPr/>
+          <p:nvPr/>
+        </p:nvSpPr>
+        <p:spPr>
+          <a:xfrm>
+            <a:off x="4726260" y="3140969"/>
+            <a:ext cx="2736304" cy="504055"/>
+          </a:xfrm>
+          <a:prstGeom prst="roundRect">
+            <a:avLst/>
+          </a:prstGeom>
+          <a:noFill/>
+          <a:ln w="19050"/>
+        </p:spPr>
+        <p:style>
+          <a:lnRef idx="2">
+            <a:schemeClr val="accent1">
+              <a:shade val="50000"/>
+            </a:schemeClr>
+          </a:lnRef>
+          <a:fillRef idx="1">
+            <a:schemeClr val="accent1"/>
+          </a:fillRef>
+          <a:effectRef idx="0">
+            <a:schemeClr val="accent1"/>
+          </a:effectRef>
+          <a:fontRef idx="minor">
+            <a:schemeClr val="lt1"/>
+          </a:fontRef>
+        </p:style>
+        <p:txBody>
+          <a:bodyPr rtlCol="0" anchor="ctr"/>
+          <a:lstStyle/>
+          <a:p>
+            <a:pPr algn="ctr"/>
+            <a:endParaRPr lang="it-IT" sz="2800"/>
+          </a:p>
+        </p:txBody>
+      </p:sp>
+    </p:spTree>
+    <p:extLst>
+      <p:ext uri="{BB962C8B-B14F-4D97-AF65-F5344CB8AC3E}">
+        <p14:creationId xmlns:p14="http://schemas.microsoft.com/office/powerpoint/2010/main" val="2640923561"/>
+      </p:ext>
+    </p:extLst>
+  </p:cSld>
+  <p:clrMapOvr>
+    <a:masterClrMapping/>
+  </p:clrMapOvr>
+  <mc:AlternateContent xmlns:mc="http://schemas.openxmlformats.org/markup-compatibility/2006" xmlns:p159="http://schemas.microsoft.com/office/powerpoint/2015/09/main">
+    <mc:Choice Requires="p159">
+      <p:transition spd="slow">
+        <p159:morph option="byObject"/>
+      </p:transition>
+    </mc:Choice>
+    <mc:Fallback xmlns="">
+      <p:transition spd="slow">
+        <p:fade/>
+      </p:transition>
+    </mc:Fallback>
+  </mc:AlternateContent>
+</p:sld>
+</file>
+
+<file path=ppt/slides/slide24.xml><?xml version="1.0" encoding="utf-8"?>
 <p:sld xmlns:a="http://schemas.openxmlformats.org/drawingml/2006/main" xmlns:r="http://schemas.openxmlformats.org/officeDocument/2006/relationships" xmlns:p="http://schemas.openxmlformats.org/presentationml/2006/main">
   <p:cSld>
     <p:spTree>
@@ -18060,7 +19507,7 @@
 </p:sld>
 </file>
 
-<file path=ppt/slides/slide23.xml><?xml version="1.0" encoding="utf-8"?>
+<file path=ppt/slides/slide25.xml><?xml version="1.0" encoding="utf-8"?>
 <p:sld xmlns:a="http://schemas.openxmlformats.org/drawingml/2006/main" xmlns:r="http://schemas.openxmlformats.org/officeDocument/2006/relationships" xmlns:p="http://schemas.openxmlformats.org/presentationml/2006/main">
   <p:cSld>
     <p:spTree>
@@ -18383,7 +19830,7 @@
 </p:sld>
 </file>
 
-<file path=ppt/slides/slide24.xml><?xml version="1.0" encoding="utf-8"?>
+<file path=ppt/slides/slide26.xml><?xml version="1.0" encoding="utf-8"?>
 <p:sld xmlns:a="http://schemas.openxmlformats.org/drawingml/2006/main" xmlns:r="http://schemas.openxmlformats.org/officeDocument/2006/relationships" xmlns:p="http://schemas.openxmlformats.org/presentationml/2006/main">
   <p:cSld>
     <p:spTree>
@@ -18580,7 +20027,7 @@
           <p:nvPr>
             <p:extLst>
               <p:ext uri="{D42A27DB-BD31-4B8C-83A1-F6EECF244321}">
-                <p14:modId xmlns:p14="http://schemas.microsoft.com/office/powerpoint/2010/main" val="2720503959"/>
+                <p14:modId xmlns:p14="http://schemas.microsoft.com/office/powerpoint/2010/main" val="457686998"/>
               </p:ext>
             </p:extLst>
           </p:nvPr>
@@ -19323,8 +20770,8 @@
           <a:chExt cx="0" cy="0"/>
         </a:xfrm>
       </p:grpSpPr>
-      <mc:AlternateContent xmlns:mc="http://schemas.openxmlformats.org/markup-compatibility/2006" xmlns:a14="http://schemas.microsoft.com/office/drawing/2010/main">
-        <mc:Choice Requires="a14">
+      <mc:AlternateContent xmlns:mc="http://schemas.openxmlformats.org/markup-compatibility/2006">
+        <mc:Choice xmlns:a14="http://schemas.microsoft.com/office/drawing/2010/main" Requires="a14">
           <p:sp>
             <p:nvSpPr>
               <p:cNvPr id="6" name="Rettangolo 5">
@@ -19340,7 +20787,7 @@
             <p:spPr>
               <a:xfrm>
                 <a:off x="914161" y="1633501"/>
-                <a:ext cx="10081121" cy="4226798"/>
+                <a:ext cx="10081121" cy="4708981"/>
               </a:xfrm>
               <a:prstGeom prst="rect">
                 <a:avLst/>
@@ -19576,7 +21023,31 @@
                     <a:latin typeface="Arial" panose="020B0604020202020204" pitchFamily="34" charset="0"/>
                     <a:cs typeface="Arial" panose="020B0604020202020204" pitchFamily="34" charset="0"/>
                   </a:rPr>
-                  <a:t>Problema non banale → </a:t>
+                  <a:t>Minimizzare la somma dei quadrati degli errori residui </a:t>
+                </a:r>
+              </a:p>
+              <a:p>
+                <a:pPr lvl="2">
+                  <a:lnSpc>
+                    <a:spcPct val="90000"/>
+                  </a:lnSpc>
+                  <a:spcBef>
+                    <a:spcPts val="1600"/>
+                  </a:spcBef>
+                  <a:buClr>
+                    <a:srgbClr val="009999"/>
+                  </a:buClr>
+                  <a:buSzPct val="100000"/>
+                </a:pPr>
+                <a:r>
+                  <a:rPr lang="it-IT" sz="2000" dirty="0">
+                    <a:solidFill>
+                      <a:prstClr val="white"/>
+                    </a:solidFill>
+                    <a:latin typeface="Arial" panose="020B0604020202020204" pitchFamily="34" charset="0"/>
+                    <a:cs typeface="Arial" panose="020B0604020202020204" pitchFamily="34" charset="0"/>
+                  </a:rPr>
+                  <a:t>	Problema non banale → </a:t>
                 </a:r>
                 <a:r>
                   <a:rPr lang="it-IT" sz="2000" i="1" dirty="0">
@@ -19669,7 +21140,7 @@
             </p:txBody>
           </p:sp>
         </mc:Choice>
-        <mc:Fallback xmlns="">
+        <mc:Fallback>
           <p:sp>
             <p:nvSpPr>
               <p:cNvPr id="6" name="Rettangolo 5">
@@ -19687,7 +21158,7 @@
             <p:spPr>
               <a:xfrm>
                 <a:off x="914161" y="1633501"/>
-                <a:ext cx="10081121" cy="4226798"/>
+                <a:ext cx="10081121" cy="4708981"/>
               </a:xfrm>
               <a:prstGeom prst="rect">
                 <a:avLst/>
@@ -19695,7 +21166,7 @@
               <a:blipFill>
                 <a:blip r:embed="rId3"/>
                 <a:stretch>
-                  <a:fillRect l="-504" t="-1502" b="-1802"/>
+                  <a:fillRect l="-544" t="-1295" b="-1554"/>
                 </a:stretch>
               </a:blipFill>
             </p:spPr>
@@ -19704,7 +21175,7 @@
               <a:lstStyle/>
               <a:p>
                 <a:r>
-                  <a:rPr lang="en-US">
+                  <a:rPr lang="it-IT">
                     <a:noFill/>
                   </a:rPr>
                   <a:t> </a:t>
@@ -19986,6 +21457,62 @@
           </p:txBody>
         </p:sp>
       </p:grpSp>
+      <p:sp>
+        <p:nvSpPr>
+          <p:cNvPr id="9" name="Freccia a destra 8">
+            <a:extLst>
+              <a:ext uri="{FF2B5EF4-FFF2-40B4-BE49-F238E27FC236}">
+                <a16:creationId xmlns:a16="http://schemas.microsoft.com/office/drawing/2014/main" id="{69675608-EBB7-4C12-9497-441DDA505ED1}"/>
+              </a:ext>
+            </a:extLst>
+          </p:cNvPr>
+          <p:cNvSpPr/>
+          <p:nvPr/>
+        </p:nvSpPr>
+        <p:spPr>
+          <a:xfrm>
+            <a:off x="2638028" y="5517232"/>
+            <a:ext cx="648072" cy="216024"/>
+          </a:xfrm>
+          <a:prstGeom prst="rightArrow">
+            <a:avLst>
+              <a:gd name="adj1" fmla="val 40594"/>
+              <a:gd name="adj2" fmla="val 106438"/>
+            </a:avLst>
+          </a:prstGeom>
+          <a:solidFill>
+            <a:schemeClr val="accent1">
+              <a:lumMod val="40000"/>
+              <a:lumOff val="60000"/>
+            </a:schemeClr>
+          </a:solidFill>
+          <a:ln w="19050"/>
+        </p:spPr>
+        <p:style>
+          <a:lnRef idx="2">
+            <a:schemeClr val="accent1">
+              <a:shade val="50000"/>
+            </a:schemeClr>
+          </a:lnRef>
+          <a:fillRef idx="1">
+            <a:schemeClr val="accent1"/>
+          </a:fillRef>
+          <a:effectRef idx="0">
+            <a:schemeClr val="accent1"/>
+          </a:effectRef>
+          <a:fontRef idx="minor">
+            <a:schemeClr val="lt1"/>
+          </a:fontRef>
+        </p:style>
+        <p:txBody>
+          <a:bodyPr rtlCol="0" anchor="ctr"/>
+          <a:lstStyle/>
+          <a:p>
+            <a:pPr algn="ctr"/>
+            <a:endParaRPr lang="it-IT" sz="2800"/>
+          </a:p>
+        </p:txBody>
+      </p:sp>
     </p:spTree>
     <p:extLst>
       <p:ext uri="{BB962C8B-B14F-4D97-AF65-F5344CB8AC3E}">
@@ -20028,204 +21555,158 @@
           <a:chExt cx="0" cy="0"/>
         </a:xfrm>
       </p:grpSpPr>
-      <mc:AlternateContent xmlns:mc="http://schemas.openxmlformats.org/markup-compatibility/2006" xmlns:a14="http://schemas.microsoft.com/office/drawing/2010/main">
-        <mc:Choice Requires="a14">
-          <p:sp>
-            <p:nvSpPr>
-              <p:cNvPr id="6" name="Rettangolo 5">
-                <a:extLst>
-                  <a:ext uri="{FF2B5EF4-FFF2-40B4-BE49-F238E27FC236}">
-                    <a16:creationId xmlns:a16="http://schemas.microsoft.com/office/drawing/2014/main" id="{7B1B5504-98A2-493E-BB44-52C45E1E59C2}"/>
-                  </a:ext>
-                </a:extLst>
-              </p:cNvPr>
-              <p:cNvSpPr/>
-              <p:nvPr/>
-            </p:nvSpPr>
-            <p:spPr>
-              <a:xfrm>
-                <a:off x="914161" y="2158090"/>
-                <a:ext cx="10225137" cy="962315"/>
-              </a:xfrm>
-              <a:prstGeom prst="rect">
-                <a:avLst/>
-              </a:prstGeom>
-            </p:spPr>
-            <p:txBody>
-              <a:bodyPr wrap="square">
-                <a:spAutoFit/>
-              </a:bodyPr>
-              <a:lstStyle/>
-              <a:p>
-                <a:pPr lvl="0">
-                  <a:lnSpc>
-                    <a:spcPct val="90000"/>
-                  </a:lnSpc>
-                  <a:spcBef>
-                    <a:spcPts val="1600"/>
-                  </a:spcBef>
-                  <a:buClr>
-                    <a:srgbClr val="009999"/>
-                  </a:buClr>
-                  <a:buSzPct val="100000"/>
-                </a:pPr>
-                <a:r>
-                  <a:rPr lang="it-IT" dirty="0">
-                    <a:latin typeface="Arial" panose="020B0604020202020204" pitchFamily="34" charset="0"/>
-                    <a:cs typeface="Arial" panose="020B0604020202020204" pitchFamily="34" charset="0"/>
-                  </a:rPr>
-                  <a:t>La stima di </a:t>
-                </a:r>
-                <a:r>
-                  <a:rPr lang="it-IT" b="1" dirty="0">
-                    <a:solidFill>
-                      <a:schemeClr val="accent1"/>
-                    </a:solidFill>
-                    <a:latin typeface="Arial" panose="020B0604020202020204" pitchFamily="34" charset="0"/>
-                    <a:cs typeface="Arial" panose="020B0604020202020204" pitchFamily="34" charset="0"/>
-                  </a:rPr>
-                  <a:t>a</a:t>
-                </a:r>
-                <a:r>
-                  <a:rPr lang="it-IT" dirty="0">
-                    <a:latin typeface="Arial" panose="020B0604020202020204" pitchFamily="34" charset="0"/>
-                    <a:cs typeface="Arial" panose="020B0604020202020204" pitchFamily="34" charset="0"/>
-                  </a:rPr>
-                  <a:t> e di </a:t>
-                </a:r>
-                <a:r>
-                  <a:rPr lang="it-IT" b="1" dirty="0">
-                    <a:solidFill>
-                      <a:schemeClr val="accent1"/>
-                    </a:solidFill>
-                    <a:latin typeface="Arial" panose="020B0604020202020204" pitchFamily="34" charset="0"/>
-                    <a:cs typeface="Arial" panose="020B0604020202020204" pitchFamily="34" charset="0"/>
-                  </a:rPr>
-                  <a:t>x</a:t>
-                </a:r>
-                <a:r>
-                  <a:rPr lang="it-IT" dirty="0">
-                    <a:latin typeface="Arial" panose="020B0604020202020204" pitchFamily="34" charset="0"/>
-                    <a:cs typeface="Arial" panose="020B0604020202020204" pitchFamily="34" charset="0"/>
-                  </a:rPr>
-                  <a:t> è formulata sottoforma di problema di minimizzazione.</a:t>
-                </a:r>
-              </a:p>
-              <a:p>
-                <a:pPr lvl="0">
-                  <a:lnSpc>
-                    <a:spcPct val="90000"/>
-                  </a:lnSpc>
-                  <a:spcBef>
-                    <a:spcPts val="1600"/>
-                  </a:spcBef>
-                  <a:buClr>
-                    <a:srgbClr val="009999"/>
-                  </a:buClr>
-                  <a:buSzPct val="100000"/>
-                </a:pPr>
-                <a:r>
-                  <a:rPr lang="it-IT" dirty="0">
-                    <a:latin typeface="Arial" panose="020B0604020202020204" pitchFamily="34" charset="0"/>
-                    <a:cs typeface="Arial" panose="020B0604020202020204" pitchFamily="34" charset="0"/>
-                  </a:rPr>
-                  <a:t>Affinché sia minimo </a:t>
-                </a:r>
-                <a14:m>
-                  <m:oMath xmlns:m="http://schemas.openxmlformats.org/officeDocument/2006/math">
-                    <m:sSubSup>
-                      <m:sSubSupPr>
-                        <m:ctrlPr>
-                          <a:rPr lang="it-IT" i="1" smtClean="0">
-                            <a:latin typeface="Cambria Math" panose="02040503050406030204" pitchFamily="18" charset="0"/>
-                            <a:cs typeface="Arial" panose="020B0604020202020204" pitchFamily="34" charset="0"/>
-                          </a:rPr>
-                        </m:ctrlPr>
-                      </m:sSubSupPr>
-                      <m:e>
-                        <m:r>
-                          <a:rPr lang="it-IT" i="1" smtClean="0">
-                            <a:latin typeface="Cambria Math" panose="02040503050406030204" pitchFamily="18" charset="0"/>
-                            <a:ea typeface="Cambria Math" panose="02040503050406030204" pitchFamily="18" charset="0"/>
-                            <a:cs typeface="Arial" panose="020B0604020202020204" pitchFamily="34" charset="0"/>
-                          </a:rPr>
-                          <m:t>𝜎</m:t>
-                        </m:r>
-                      </m:e>
-                      <m:sub>
-                        <m:r>
-                          <a:rPr lang="it-IT" b="0" i="1" smtClean="0">
-                            <a:latin typeface="Cambria Math" panose="02040503050406030204" pitchFamily="18" charset="0"/>
-                            <a:cs typeface="Arial" panose="020B0604020202020204" pitchFamily="34" charset="0"/>
-                          </a:rPr>
-                          <m:t>𝑒</m:t>
-                        </m:r>
-                      </m:sub>
-                      <m:sup>
-                        <m:r>
-                          <a:rPr lang="it-IT" b="0" i="1" smtClean="0">
-                            <a:latin typeface="Cambria Math" panose="02040503050406030204" pitchFamily="18" charset="0"/>
-                            <a:cs typeface="Arial" panose="020B0604020202020204" pitchFamily="34" charset="0"/>
-                          </a:rPr>
-                          <m:t>2</m:t>
-                        </m:r>
-                      </m:sup>
-                    </m:sSubSup>
-                  </m:oMath>
-                </a14:m>
-                <a:endParaRPr lang="it-IT" dirty="0">
-                  <a:latin typeface="Arial" panose="020B0604020202020204" pitchFamily="34" charset="0"/>
-                  <a:cs typeface="Arial" panose="020B0604020202020204" pitchFamily="34" charset="0"/>
-                </a:endParaRPr>
-              </a:p>
-            </p:txBody>
-          </p:sp>
-        </mc:Choice>
-        <mc:Fallback xmlns="">
-          <p:sp>
-            <p:nvSpPr>
-              <p:cNvPr id="6" name="Rettangolo 5">
-                <a:extLst>
-                  <a:ext uri="{FF2B5EF4-FFF2-40B4-BE49-F238E27FC236}">
-                    <a16:creationId xmlns:a16="http://schemas.microsoft.com/office/drawing/2014/main" id="{7B1B5504-98A2-493E-BB44-52C45E1E59C2}"/>
-                  </a:ext>
-                </a:extLst>
-              </p:cNvPr>
-              <p:cNvSpPr>
-                <a:spLocks noRot="1" noChangeAspect="1" noMove="1" noResize="1" noEditPoints="1" noAdjustHandles="1" noChangeArrowheads="1" noChangeShapeType="1" noTextEdit="1"/>
-              </p:cNvSpPr>
-              <p:nvPr/>
-            </p:nvSpPr>
-            <p:spPr>
-              <a:xfrm>
-                <a:off x="914161" y="2158090"/>
-                <a:ext cx="10225137" cy="962315"/>
-              </a:xfrm>
-              <a:prstGeom prst="rect">
-                <a:avLst/>
-              </a:prstGeom>
-              <a:blipFill>
-                <a:blip r:embed="rId3"/>
-                <a:stretch>
-                  <a:fillRect l="-994" t="-7792" b="-11688"/>
-                </a:stretch>
-              </a:blipFill>
-            </p:spPr>
-            <p:txBody>
-              <a:bodyPr/>
-              <a:lstStyle/>
-              <a:p>
-                <a:r>
-                  <a:rPr lang="en-US">
-                    <a:noFill/>
-                  </a:rPr>
-                  <a:t> </a:t>
-                </a:r>
-              </a:p>
-            </p:txBody>
-          </p:sp>
-        </mc:Fallback>
-      </mc:AlternateContent>
+      <p:sp>
+        <p:nvSpPr>
+          <p:cNvPr id="6" name="Rettangolo 5">
+            <a:extLst>
+              <a:ext uri="{FF2B5EF4-FFF2-40B4-BE49-F238E27FC236}">
+                <a16:creationId xmlns:a16="http://schemas.microsoft.com/office/drawing/2014/main" id="{7B1B5504-98A2-493E-BB44-52C45E1E59C2}"/>
+              </a:ext>
+            </a:extLst>
+          </p:cNvPr>
+          <p:cNvSpPr/>
+          <p:nvPr/>
+        </p:nvSpPr>
+        <p:spPr>
+          <a:xfrm>
+            <a:off x="914161" y="2158090"/>
+            <a:ext cx="10225137" cy="851515"/>
+          </a:xfrm>
+          <a:prstGeom prst="rect">
+            <a:avLst/>
+          </a:prstGeom>
+        </p:spPr>
+        <p:txBody>
+          <a:bodyPr wrap="square">
+            <a:spAutoFit/>
+          </a:bodyPr>
+          <a:lstStyle/>
+          <a:p>
+            <a:pPr lvl="0">
+              <a:lnSpc>
+                <a:spcPct val="90000"/>
+              </a:lnSpc>
+              <a:spcBef>
+                <a:spcPts val="1600"/>
+              </a:spcBef>
+              <a:buClr>
+                <a:srgbClr val="009999"/>
+              </a:buClr>
+              <a:buSzPct val="100000"/>
+            </a:pPr>
+            <a:r>
+              <a:rPr lang="it-IT" sz="2000" dirty="0">
+                <a:latin typeface="Arial" panose="020B0604020202020204" pitchFamily="34" charset="0"/>
+                <a:cs typeface="Arial" panose="020B0604020202020204" pitchFamily="34" charset="0"/>
+              </a:rPr>
+              <a:t>La stima di </a:t>
+            </a:r>
+            <a:r>
+              <a:rPr lang="it-IT" sz="2000" b="1" dirty="0">
+                <a:solidFill>
+                  <a:schemeClr val="accent1"/>
+                </a:solidFill>
+                <a:latin typeface="Arial" panose="020B0604020202020204" pitchFamily="34" charset="0"/>
+                <a:cs typeface="Arial" panose="020B0604020202020204" pitchFamily="34" charset="0"/>
+              </a:rPr>
+              <a:t>a</a:t>
+            </a:r>
+            <a:r>
+              <a:rPr lang="it-IT" sz="2000" dirty="0">
+                <a:latin typeface="Arial" panose="020B0604020202020204" pitchFamily="34" charset="0"/>
+                <a:cs typeface="Arial" panose="020B0604020202020204" pitchFamily="34" charset="0"/>
+              </a:rPr>
+              <a:t> e di </a:t>
+            </a:r>
+            <a:r>
+              <a:rPr lang="it-IT" sz="2000" b="1" dirty="0">
+                <a:solidFill>
+                  <a:schemeClr val="accent1"/>
+                </a:solidFill>
+                <a:latin typeface="Arial" panose="020B0604020202020204" pitchFamily="34" charset="0"/>
+                <a:cs typeface="Arial" panose="020B0604020202020204" pitchFamily="34" charset="0"/>
+              </a:rPr>
+              <a:t>x</a:t>
+            </a:r>
+            <a:r>
+              <a:rPr lang="it-IT" sz="2000" dirty="0">
+                <a:latin typeface="Arial" panose="020B0604020202020204" pitchFamily="34" charset="0"/>
+                <a:cs typeface="Arial" panose="020B0604020202020204" pitchFamily="34" charset="0"/>
+              </a:rPr>
+              <a:t> è formulata sottoforma di </a:t>
+            </a:r>
+            <a:r>
+              <a:rPr lang="it-IT" sz="2000" i="1" dirty="0">
+                <a:latin typeface="Arial" panose="020B0604020202020204" pitchFamily="34" charset="0"/>
+                <a:cs typeface="Arial" panose="020B0604020202020204" pitchFamily="34" charset="0"/>
+              </a:rPr>
+              <a:t>problema di minimizzazione</a:t>
+            </a:r>
+            <a:r>
+              <a:rPr lang="it-IT" sz="2000" dirty="0">
+                <a:latin typeface="Arial" panose="020B0604020202020204" pitchFamily="34" charset="0"/>
+                <a:cs typeface="Arial" panose="020B0604020202020204" pitchFamily="34" charset="0"/>
+              </a:rPr>
+              <a:t>.</a:t>
+            </a:r>
+          </a:p>
+          <a:p>
+            <a:pPr>
+              <a:lnSpc>
+                <a:spcPct val="90000"/>
+              </a:lnSpc>
+              <a:spcBef>
+                <a:spcPts val="1600"/>
+              </a:spcBef>
+              <a:buClr>
+                <a:srgbClr val="009999"/>
+              </a:buClr>
+              <a:buSzPct val="100000"/>
+            </a:pPr>
+            <a:r>
+              <a:rPr lang="it-IT" sz="2000" dirty="0">
+                <a:latin typeface="Arial" panose="020B0604020202020204" pitchFamily="34" charset="0"/>
+                <a:cs typeface="Arial" panose="020B0604020202020204" pitchFamily="34" charset="0"/>
+              </a:rPr>
+              <a:t>Sceglierò </a:t>
+            </a:r>
+            <a:r>
+              <a:rPr lang="it-IT" sz="2000" b="1" dirty="0">
+                <a:solidFill>
+                  <a:schemeClr val="accent1"/>
+                </a:solidFill>
+                <a:latin typeface="Arial" panose="020B0604020202020204" pitchFamily="34" charset="0"/>
+                <a:cs typeface="Arial" panose="020B0604020202020204" pitchFamily="34" charset="0"/>
+              </a:rPr>
+              <a:t>a</a:t>
+            </a:r>
+            <a:r>
+              <a:rPr lang="it-IT" sz="2000" dirty="0">
+                <a:latin typeface="Arial" panose="020B0604020202020204" pitchFamily="34" charset="0"/>
+                <a:cs typeface="Arial" panose="020B0604020202020204" pitchFamily="34" charset="0"/>
+              </a:rPr>
+              <a:t> e </a:t>
+            </a:r>
+            <a:r>
+              <a:rPr lang="it-IT" sz="2000" b="1" dirty="0">
+                <a:solidFill>
+                  <a:schemeClr val="accent1"/>
+                </a:solidFill>
+                <a:latin typeface="Arial" panose="020B0604020202020204" pitchFamily="34" charset="0"/>
+                <a:cs typeface="Arial" panose="020B0604020202020204" pitchFamily="34" charset="0"/>
+              </a:rPr>
+              <a:t>x</a:t>
+            </a:r>
+            <a:r>
+              <a:rPr lang="it-IT" sz="2000" dirty="0">
+                <a:latin typeface="Arial" panose="020B0604020202020204" pitchFamily="34" charset="0"/>
+                <a:cs typeface="Arial" panose="020B0604020202020204" pitchFamily="34" charset="0"/>
+              </a:rPr>
+              <a:t> tali da minimizzare la funzione</a:t>
+            </a:r>
+          </a:p>
+        </p:txBody>
+      </p:sp>
       <p:sp>
         <p:nvSpPr>
           <p:cNvPr id="13" name="Titolo 12">
@@ -20498,55 +21979,186 @@
           </p:txBody>
         </p:sp>
       </p:grpSp>
-      <p:sp>
-        <p:nvSpPr>
-          <p:cNvPr id="2" name="Rettangolo 1">
-            <a:extLst>
-              <a:ext uri="{FF2B5EF4-FFF2-40B4-BE49-F238E27FC236}">
-                <a16:creationId xmlns:a16="http://schemas.microsoft.com/office/drawing/2014/main" id="{13FAA22D-C5A9-4486-A617-B78FDAF7F15C}"/>
-              </a:ext>
-            </a:extLst>
-          </p:cNvPr>
-          <p:cNvSpPr/>
-          <p:nvPr/>
-        </p:nvSpPr>
-        <p:spPr>
-          <a:xfrm>
-            <a:off x="986171" y="4365529"/>
-            <a:ext cx="4671472" cy="424732"/>
-          </a:xfrm>
-          <a:prstGeom prst="rect">
-            <a:avLst/>
-          </a:prstGeom>
-        </p:spPr>
-        <p:txBody>
-          <a:bodyPr wrap="none">
-            <a:spAutoFit/>
-          </a:bodyPr>
-          <a:lstStyle/>
-          <a:p>
-            <a:pPr lvl="0">
-              <a:lnSpc>
-                <a:spcPct val="90000"/>
-              </a:lnSpc>
-              <a:spcBef>
-                <a:spcPts val="1600"/>
-              </a:spcBef>
-              <a:buClr>
-                <a:srgbClr val="009999"/>
-              </a:buClr>
-              <a:buSzPct val="100000"/>
-            </a:pPr>
-            <a:r>
-              <a:rPr lang="it-IT" dirty="0">
-                <a:latin typeface="Arial" panose="020B0604020202020204" pitchFamily="34" charset="0"/>
-                <a:cs typeface="Arial" panose="020B0604020202020204" pitchFamily="34" charset="0"/>
-              </a:rPr>
-              <a:t>Dovrà essere minima la funzione</a:t>
-            </a:r>
-          </a:p>
-        </p:txBody>
-      </p:sp>
+      <mc:AlternateContent xmlns:mc="http://schemas.openxmlformats.org/markup-compatibility/2006">
+        <mc:Choice xmlns:a14="http://schemas.microsoft.com/office/drawing/2010/main" Requires="a14">
+          <p:sp>
+            <p:nvSpPr>
+              <p:cNvPr id="2" name="Rettangolo 1">
+                <a:extLst>
+                  <a:ext uri="{FF2B5EF4-FFF2-40B4-BE49-F238E27FC236}">
+                    <a16:creationId xmlns:a16="http://schemas.microsoft.com/office/drawing/2014/main" id="{13FAA22D-C5A9-4486-A617-B78FDAF7F15C}"/>
+                  </a:ext>
+                </a:extLst>
+              </p:cNvPr>
+              <p:cNvSpPr/>
+              <p:nvPr/>
+            </p:nvSpPr>
+            <p:spPr>
+              <a:xfrm>
+                <a:off x="986170" y="4067780"/>
+                <a:ext cx="5468281" cy="369332"/>
+              </a:xfrm>
+              <a:prstGeom prst="rect">
+                <a:avLst/>
+              </a:prstGeom>
+            </p:spPr>
+            <p:txBody>
+              <a:bodyPr wrap="square">
+                <a:spAutoFit/>
+              </a:bodyPr>
+              <a:lstStyle/>
+              <a:p>
+                <a:pPr lvl="0">
+                  <a:lnSpc>
+                    <a:spcPct val="90000"/>
+                  </a:lnSpc>
+                  <a:spcBef>
+                    <a:spcPts val="1600"/>
+                  </a:spcBef>
+                  <a:buClr>
+                    <a:srgbClr val="009999"/>
+                  </a:buClr>
+                  <a:buSzPct val="100000"/>
+                </a:pPr>
+                <a:r>
+                  <a:rPr lang="it-IT" sz="2000" dirty="0">
+                    <a:latin typeface="Arial" panose="020B0604020202020204" pitchFamily="34" charset="0"/>
+                    <a:cs typeface="Arial" panose="020B0604020202020204" pitchFamily="34" charset="0"/>
+                  </a:rPr>
+                  <a:t>Una volta stimati</a:t>
+                </a:r>
+                <a:r>
+                  <a:rPr lang="it-IT" sz="2000" b="1" dirty="0">
+                    <a:solidFill>
+                      <a:schemeClr val="accent1"/>
+                    </a:solidFill>
+                    <a:latin typeface="Arial" panose="020B0604020202020204" pitchFamily="34" charset="0"/>
+                    <a:cs typeface="Arial" panose="020B0604020202020204" pitchFamily="34" charset="0"/>
+                  </a:rPr>
+                  <a:t> a</a:t>
+                </a:r>
+                <a:r>
+                  <a:rPr lang="it-IT" sz="2000" dirty="0">
+                    <a:latin typeface="Arial" panose="020B0604020202020204" pitchFamily="34" charset="0"/>
+                    <a:cs typeface="Arial" panose="020B0604020202020204" pitchFamily="34" charset="0"/>
+                  </a:rPr>
+                  <a:t> e </a:t>
+                </a:r>
+                <a:r>
+                  <a:rPr lang="it-IT" sz="2000" b="1" dirty="0">
+                    <a:solidFill>
+                      <a:schemeClr val="accent1"/>
+                    </a:solidFill>
+                    <a:latin typeface="Arial" panose="020B0604020202020204" pitchFamily="34" charset="0"/>
+                    <a:cs typeface="Arial" panose="020B0604020202020204" pitchFamily="34" charset="0"/>
+                  </a:rPr>
+                  <a:t>x</a:t>
+                </a:r>
+                <a:r>
+                  <a:rPr lang="it-IT" sz="2000" dirty="0">
+                    <a:latin typeface="Arial" panose="020B0604020202020204" pitchFamily="34" charset="0"/>
+                    <a:cs typeface="Arial" panose="020B0604020202020204" pitchFamily="34" charset="0"/>
+                  </a:rPr>
+                  <a:t>, potrò stimare </a:t>
+                </a:r>
+                <a14:m>
+                  <m:oMath xmlns:m="http://schemas.openxmlformats.org/officeDocument/2006/math">
+                    <m:sSubSup>
+                      <m:sSubSupPr>
+                        <m:ctrlPr>
+                          <a:rPr lang="it-IT" sz="2000" i="1">
+                            <a:latin typeface="Cambria Math" panose="02040503050406030204" pitchFamily="18" charset="0"/>
+                            <a:cs typeface="Arial" panose="020B0604020202020204" pitchFamily="34" charset="0"/>
+                          </a:rPr>
+                        </m:ctrlPr>
+                      </m:sSubSupPr>
+                      <m:e>
+                        <m:r>
+                          <a:rPr lang="it-IT" sz="2000" i="1">
+                            <a:latin typeface="Cambria Math" panose="02040503050406030204" pitchFamily="18" charset="0"/>
+                            <a:ea typeface="Cambria Math" panose="02040503050406030204" pitchFamily="18" charset="0"/>
+                            <a:cs typeface="Arial" panose="020B0604020202020204" pitchFamily="34" charset="0"/>
+                          </a:rPr>
+                          <m:t>𝜎</m:t>
+                        </m:r>
+                      </m:e>
+                      <m:sub>
+                        <m:r>
+                          <a:rPr lang="it-IT" sz="2000" i="1">
+                            <a:latin typeface="Cambria Math" panose="02040503050406030204" pitchFamily="18" charset="0"/>
+                            <a:cs typeface="Arial" panose="020B0604020202020204" pitchFamily="34" charset="0"/>
+                          </a:rPr>
+                          <m:t>𝑒</m:t>
+                        </m:r>
+                      </m:sub>
+                      <m:sup>
+                        <m:r>
+                          <a:rPr lang="it-IT" sz="2000" i="1">
+                            <a:latin typeface="Cambria Math" panose="02040503050406030204" pitchFamily="18" charset="0"/>
+                            <a:cs typeface="Arial" panose="020B0604020202020204" pitchFamily="34" charset="0"/>
+                          </a:rPr>
+                          <m:t>2</m:t>
+                        </m:r>
+                      </m:sup>
+                    </m:sSubSup>
+                  </m:oMath>
+                </a14:m>
+                <a:r>
+                  <a:rPr lang="it-IT" sz="2000" dirty="0">
+                    <a:latin typeface="Arial" panose="020B0604020202020204" pitchFamily="34" charset="0"/>
+                    <a:cs typeface="Arial" panose="020B0604020202020204" pitchFamily="34" charset="0"/>
+                  </a:rPr>
+                  <a:t> come:</a:t>
+                </a:r>
+              </a:p>
+            </p:txBody>
+          </p:sp>
+        </mc:Choice>
+        <mc:Fallback>
+          <p:sp>
+            <p:nvSpPr>
+              <p:cNvPr id="2" name="Rettangolo 1">
+                <a:extLst>
+                  <a:ext uri="{FF2B5EF4-FFF2-40B4-BE49-F238E27FC236}">
+                    <a16:creationId xmlns:a16="http://schemas.microsoft.com/office/drawing/2014/main" id="{13FAA22D-C5A9-4486-A617-B78FDAF7F15C}"/>
+                  </a:ext>
+                </a:extLst>
+              </p:cNvPr>
+              <p:cNvSpPr>
+                <a:spLocks noRot="1" noChangeAspect="1" noMove="1" noResize="1" noEditPoints="1" noAdjustHandles="1" noChangeArrowheads="1" noChangeShapeType="1" noTextEdit="1"/>
+              </p:cNvSpPr>
+              <p:nvPr/>
+            </p:nvSpPr>
+            <p:spPr>
+              <a:xfrm>
+                <a:off x="986170" y="4067780"/>
+                <a:ext cx="5468281" cy="369332"/>
+              </a:xfrm>
+              <a:prstGeom prst="rect">
+                <a:avLst/>
+              </a:prstGeom>
+              <a:blipFill>
+                <a:blip r:embed="rId3"/>
+                <a:stretch>
+                  <a:fillRect l="-1226" t="-14754" r="-557" b="-29508"/>
+                </a:stretch>
+              </a:blipFill>
+            </p:spPr>
+            <p:txBody>
+              <a:bodyPr/>
+              <a:lstStyle/>
+              <a:p>
+                <a:r>
+                  <a:rPr lang="it-IT">
+                    <a:noFill/>
+                  </a:rPr>
+                  <a:t> </a:t>
+                </a:r>
+              </a:p>
+            </p:txBody>
+          </p:sp>
+        </mc:Fallback>
+      </mc:AlternateContent>
       <p:pic>
         <p:nvPicPr>
           <p:cNvPr id="3" name="Immagine 2">
@@ -20569,8 +22181,8 @@
         </p:blipFill>
         <p:spPr>
           <a:xfrm>
-            <a:off x="3430114" y="4944963"/>
-            <a:ext cx="4410075" cy="1076325"/>
+            <a:off x="3812806" y="3063443"/>
+            <a:ext cx="3644690" cy="889525"/>
           </a:xfrm>
           <a:prstGeom prst="rect">
             <a:avLst/>
@@ -20599,8 +22211,8 @@
         </p:blipFill>
         <p:spPr>
           <a:xfrm>
-            <a:off x="4411190" y="3356992"/>
-            <a:ext cx="2447925" cy="771525"/>
+            <a:off x="4288793" y="4509120"/>
+            <a:ext cx="2692718" cy="848678"/>
           </a:xfrm>
           <a:prstGeom prst="rect">
             <a:avLst/>
@@ -20650,11 +22262,136 @@
           <a:p>
             <a:r>
               <a:rPr lang="it-IT" sz="2400" dirty="0">
+                <a:effectLst>
+                  <a:outerShdw blurRad="38100" dist="38100" dir="2700000" algn="tl">
+                    <a:srgbClr val="000000">
+                      <a:alpha val="43137"/>
+                    </a:srgbClr>
+                  </a:outerShdw>
+                </a:effectLst>
                 <a:latin typeface="Verdana" panose="020B0604030504040204" pitchFamily="34" charset="0"/>
                 <a:ea typeface="Verdana" panose="020B0604030504040204" pitchFamily="34" charset="0"/>
                 <a:cs typeface="Verdana" panose="020B0604030504040204" pitchFamily="34" charset="0"/>
               </a:rPr>
               <a:t>Presentazione del metodo di interpolazione</a:t>
+            </a:r>
+          </a:p>
+        </p:txBody>
+      </p:sp>
+      <p:sp>
+        <p:nvSpPr>
+          <p:cNvPr id="5" name="CasellaDiTesto 4">
+            <a:extLst>
+              <a:ext uri="{FF2B5EF4-FFF2-40B4-BE49-F238E27FC236}">
+                <a16:creationId xmlns:a16="http://schemas.microsoft.com/office/drawing/2014/main" id="{5B4ADACC-ED6F-47A9-9591-EA34F9DB3821}"/>
+              </a:ext>
+            </a:extLst>
+          </p:cNvPr>
+          <p:cNvSpPr txBox="1"/>
+          <p:nvPr/>
+        </p:nvSpPr>
+        <p:spPr>
+          <a:xfrm>
+            <a:off x="986171" y="5768214"/>
+            <a:ext cx="7844545" cy="757130"/>
+          </a:xfrm>
+          <a:prstGeom prst="rect">
+            <a:avLst/>
+          </a:prstGeom>
+          <a:noFill/>
+        </p:spPr>
+        <p:txBody>
+          <a:bodyPr wrap="square" rtlCol="0">
+            <a:spAutoFit/>
+          </a:bodyPr>
+          <a:lstStyle/>
+          <a:p>
+            <a:pPr lvl="0">
+              <a:lnSpc>
+                <a:spcPct val="90000"/>
+              </a:lnSpc>
+              <a:spcBef>
+                <a:spcPts val="1600"/>
+              </a:spcBef>
+              <a:buClr>
+                <a:srgbClr val="009999"/>
+              </a:buClr>
+              <a:buSzPct val="100000"/>
+            </a:pPr>
+            <a:r>
+              <a:rPr lang="it-IT" sz="1600" dirty="0">
+                <a:latin typeface="Arial" panose="020B0604020202020204" pitchFamily="34" charset="0"/>
+                <a:cs typeface="Arial" panose="020B0604020202020204" pitchFamily="34" charset="0"/>
+              </a:rPr>
+              <a:t>Nell'Appendice A di [1] si dimostra che, ipotizzando che i valori dei campioni abbiano una funzione di densità di probabilità di tipo Gaussiano, minimizzare </a:t>
+            </a:r>
+            <a:r>
+              <a:rPr lang="it-IT" sz="1600" b="1" dirty="0">
+                <a:solidFill>
+                  <a:schemeClr val="accent1"/>
+                </a:solidFill>
+                <a:latin typeface="Arial" panose="020B0604020202020204" pitchFamily="34" charset="0"/>
+                <a:cs typeface="Arial" panose="020B0604020202020204" pitchFamily="34" charset="0"/>
+              </a:rPr>
+              <a:t>Q</a:t>
+            </a:r>
+            <a:r>
+              <a:rPr lang="it-IT" sz="1600" dirty="0">
+                <a:latin typeface="Arial" panose="020B0604020202020204" pitchFamily="34" charset="0"/>
+                <a:cs typeface="Arial" panose="020B0604020202020204" pitchFamily="34" charset="0"/>
+              </a:rPr>
+              <a:t> rispetto a </a:t>
+            </a:r>
+            <a:r>
+              <a:rPr lang="it-IT" sz="1600" b="1" dirty="0">
+                <a:solidFill>
+                  <a:schemeClr val="accent1"/>
+                </a:solidFill>
+                <a:latin typeface="Arial" panose="020B0604020202020204" pitchFamily="34" charset="0"/>
+                <a:cs typeface="Arial" panose="020B0604020202020204" pitchFamily="34" charset="0"/>
+              </a:rPr>
+              <a:t>x</a:t>
+            </a:r>
+            <a:r>
+              <a:rPr lang="it-IT" sz="1600" dirty="0">
+                <a:latin typeface="Arial" panose="020B0604020202020204" pitchFamily="34" charset="0"/>
+                <a:cs typeface="Arial" panose="020B0604020202020204" pitchFamily="34" charset="0"/>
+              </a:rPr>
+              <a:t> sia lo stesso che trovare la minima stima della varianza di </a:t>
+            </a:r>
+            <a:r>
+              <a:rPr lang="it-IT" sz="1600" b="1" dirty="0">
+                <a:solidFill>
+                  <a:schemeClr val="accent1"/>
+                </a:solidFill>
+                <a:latin typeface="Arial" panose="020B0604020202020204" pitchFamily="34" charset="0"/>
+                <a:cs typeface="Arial" panose="020B0604020202020204" pitchFamily="34" charset="0"/>
+              </a:rPr>
+              <a:t>x</a:t>
+            </a:r>
+            <a:r>
+              <a:rPr lang="it-IT" sz="1600" dirty="0">
+                <a:latin typeface="Arial" panose="020B0604020202020204" pitchFamily="34" charset="0"/>
+                <a:cs typeface="Arial" panose="020B0604020202020204" pitchFamily="34" charset="0"/>
+              </a:rPr>
+              <a:t>, noti p ed </a:t>
+            </a:r>
+            <a:r>
+              <a:rPr lang="it-IT" sz="1600" b="1" dirty="0">
+                <a:solidFill>
+                  <a:schemeClr val="accent1"/>
+                </a:solidFill>
+                <a:latin typeface="Arial" panose="020B0604020202020204" pitchFamily="34" charset="0"/>
+                <a:cs typeface="Arial" panose="020B0604020202020204" pitchFamily="34" charset="0"/>
+              </a:rPr>
+              <a:t>a</a:t>
+            </a:r>
+            <a:r>
+              <a:rPr lang="it-IT" sz="1600" dirty="0">
+                <a:latin typeface="Arial" panose="020B0604020202020204" pitchFamily="34" charset="0"/>
+                <a:cs typeface="Arial" panose="020B0604020202020204" pitchFamily="34" charset="0"/>
+              </a:rPr>
+              <a:t>.</a:t>
             </a:r>
           </a:p>
         </p:txBody>
@@ -21016,6 +22753,13 @@
           <a:p>
             <a:r>
               <a:rPr lang="it-IT" sz="2400" dirty="0">
+                <a:effectLst>
+                  <a:outerShdw blurRad="38100" dist="38100" dir="2700000" algn="tl">
+                    <a:srgbClr val="000000">
+                      <a:alpha val="43137"/>
+                    </a:srgbClr>
+                  </a:outerShdw>
+                </a:effectLst>
                 <a:latin typeface="Verdana" panose="020B0604030504040204" pitchFamily="34" charset="0"/>
                 <a:ea typeface="Verdana" panose="020B0604030504040204" pitchFamily="34" charset="0"/>
                 <a:cs typeface="Verdana" panose="020B0604030504040204" pitchFamily="34" charset="0"/>
@@ -21550,6 +23294,13 @@
           <a:p>
             <a:r>
               <a:rPr lang="it-IT" sz="2400" dirty="0">
+                <a:effectLst>
+                  <a:outerShdw blurRad="38100" dist="38100" dir="2700000" algn="tl">
+                    <a:srgbClr val="000000">
+                      <a:alpha val="43137"/>
+                    </a:srgbClr>
+                  </a:outerShdw>
+                </a:effectLst>
                 <a:latin typeface="Verdana" panose="020B0604030504040204" pitchFamily="34" charset="0"/>
                 <a:ea typeface="Verdana" panose="020B0604030504040204" pitchFamily="34" charset="0"/>
                 <a:cs typeface="Verdana" panose="020B0604030504040204" pitchFamily="34" charset="0"/>
@@ -21650,7 +23401,24 @@
                 <a:latin typeface="Arial" panose="020B0604020202020204" pitchFamily="34" charset="0"/>
                 <a:cs typeface="Arial" panose="020B0604020202020204" pitchFamily="34" charset="0"/>
               </a:rPr>
-              <a:t>Si può dimostrare che Q si può scomporre in più modi:</a:t>
+              <a:t>Si può dimostrare che </a:t>
+            </a:r>
+            <a:r>
+              <a:rPr lang="it-IT" b="1" dirty="0">
+                <a:solidFill>
+                  <a:schemeClr val="accent1"/>
+                </a:solidFill>
+                <a:latin typeface="Arial" panose="020B0604020202020204" pitchFamily="34" charset="0"/>
+                <a:cs typeface="Arial" panose="020B0604020202020204" pitchFamily="34" charset="0"/>
+              </a:rPr>
+              <a:t>Q</a:t>
+            </a:r>
+            <a:r>
+              <a:rPr lang="it-IT" dirty="0">
+                <a:latin typeface="Arial" panose="020B0604020202020204" pitchFamily="34" charset="0"/>
+                <a:cs typeface="Arial" panose="020B0604020202020204" pitchFamily="34" charset="0"/>
+              </a:rPr>
+              <a:t> si può scomporre in più modi:</a:t>
             </a:r>
           </a:p>
         </p:txBody>
@@ -21688,7 +23456,41 @@
                 <a:latin typeface="Arial" panose="020B0604020202020204" pitchFamily="34" charset="0"/>
                 <a:cs typeface="Arial" panose="020B0604020202020204" pitchFamily="34" charset="0"/>
               </a:rPr>
-              <a:t>Minimizzando rispettivamente, le stime di a e x saranno date da:</a:t>
+              <a:t>Minimizzando rispettivamente, le stime di </a:t>
+            </a:r>
+            <a:r>
+              <a:rPr lang="it-IT" b="1" dirty="0">
+                <a:solidFill>
+                  <a:schemeClr val="accent1"/>
+                </a:solidFill>
+                <a:latin typeface="Arial" panose="020B0604020202020204" pitchFamily="34" charset="0"/>
+                <a:cs typeface="Arial" panose="020B0604020202020204" pitchFamily="34" charset="0"/>
+              </a:rPr>
+              <a:t>a</a:t>
+            </a:r>
+            <a:r>
+              <a:rPr lang="it-IT" dirty="0">
+                <a:latin typeface="Arial" panose="020B0604020202020204" pitchFamily="34" charset="0"/>
+                <a:cs typeface="Arial" panose="020B0604020202020204" pitchFamily="34" charset="0"/>
+              </a:rPr>
+              <a:t> e </a:t>
+            </a:r>
+            <a:r>
+              <a:rPr lang="it-IT" b="1" dirty="0">
+                <a:solidFill>
+                  <a:schemeClr val="accent1"/>
+                </a:solidFill>
+                <a:latin typeface="Arial" panose="020B0604020202020204" pitchFamily="34" charset="0"/>
+                <a:cs typeface="Arial" panose="020B0604020202020204" pitchFamily="34" charset="0"/>
+              </a:rPr>
+              <a:t>x</a:t>
+            </a:r>
+            <a:r>
+              <a:rPr lang="it-IT" dirty="0">
+                <a:latin typeface="Arial" panose="020B0604020202020204" pitchFamily="34" charset="0"/>
+                <a:cs typeface="Arial" panose="020B0604020202020204" pitchFamily="34" charset="0"/>
+              </a:rPr>
+              <a:t> saranno date da:</a:t>
             </a:r>
           </a:p>
         </p:txBody>
@@ -22080,6 +23882,13 @@
           <a:p>
             <a:r>
               <a:rPr lang="it-IT" sz="2400" dirty="0">
+                <a:effectLst>
+                  <a:outerShdw blurRad="38100" dist="38100" dir="2700000" algn="tl">
+                    <a:srgbClr val="000000">
+                      <a:alpha val="43137"/>
+                    </a:srgbClr>
+                  </a:outerShdw>
+                </a:effectLst>
                 <a:latin typeface="Verdana" panose="020B0604030504040204" pitchFamily="34" charset="0"/>
                 <a:ea typeface="Verdana" panose="020B0604030504040204" pitchFamily="34" charset="0"/>
                 <a:cs typeface="Verdana" panose="020B0604030504040204" pitchFamily="34" charset="0"/>
@@ -22589,6 +24398,13 @@
           <a:p>
             <a:r>
               <a:rPr lang="it-IT" sz="2400" dirty="0">
+                <a:effectLst>
+                  <a:outerShdw blurRad="38100" dist="38100" dir="2700000" algn="tl">
+                    <a:srgbClr val="000000">
+                      <a:alpha val="43137"/>
+                    </a:srgbClr>
+                  </a:outerShdw>
+                </a:effectLst>
                 <a:latin typeface="Verdana" panose="020B0604030504040204" pitchFamily="34" charset="0"/>
                 <a:ea typeface="Verdana" panose="020B0604030504040204" pitchFamily="34" charset="0"/>
                 <a:cs typeface="Verdana" panose="020B0604030504040204" pitchFamily="34" charset="0"/>
@@ -22716,7 +24532,7 @@
         <p:spPr>
           <a:xfrm>
             <a:off x="1780921" y="2584640"/>
-            <a:ext cx="9138028" cy="1507849"/>
+            <a:ext cx="9138028" cy="3658181"/>
           </a:xfrm>
           <a:prstGeom prst="rect">
             <a:avLst/>
@@ -22750,11 +24566,65 @@
                 <a:latin typeface="Arial" panose="020B0604020202020204" pitchFamily="34" charset="0"/>
                 <a:cs typeface="Arial" panose="020B0604020202020204" pitchFamily="34" charset="0"/>
               </a:rPr>
-              <a:t>Decomposizione della matrice B</a:t>
+              <a:t>Decomposizione della matrice </a:t>
+            </a:r>
+            <a:r>
+              <a:rPr lang="it-IT" b="1" dirty="0">
+                <a:solidFill>
+                  <a:schemeClr val="accent1"/>
+                </a:solidFill>
+                <a:latin typeface="Arial" panose="020B0604020202020204" pitchFamily="34" charset="0"/>
+                <a:cs typeface="Arial" panose="020B0604020202020204" pitchFamily="34" charset="0"/>
+              </a:rPr>
+              <a:t>B</a:t>
             </a:r>
           </a:p>
           <a:p>
-            <a:pPr marL="1123843" lvl="1" indent="-514350">
+            <a:pPr lvl="0">
+              <a:lnSpc>
+                <a:spcPct val="90000"/>
+              </a:lnSpc>
+              <a:spcBef>
+                <a:spcPts val="1600"/>
+              </a:spcBef>
+              <a:buClr>
+                <a:srgbClr val="009999"/>
+              </a:buClr>
+              <a:buSzPct val="100000"/>
+            </a:pPr>
+            <a:endParaRPr lang="it-IT" dirty="0">
+              <a:solidFill>
+                <a:prstClr val="white"/>
+              </a:solidFill>
+              <a:latin typeface="Arial" panose="020B0604020202020204" pitchFamily="34" charset="0"/>
+              <a:cs typeface="Arial" panose="020B0604020202020204" pitchFamily="34" charset="0"/>
+            </a:endParaRPr>
+          </a:p>
+          <a:p>
+            <a:pPr marL="514350" indent="-514350">
+              <a:lnSpc>
+                <a:spcPct val="90000"/>
+              </a:lnSpc>
+              <a:spcBef>
+                <a:spcPts val="1600"/>
+              </a:spcBef>
+              <a:buClr>
+                <a:srgbClr val="009999"/>
+              </a:buClr>
+              <a:buSzPct val="100000"/>
+              <a:buFont typeface="Arial" panose="020B0604020202020204" pitchFamily="34" charset="0"/>
+              <a:buChar char="•"/>
+            </a:pPr>
+            <a:endParaRPr lang="it-IT" dirty="0">
+              <a:solidFill>
+                <a:prstClr val="white"/>
+              </a:solidFill>
+              <a:latin typeface="Arial" panose="020B0604020202020204" pitchFamily="34" charset="0"/>
+              <a:cs typeface="Arial" panose="020B0604020202020204" pitchFamily="34" charset="0"/>
+            </a:endParaRPr>
+          </a:p>
+          <a:p>
+            <a:pPr marL="514350" indent="-514350">
               <a:lnSpc>
                 <a:spcPct val="90000"/>
               </a:lnSpc>
@@ -22797,7 +24667,49 @@
             </a:endParaRPr>
           </a:p>
           <a:p>
-            <a:pPr marL="1123843" lvl="1" indent="-514350">
+            <a:pPr>
+              <a:lnSpc>
+                <a:spcPct val="90000"/>
+              </a:lnSpc>
+              <a:spcBef>
+                <a:spcPts val="1600"/>
+              </a:spcBef>
+              <a:buClr>
+                <a:srgbClr val="009999"/>
+              </a:buClr>
+              <a:buSzPct val="100000"/>
+            </a:pPr>
+            <a:endParaRPr lang="it-IT" dirty="0">
+              <a:solidFill>
+                <a:prstClr val="white"/>
+              </a:solidFill>
+              <a:latin typeface="Arial" panose="020B0604020202020204" pitchFamily="34" charset="0"/>
+              <a:cs typeface="Arial" panose="020B0604020202020204" pitchFamily="34" charset="0"/>
+            </a:endParaRPr>
+          </a:p>
+          <a:p>
+            <a:pPr>
+              <a:lnSpc>
+                <a:spcPct val="90000"/>
+              </a:lnSpc>
+              <a:spcBef>
+                <a:spcPts val="1600"/>
+              </a:spcBef>
+              <a:buClr>
+                <a:srgbClr val="009999"/>
+              </a:buClr>
+              <a:buSzPct val="100000"/>
+            </a:pPr>
+            <a:endParaRPr lang="it-IT" dirty="0">
+              <a:solidFill>
+                <a:prstClr val="white"/>
+              </a:solidFill>
+              <a:latin typeface="Arial" panose="020B0604020202020204" pitchFamily="34" charset="0"/>
+              <a:cs typeface="Arial" panose="020B0604020202020204" pitchFamily="34" charset="0"/>
+            </a:endParaRPr>
+          </a:p>
+          <a:p>
+            <a:pPr marL="514350" indent="-514350">
               <a:lnSpc>
                 <a:spcPct val="90000"/>
               </a:lnSpc>
@@ -22864,6 +24776,64 @@
           </a:p>
         </p:txBody>
       </p:sp>
+      <p:pic>
+        <p:nvPicPr>
+          <p:cNvPr id="11" name="Immagine 10">
+            <a:extLst>
+              <a:ext uri="{FF2B5EF4-FFF2-40B4-BE49-F238E27FC236}">
+                <a16:creationId xmlns:a16="http://schemas.microsoft.com/office/drawing/2014/main" id="{8D65B7F2-334C-4420-BE7A-2582967558E5}"/>
+              </a:ext>
+            </a:extLst>
+          </p:cNvPr>
+          <p:cNvPicPr>
+            <a:picLocks noChangeAspect="1"/>
+          </p:cNvPicPr>
+          <p:nvPr/>
+        </p:nvPicPr>
+        <p:blipFill rotWithShape="1">
+          <a:blip r:embed="rId3"/>
+          <a:srcRect l="15465" t="59267" r="15465"/>
+          <a:stretch/>
+        </p:blipFill>
+        <p:spPr>
+          <a:xfrm>
+            <a:off x="4942284" y="3156524"/>
+            <a:ext cx="2304256" cy="632516"/>
+          </a:xfrm>
+          <a:prstGeom prst="rect">
+            <a:avLst/>
+          </a:prstGeom>
+        </p:spPr>
+      </p:pic>
+      <p:pic>
+        <p:nvPicPr>
+          <p:cNvPr id="2" name="Immagine 1">
+            <a:extLst>
+              <a:ext uri="{FF2B5EF4-FFF2-40B4-BE49-F238E27FC236}">
+                <a16:creationId xmlns:a16="http://schemas.microsoft.com/office/drawing/2014/main" id="{46A5B161-BED0-4398-8191-C0E36DA7CBFE}"/>
+              </a:ext>
+            </a:extLst>
+          </p:cNvPr>
+          <p:cNvPicPr>
+            <a:picLocks noChangeAspect="1"/>
+          </p:cNvPicPr>
+          <p:nvPr/>
+        </p:nvPicPr>
+        <p:blipFill rotWithShape="1">
+          <a:blip r:embed="rId4"/>
+          <a:srcRect t="17702" b="9645"/>
+          <a:stretch/>
+        </p:blipFill>
+        <p:spPr>
+          <a:xfrm>
+            <a:off x="5079752" y="4830877"/>
+            <a:ext cx="2029316" cy="542339"/>
+          </a:xfrm>
+          <a:prstGeom prst="rect">
+            <a:avLst/>
+          </a:prstGeom>
+        </p:spPr>
+      </p:pic>
     </p:spTree>
     <p:extLst>
       <p:ext uri="{BB962C8B-B14F-4D97-AF65-F5344CB8AC3E}">

--- a/Relazione/presentazioneProgettoFinal.pptx
+++ b/Relazione/presentazioneProgettoFinal.pptx
@@ -5,10 +5,10 @@
     <p:sldMasterId id="2147483660" r:id="rId4"/>
   </p:sldMasterIdLst>
   <p:notesMasterIdLst>
-    <p:notesMasterId r:id="rId31"/>
+    <p:notesMasterId r:id="rId32"/>
   </p:notesMasterIdLst>
   <p:handoutMasterIdLst>
-    <p:handoutMasterId r:id="rId32"/>
+    <p:handoutMasterId r:id="rId33"/>
   </p:handoutMasterIdLst>
   <p:sldIdLst>
     <p:sldId id="257" r:id="rId5"/>
@@ -20,23 +20,24 @@
     <p:sldId id="288" r:id="rId11"/>
     <p:sldId id="289" r:id="rId12"/>
     <p:sldId id="290" r:id="rId13"/>
-    <p:sldId id="273" r:id="rId14"/>
-    <p:sldId id="274" r:id="rId15"/>
-    <p:sldId id="261" r:id="rId16"/>
-    <p:sldId id="275" r:id="rId17"/>
-    <p:sldId id="292" r:id="rId18"/>
-    <p:sldId id="276" r:id="rId19"/>
-    <p:sldId id="277" r:id="rId20"/>
-    <p:sldId id="282" r:id="rId21"/>
-    <p:sldId id="278" r:id="rId22"/>
-    <p:sldId id="283" r:id="rId23"/>
-    <p:sldId id="279" r:id="rId24"/>
-    <p:sldId id="284" r:id="rId25"/>
-    <p:sldId id="280" r:id="rId26"/>
-    <p:sldId id="293" r:id="rId27"/>
-    <p:sldId id="285" r:id="rId28"/>
-    <p:sldId id="281" r:id="rId29"/>
-    <p:sldId id="291" r:id="rId30"/>
+    <p:sldId id="294" r:id="rId14"/>
+    <p:sldId id="273" r:id="rId15"/>
+    <p:sldId id="274" r:id="rId16"/>
+    <p:sldId id="261" r:id="rId17"/>
+    <p:sldId id="275" r:id="rId18"/>
+    <p:sldId id="292" r:id="rId19"/>
+    <p:sldId id="276" r:id="rId20"/>
+    <p:sldId id="277" r:id="rId21"/>
+    <p:sldId id="282" r:id="rId22"/>
+    <p:sldId id="278" r:id="rId23"/>
+    <p:sldId id="283" r:id="rId24"/>
+    <p:sldId id="279" r:id="rId25"/>
+    <p:sldId id="284" r:id="rId26"/>
+    <p:sldId id="280" r:id="rId27"/>
+    <p:sldId id="293" r:id="rId28"/>
+    <p:sldId id="285" r:id="rId29"/>
+    <p:sldId id="281" r:id="rId30"/>
+    <p:sldId id="291" r:id="rId31"/>
   </p:sldIdLst>
   <p:sldSz cx="12188825" cy="6858000"/>
   <p:notesSz cx="6858000" cy="9144000"/>
@@ -5658,7 +5659,7 @@
             <a:pPr algn="r" rtl="0"/>
             <a:fld id="{221A1788-7372-4FAC-9AF0-00B54B8D9CBA}" type="datetime1">
               <a:rPr lang="it-IT" smtClean="0"/>
-              <a:t>18/02/2019</a:t>
+              <a:t>19/02/2019</a:t>
             </a:fld>
             <a:endParaRPr lang="it-IT" dirty="0"/>
           </a:p>
@@ -5828,7 +5829,7 @@
             <a:fld id="{D943A304-85CD-4257-B418-D8F889FE0DBC}" type="datetime1">
               <a:rPr lang="it-IT" smtClean="0"/>
               <a:pPr/>
-              <a:t>18/02/2019</a:t>
+              <a:t>19/02/2019</a:t>
             </a:fld>
             <a:endParaRPr lang="it-IT" dirty="0"/>
           </a:p>
@@ -6249,7 +6250,7 @@
             <a:fld id="{3EBA5BD7-F043-4D1B-AA17-CD412FC534DE}" type="slidenum">
               <a:rPr lang="it-IT" smtClean="0"/>
               <a:pPr/>
-              <a:t>10</a:t>
+              <a:t>11</a:t>
             </a:fld>
             <a:endParaRPr lang="it-IT" dirty="0"/>
           </a:p>
@@ -6334,7 +6335,7 @@
             <a:fld id="{3EBA5BD7-F043-4D1B-AA17-CD412FC534DE}" type="slidenum">
               <a:rPr lang="it-IT" smtClean="0"/>
               <a:pPr/>
-              <a:t>11</a:t>
+              <a:t>12</a:t>
             </a:fld>
             <a:endParaRPr lang="it-IT" dirty="0"/>
           </a:p>
@@ -6419,7 +6420,7 @@
             <a:pPr rtl="0"/>
             <a:fld id="{3EBA5BD7-F043-4D1B-AA17-CD412FC534DE}" type="slidenum">
               <a:rPr lang="it-IT" smtClean="0"/>
-              <a:t>12</a:t>
+              <a:t>13</a:t>
             </a:fld>
             <a:endParaRPr lang="it-IT" dirty="0"/>
           </a:p>
@@ -6504,7 +6505,7 @@
             <a:fld id="{3EBA5BD7-F043-4D1B-AA17-CD412FC534DE}" type="slidenum">
               <a:rPr lang="it-IT" smtClean="0"/>
               <a:pPr/>
-              <a:t>13</a:t>
+              <a:t>14</a:t>
             </a:fld>
             <a:endParaRPr lang="it-IT" dirty="0"/>
           </a:p>
@@ -6589,7 +6590,7 @@
             <a:fld id="{3EBA5BD7-F043-4D1B-AA17-CD412FC534DE}" type="slidenum">
               <a:rPr lang="it-IT" smtClean="0"/>
               <a:pPr/>
-              <a:t>14</a:t>
+              <a:t>15</a:t>
             </a:fld>
             <a:endParaRPr lang="it-IT" dirty="0"/>
           </a:p>
@@ -6674,7 +6675,7 @@
             <a:fld id="{3EBA5BD7-F043-4D1B-AA17-CD412FC534DE}" type="slidenum">
               <a:rPr lang="it-IT" smtClean="0"/>
               <a:pPr/>
-              <a:t>15</a:t>
+              <a:t>16</a:t>
             </a:fld>
             <a:endParaRPr lang="it-IT" dirty="0"/>
           </a:p>
@@ -6759,7 +6760,7 @@
             <a:fld id="{3EBA5BD7-F043-4D1B-AA17-CD412FC534DE}" type="slidenum">
               <a:rPr lang="it-IT" smtClean="0"/>
               <a:pPr/>
-              <a:t>16</a:t>
+              <a:t>17</a:t>
             </a:fld>
             <a:endParaRPr lang="it-IT" dirty="0"/>
           </a:p>
@@ -6844,7 +6845,7 @@
             <a:fld id="{3EBA5BD7-F043-4D1B-AA17-CD412FC534DE}" type="slidenum">
               <a:rPr lang="it-IT" smtClean="0"/>
               <a:pPr/>
-              <a:t>18</a:t>
+              <a:t>19</a:t>
             </a:fld>
             <a:endParaRPr lang="it-IT" dirty="0"/>
           </a:p>
@@ -6929,7 +6930,7 @@
             <a:fld id="{3EBA5BD7-F043-4D1B-AA17-CD412FC534DE}" type="slidenum">
               <a:rPr lang="it-IT" smtClean="0"/>
               <a:pPr/>
-              <a:t>20</a:t>
+              <a:t>21</a:t>
             </a:fld>
             <a:endParaRPr lang="it-IT" dirty="0"/>
           </a:p>
@@ -7014,7 +7015,7 @@
             <a:fld id="{3EBA5BD7-F043-4D1B-AA17-CD412FC534DE}" type="slidenum">
               <a:rPr lang="it-IT" smtClean="0"/>
               <a:pPr/>
-              <a:t>22</a:t>
+              <a:t>23</a:t>
             </a:fld>
             <a:endParaRPr lang="it-IT" dirty="0"/>
           </a:p>
@@ -7184,7 +7185,7 @@
             <a:fld id="{3EBA5BD7-F043-4D1B-AA17-CD412FC534DE}" type="slidenum">
               <a:rPr lang="it-IT" smtClean="0"/>
               <a:pPr/>
-              <a:t>23</a:t>
+              <a:t>24</a:t>
             </a:fld>
             <a:endParaRPr lang="it-IT" dirty="0"/>
           </a:p>
@@ -7269,7 +7270,7 @@
             <a:fld id="{3EBA5BD7-F043-4D1B-AA17-CD412FC534DE}" type="slidenum">
               <a:rPr lang="it-IT" smtClean="0"/>
               <a:pPr/>
-              <a:t>25</a:t>
+              <a:t>26</a:t>
             </a:fld>
             <a:endParaRPr lang="it-IT" dirty="0"/>
           </a:p>
@@ -7354,7 +7355,7 @@
             <a:fld id="{3EBA5BD7-F043-4D1B-AA17-CD412FC534DE}" type="slidenum">
               <a:rPr lang="it-IT" smtClean="0"/>
               <a:pPr/>
-              <a:t>26</a:t>
+              <a:t>27</a:t>
             </a:fld>
             <a:endParaRPr lang="it-IT" dirty="0"/>
           </a:p>
@@ -8731,7 +8732,7 @@
             <a:fld id="{3889EF9B-A500-41B6-8F1C-893813E9A898}" type="datetime1">
               <a:rPr lang="it-IT" smtClean="0"/>
               <a:pPr/>
-              <a:t>18/02/2019</a:t>
+              <a:t>19/02/2019</a:t>
             </a:fld>
             <a:endParaRPr lang="it-IT" dirty="0"/>
           </a:p>
@@ -8937,7 +8938,7 @@
             <a:fld id="{6E724BBD-5BEA-4971-A6C4-42E94AF7CB5F}" type="datetime1">
               <a:rPr lang="it-IT" smtClean="0"/>
               <a:pPr/>
-              <a:t>18/02/2019</a:t>
+              <a:t>19/02/2019</a:t>
             </a:fld>
             <a:endParaRPr lang="it-IT" dirty="0"/>
           </a:p>
@@ -9153,7 +9154,7 @@
             <a:fld id="{EF1B2188-7D8C-43C8-B29F-60D01DE77B72}" type="datetime1">
               <a:rPr lang="it-IT" smtClean="0"/>
               <a:pPr/>
-              <a:t>18/02/2019</a:t>
+              <a:t>19/02/2019</a:t>
             </a:fld>
             <a:endParaRPr lang="it-IT" dirty="0"/>
           </a:p>
@@ -9359,7 +9360,7 @@
             <a:fld id="{581DC961-63CE-49AB-921E-1CE3DDEFC80A}" type="datetime1">
               <a:rPr lang="it-IT" smtClean="0"/>
               <a:pPr/>
-              <a:t>18/02/2019</a:t>
+              <a:t>19/02/2019</a:t>
             </a:fld>
             <a:endParaRPr lang="it-IT" dirty="0"/>
           </a:p>
@@ -9803,7 +9804,7 @@
             <a:fld id="{C6066F5F-3C86-4285-A86F-35EFBBDD7800}" type="datetime1">
               <a:rPr lang="it-IT" smtClean="0"/>
               <a:pPr/>
-              <a:t>18/02/2019</a:t>
+              <a:t>19/02/2019</a:t>
             </a:fld>
             <a:endParaRPr lang="it-IT" dirty="0"/>
           </a:p>
@@ -10115,7 +10116,7 @@
             <a:fld id="{0B9BE34E-14EC-4041-A597-EE22FC16794F}" type="datetime1">
               <a:rPr lang="it-IT" smtClean="0"/>
               <a:pPr/>
-              <a:t>18/02/2019</a:t>
+              <a:t>19/02/2019</a:t>
             </a:fld>
             <a:endParaRPr lang="it-IT" dirty="0"/>
           </a:p>
@@ -10579,7 +10580,7 @@
             <a:fld id="{D6FAD192-1BF7-4994-9CBA-74265F19F4C1}" type="datetime1">
               <a:rPr lang="it-IT" smtClean="0"/>
               <a:pPr/>
-              <a:t>18/02/2019</a:t>
+              <a:t>19/02/2019</a:t>
             </a:fld>
             <a:endParaRPr lang="it-IT" dirty="0"/>
           </a:p>
@@ -10717,7 +10718,7 @@
             <a:fld id="{C476DD40-7EBA-46D0-A855-62759524AC7A}" type="datetime1">
               <a:rPr lang="it-IT" smtClean="0"/>
               <a:pPr/>
-              <a:t>18/02/2019</a:t>
+              <a:t>19/02/2019</a:t>
             </a:fld>
             <a:endParaRPr lang="it-IT" dirty="0"/>
           </a:p>
@@ -10831,7 +10832,7 @@
             <a:fld id="{C62E4D95-88E1-4556-89BE-EC650C1D14A8}" type="datetime1">
               <a:rPr lang="it-IT" smtClean="0"/>
               <a:pPr/>
-              <a:t>18/02/2019</a:t>
+              <a:t>19/02/2019</a:t>
             </a:fld>
             <a:endParaRPr lang="it-IT" dirty="0"/>
           </a:p>
@@ -11138,7 +11139,7 @@
             <a:fld id="{1F9867D3-FC26-40B1-8BB9-B19FF8D6CD45}" type="datetime1">
               <a:rPr lang="it-IT" smtClean="0"/>
               <a:pPr/>
-              <a:t>18/02/2019</a:t>
+              <a:t>19/02/2019</a:t>
             </a:fld>
             <a:endParaRPr lang="it-IT" dirty="0"/>
           </a:p>
@@ -11435,7 +11436,7 @@
             <a:fld id="{5B0EE21F-92EE-4289-AFFB-9252D957F459}" type="datetime1">
               <a:rPr lang="it-IT" smtClean="0"/>
               <a:pPr/>
-              <a:t>18/02/2019</a:t>
+              <a:t>19/02/2019</a:t>
             </a:fld>
             <a:endParaRPr lang="it-IT" dirty="0"/>
           </a:p>
@@ -12059,7 +12060,7 @@
             <a:fld id="{8A756645-DD8C-4009-9A84-A4AD56EB55A9}" type="datetime1">
               <a:rPr lang="it-IT" smtClean="0"/>
               <a:pPr/>
-              <a:t>18/02/2019</a:t>
+              <a:t>19/02/2019</a:t>
             </a:fld>
             <a:endParaRPr lang="it-IT" dirty="0"/>
           </a:p>
@@ -12737,6 +12738,282 @@
           <a:chExt cx="0" cy="0"/>
         </a:xfrm>
       </p:grpSpPr>
+      <p:pic>
+        <p:nvPicPr>
+          <p:cNvPr id="7" name="Immagine 6">
+            <a:extLst>
+              <a:ext uri="{FF2B5EF4-FFF2-40B4-BE49-F238E27FC236}">
+                <a16:creationId xmlns:a16="http://schemas.microsoft.com/office/drawing/2014/main" id="{C2B1112C-0ACA-4D2F-A5F0-EF6807008711}"/>
+              </a:ext>
+            </a:extLst>
+          </p:cNvPr>
+          <p:cNvPicPr>
+            <a:picLocks noChangeAspect="1"/>
+          </p:cNvPicPr>
+          <p:nvPr/>
+        </p:nvPicPr>
+        <p:blipFill rotWithShape="1">
+          <a:blip r:embed="rId2"/>
+          <a:srcRect t="40780"/>
+          <a:stretch/>
+        </p:blipFill>
+        <p:spPr>
+          <a:xfrm>
+            <a:off x="1196971" y="1003647"/>
+            <a:ext cx="7598438" cy="941274"/>
+          </a:xfrm>
+          <a:prstGeom prst="rect">
+            <a:avLst/>
+          </a:prstGeom>
+        </p:spPr>
+      </p:pic>
+      <p:pic>
+        <p:nvPicPr>
+          <p:cNvPr id="8" name="Immagine 7">
+            <a:extLst>
+              <a:ext uri="{FF2B5EF4-FFF2-40B4-BE49-F238E27FC236}">
+                <a16:creationId xmlns:a16="http://schemas.microsoft.com/office/drawing/2014/main" id="{502A0100-CC6A-427B-B275-9714EF045859}"/>
+              </a:ext>
+            </a:extLst>
+          </p:cNvPr>
+          <p:cNvPicPr>
+            <a:picLocks noChangeAspect="1"/>
+          </p:cNvPicPr>
+          <p:nvPr/>
+        </p:nvPicPr>
+        <p:blipFill rotWithShape="1">
+          <a:blip r:embed="rId3"/>
+          <a:srcRect b="11767"/>
+          <a:stretch/>
+        </p:blipFill>
+        <p:spPr>
+          <a:xfrm>
+            <a:off x="1196971" y="3015420"/>
+            <a:ext cx="4552950" cy="941274"/>
+          </a:xfrm>
+          <a:prstGeom prst="rect">
+            <a:avLst/>
+          </a:prstGeom>
+        </p:spPr>
+      </p:pic>
+      <p:pic>
+        <p:nvPicPr>
+          <p:cNvPr id="9" name="Immagine 8">
+            <a:extLst>
+              <a:ext uri="{FF2B5EF4-FFF2-40B4-BE49-F238E27FC236}">
+                <a16:creationId xmlns:a16="http://schemas.microsoft.com/office/drawing/2014/main" id="{5D3F7369-9CA7-4903-8D60-F4967F9FDC44}"/>
+              </a:ext>
+            </a:extLst>
+          </p:cNvPr>
+          <p:cNvPicPr>
+            <a:picLocks noChangeAspect="1"/>
+          </p:cNvPicPr>
+          <p:nvPr/>
+        </p:nvPicPr>
+        <p:blipFill rotWithShape="1">
+          <a:blip r:embed="rId4"/>
+          <a:srcRect t="44752" b="2941"/>
+          <a:stretch/>
+        </p:blipFill>
+        <p:spPr>
+          <a:xfrm>
+            <a:off x="1203201" y="5069138"/>
+            <a:ext cx="3291353" cy="941274"/>
+          </a:xfrm>
+          <a:prstGeom prst="rect">
+            <a:avLst/>
+          </a:prstGeom>
+        </p:spPr>
+      </p:pic>
+      <p:sp>
+        <p:nvSpPr>
+          <p:cNvPr id="10" name="CasellaDiTesto 9">
+            <a:extLst>
+              <a:ext uri="{FF2B5EF4-FFF2-40B4-BE49-F238E27FC236}">
+                <a16:creationId xmlns:a16="http://schemas.microsoft.com/office/drawing/2014/main" id="{92323977-58B4-4A3B-84E4-6FA7BF4E331D}"/>
+              </a:ext>
+            </a:extLst>
+          </p:cNvPr>
+          <p:cNvSpPr txBox="1"/>
+          <p:nvPr/>
+        </p:nvSpPr>
+        <p:spPr>
+          <a:xfrm>
+            <a:off x="1053852" y="337342"/>
+            <a:ext cx="11377264" cy="523220"/>
+          </a:xfrm>
+          <a:prstGeom prst="rect">
+            <a:avLst/>
+          </a:prstGeom>
+          <a:noFill/>
+        </p:spPr>
+        <p:txBody>
+          <a:bodyPr wrap="square" rtlCol="0">
+            <a:spAutoFit/>
+          </a:bodyPr>
+          <a:lstStyle/>
+          <a:p>
+            <a:r>
+              <a:rPr lang="it-IT" sz="2800" dirty="0">
+                <a:latin typeface="Arial" panose="020B0604020202020204" pitchFamily="34" charset="0"/>
+                <a:cs typeface="Arial" panose="020B0604020202020204" pitchFamily="34" charset="0"/>
+              </a:rPr>
+              <a:t>Il sistema lineare viene risolto risolvendo per sostituzione all'indietro</a:t>
+            </a:r>
+          </a:p>
+        </p:txBody>
+      </p:sp>
+      <p:sp>
+        <p:nvSpPr>
+          <p:cNvPr id="12" name="Rettangolo 11">
+            <a:extLst>
+              <a:ext uri="{FF2B5EF4-FFF2-40B4-BE49-F238E27FC236}">
+                <a16:creationId xmlns:a16="http://schemas.microsoft.com/office/drawing/2014/main" id="{32FCC424-2D96-4DAD-B54F-78EEC163D900}"/>
+              </a:ext>
+            </a:extLst>
+          </p:cNvPr>
+          <p:cNvSpPr/>
+          <p:nvPr/>
+        </p:nvSpPr>
+        <p:spPr>
+          <a:xfrm>
+            <a:off x="1053852" y="2228365"/>
+            <a:ext cx="2484976" cy="523220"/>
+          </a:xfrm>
+          <a:prstGeom prst="rect">
+            <a:avLst/>
+          </a:prstGeom>
+        </p:spPr>
+        <p:txBody>
+          <a:bodyPr wrap="none">
+            <a:spAutoFit/>
+          </a:bodyPr>
+          <a:lstStyle/>
+          <a:p>
+            <a:r>
+              <a:rPr lang="it-IT" sz="2800" dirty="0">
+                <a:latin typeface="Arial" panose="020B0604020202020204" pitchFamily="34" charset="0"/>
+                <a:cs typeface="Arial" panose="020B0604020202020204" pitchFamily="34" charset="0"/>
+              </a:rPr>
+              <a:t>trovando </a:t>
+            </a:r>
+            <a:r>
+              <a:rPr lang="it-IT" sz="2800" b="1" dirty="0">
+                <a:solidFill>
+                  <a:schemeClr val="accent1"/>
+                </a:solidFill>
+                <a:latin typeface="Arial" panose="020B0604020202020204" pitchFamily="34" charset="0"/>
+                <a:cs typeface="Arial" panose="020B0604020202020204" pitchFamily="34" charset="0"/>
+              </a:rPr>
+              <a:t>y</a:t>
+            </a:r>
+            <a:r>
+              <a:rPr lang="it-IT" sz="2800" dirty="0">
+                <a:latin typeface="Arial" panose="020B0604020202020204" pitchFamily="34" charset="0"/>
+                <a:cs typeface="Arial" panose="020B0604020202020204" pitchFamily="34" charset="0"/>
+              </a:rPr>
+              <a:t> da:</a:t>
+            </a:r>
+          </a:p>
+        </p:txBody>
+      </p:sp>
+      <p:sp>
+        <p:nvSpPr>
+          <p:cNvPr id="13" name="CasellaDiTesto 12">
+            <a:extLst>
+              <a:ext uri="{FF2B5EF4-FFF2-40B4-BE49-F238E27FC236}">
+                <a16:creationId xmlns:a16="http://schemas.microsoft.com/office/drawing/2014/main" id="{CE8FAFEA-D0A5-414F-A1A0-3C51A8C79879}"/>
+              </a:ext>
+            </a:extLst>
+          </p:cNvPr>
+          <p:cNvSpPr txBox="1"/>
+          <p:nvPr/>
+        </p:nvSpPr>
+        <p:spPr>
+          <a:xfrm>
+            <a:off x="1077337" y="4251306"/>
+            <a:ext cx="3291353" cy="523220"/>
+          </a:xfrm>
+          <a:prstGeom prst="rect">
+            <a:avLst/>
+          </a:prstGeom>
+          <a:noFill/>
+        </p:spPr>
+        <p:txBody>
+          <a:bodyPr wrap="square" rtlCol="0">
+            <a:spAutoFit/>
+          </a:bodyPr>
+          <a:lstStyle/>
+          <a:p>
+            <a:r>
+              <a:rPr lang="it-IT" sz="2800" dirty="0">
+                <a:latin typeface="Arial" panose="020B0604020202020204" pitchFamily="34" charset="0"/>
+                <a:cs typeface="Arial" panose="020B0604020202020204" pitchFamily="34" charset="0"/>
+              </a:rPr>
+              <a:t>e quindi </a:t>
+            </a:r>
+            <a:r>
+              <a:rPr lang="it-IT" sz="2800" b="1" dirty="0">
+                <a:solidFill>
+                  <a:schemeClr val="accent1"/>
+                </a:solidFill>
+                <a:latin typeface="Arial" panose="020B0604020202020204" pitchFamily="34" charset="0"/>
+                <a:cs typeface="Arial" panose="020B0604020202020204" pitchFamily="34" charset="0"/>
+              </a:rPr>
+              <a:t>x</a:t>
+            </a:r>
+            <a:r>
+              <a:rPr lang="it-IT" sz="2800" dirty="0">
+                <a:latin typeface="Arial" panose="020B0604020202020204" pitchFamily="34" charset="0"/>
+                <a:cs typeface="Arial" panose="020B0604020202020204" pitchFamily="34" charset="0"/>
+              </a:rPr>
+              <a:t> da:</a:t>
+            </a:r>
+          </a:p>
+        </p:txBody>
+      </p:sp>
+    </p:spTree>
+    <p:extLst>
+      <p:ext uri="{BB962C8B-B14F-4D97-AF65-F5344CB8AC3E}">
+        <p14:creationId xmlns:p14="http://schemas.microsoft.com/office/powerpoint/2010/main" val="3442632678"/>
+      </p:ext>
+    </p:extLst>
+  </p:cSld>
+  <p:clrMapOvr>
+    <a:masterClrMapping/>
+  </p:clrMapOvr>
+  <mc:AlternateContent xmlns:mc="http://schemas.openxmlformats.org/markup-compatibility/2006" xmlns:p159="http://schemas.microsoft.com/office/powerpoint/2015/09/main">
+    <mc:Choice Requires="p159">
+      <p:transition spd="slow">
+        <p159:morph option="byObject"/>
+      </p:transition>
+    </mc:Choice>
+    <mc:Fallback xmlns="">
+      <p:transition spd="slow">
+        <p:fade/>
+      </p:transition>
+    </mc:Fallback>
+  </mc:AlternateContent>
+</p:sld>
+</file>
+
+<file path=ppt/slides/slide11.xml><?xml version="1.0" encoding="utf-8"?>
+<p:sld xmlns:a="http://schemas.openxmlformats.org/drawingml/2006/main" xmlns:r="http://schemas.openxmlformats.org/officeDocument/2006/relationships" xmlns:p="http://schemas.openxmlformats.org/presentationml/2006/main">
+  <p:cSld>
+    <p:spTree>
+      <p:nvGrpSpPr>
+        <p:cNvPr id="1" name=""/>
+        <p:cNvGrpSpPr/>
+        <p:nvPr/>
+      </p:nvGrpSpPr>
+      <p:grpSpPr>
+        <a:xfrm>
+          <a:off x="0" y="0"/>
+          <a:ext cx="0" cy="0"/>
+          <a:chOff x="0" y="0"/>
+          <a:chExt cx="0" cy="0"/>
+        </a:xfrm>
+      </p:grpSpPr>
       <p:sp>
         <p:nvSpPr>
           <p:cNvPr id="9" name="Titolo 12">
@@ -13403,7 +13680,7 @@
 </p:sld>
 </file>
 
-<file path=ppt/slides/slide11.xml><?xml version="1.0" encoding="utf-8"?>
+<file path=ppt/slides/slide12.xml><?xml version="1.0" encoding="utf-8"?>
 <p:sld xmlns:a="http://schemas.openxmlformats.org/drawingml/2006/main" xmlns:r="http://schemas.openxmlformats.org/officeDocument/2006/relationships" xmlns:p="http://schemas.openxmlformats.org/presentationml/2006/main">
   <p:cSld>
     <p:spTree>
@@ -14027,7 +14304,7 @@
 </p:sld>
 </file>
 
-<file path=ppt/slides/slide12.xml><?xml version="1.0" encoding="utf-8"?>
+<file path=ppt/slides/slide13.xml><?xml version="1.0" encoding="utf-8"?>
 <p:sld xmlns:a="http://schemas.openxmlformats.org/drawingml/2006/main" xmlns:r="http://schemas.openxmlformats.org/officeDocument/2006/relationships" xmlns:p="http://schemas.openxmlformats.org/presentationml/2006/main">
   <p:cSld>
     <p:spTree>
@@ -14705,7 +14982,7 @@
 </p:sld>
 </file>
 
-<file path=ppt/slides/slide13.xml><?xml version="1.0" encoding="utf-8"?>
+<file path=ppt/slides/slide14.xml><?xml version="1.0" encoding="utf-8"?>
 <p:sld xmlns:a="http://schemas.openxmlformats.org/drawingml/2006/main" xmlns:r="http://schemas.openxmlformats.org/officeDocument/2006/relationships" xmlns:p="http://schemas.openxmlformats.org/presentationml/2006/main">
   <p:cSld>
     <p:spTree>
@@ -15235,7 +15512,7 @@
 </p:sld>
 </file>
 
-<file path=ppt/slides/slide14.xml><?xml version="1.0" encoding="utf-8"?>
+<file path=ppt/slides/slide15.xml><?xml version="1.0" encoding="utf-8"?>
 <p:sld xmlns:a="http://schemas.openxmlformats.org/drawingml/2006/main" xmlns:r="http://schemas.openxmlformats.org/officeDocument/2006/relationships" xmlns:p="http://schemas.openxmlformats.org/presentationml/2006/main">
   <p:cSld>
     <p:spTree>
@@ -15689,7 +15966,7 @@
 </p:sld>
 </file>
 
-<file path=ppt/slides/slide15.xml><?xml version="1.0" encoding="utf-8"?>
+<file path=ppt/slides/slide16.xml><?xml version="1.0" encoding="utf-8"?>
 <p:sld xmlns:a="http://schemas.openxmlformats.org/drawingml/2006/main" xmlns:r="http://schemas.openxmlformats.org/officeDocument/2006/relationships" xmlns:p="http://schemas.openxmlformats.org/presentationml/2006/main">
   <p:cSld>
     <p:spTree>
@@ -16189,7 +16466,7 @@
 </p:sld>
 </file>
 
-<file path=ppt/slides/slide16.xml><?xml version="1.0" encoding="utf-8"?>
+<file path=ppt/slides/slide17.xml><?xml version="1.0" encoding="utf-8"?>
 <p:sld xmlns:a="http://schemas.openxmlformats.org/drawingml/2006/main" xmlns:r="http://schemas.openxmlformats.org/officeDocument/2006/relationships" xmlns:p="http://schemas.openxmlformats.org/presentationml/2006/main">
   <p:cSld>
     <p:spTree>
@@ -16704,7 +16981,7 @@
 </p:sld>
 </file>
 
-<file path=ppt/slides/slide17.xml><?xml version="1.0" encoding="utf-8"?>
+<file path=ppt/slides/slide18.xml><?xml version="1.0" encoding="utf-8"?>
 <p:sld xmlns:a="http://schemas.openxmlformats.org/drawingml/2006/main" xmlns:r="http://schemas.openxmlformats.org/officeDocument/2006/relationships" xmlns:p="http://schemas.openxmlformats.org/presentationml/2006/main">
   <p:cSld>
     <p:spTree>
@@ -16782,7 +17059,7 @@
 </p:sld>
 </file>
 
-<file path=ppt/slides/slide18.xml><?xml version="1.0" encoding="utf-8"?>
+<file path=ppt/slides/slide19.xml><?xml version="1.0" encoding="utf-8"?>
 <p:sld xmlns:a="http://schemas.openxmlformats.org/drawingml/2006/main" xmlns:r="http://schemas.openxmlformats.org/officeDocument/2006/relationships" xmlns:p="http://schemas.openxmlformats.org/presentationml/2006/main">
   <p:cSld>
     <p:spTree>
@@ -17381,84 +17658,6 @@
 </p:sld>
 </file>
 
-<file path=ppt/slides/slide19.xml><?xml version="1.0" encoding="utf-8"?>
-<p:sld xmlns:a="http://schemas.openxmlformats.org/drawingml/2006/main" xmlns:r="http://schemas.openxmlformats.org/officeDocument/2006/relationships" xmlns:p="http://schemas.openxmlformats.org/presentationml/2006/main">
-  <p:cSld>
-    <p:spTree>
-      <p:nvGrpSpPr>
-        <p:cNvPr id="1" name=""/>
-        <p:cNvGrpSpPr/>
-        <p:nvPr/>
-      </p:nvGrpSpPr>
-      <p:grpSpPr>
-        <a:xfrm>
-          <a:off x="0" y="0"/>
-          <a:ext cx="0" cy="0"/>
-          <a:chOff x="0" y="0"/>
-          <a:chExt cx="0" cy="0"/>
-        </a:xfrm>
-      </p:grpSpPr>
-      <p:pic>
-        <p:nvPicPr>
-          <p:cNvPr id="4" name="Immagine 3" descr="test 4">
-            <a:extLst>
-              <a:ext uri="{FF2B5EF4-FFF2-40B4-BE49-F238E27FC236}">
-                <a16:creationId xmlns:a16="http://schemas.microsoft.com/office/drawing/2014/main" id="{4E19C180-8AB0-4CB4-B44B-E99E5B0CDF83}"/>
-              </a:ext>
-            </a:extLst>
-          </p:cNvPr>
-          <p:cNvPicPr>
-            <a:picLocks noChangeAspect="1"/>
-          </p:cNvPicPr>
-          <p:nvPr/>
-        </p:nvPicPr>
-        <p:blipFill>
-          <a:blip r:embed="rId2">
-            <a:extLst>
-              <a:ext uri="{28A0092B-C50C-407E-A947-70E740481C1C}">
-                <a14:useLocalDpi xmlns:a14="http://schemas.microsoft.com/office/drawing/2010/main" val="0"/>
-              </a:ext>
-            </a:extLst>
-          </a:blip>
-          <a:stretch>
-            <a:fillRect/>
-          </a:stretch>
-        </p:blipFill>
-        <p:spPr>
-          <a:xfrm>
-            <a:off x="1034352" y="361089"/>
-            <a:ext cx="10120120" cy="6135821"/>
-          </a:xfrm>
-          <a:prstGeom prst="rect">
-            <a:avLst/>
-          </a:prstGeom>
-        </p:spPr>
-      </p:pic>
-    </p:spTree>
-    <p:extLst>
-      <p:ext uri="{BB962C8B-B14F-4D97-AF65-F5344CB8AC3E}">
-        <p14:creationId xmlns:p14="http://schemas.microsoft.com/office/powerpoint/2010/main" val="3051268569"/>
-      </p:ext>
-    </p:extLst>
-  </p:cSld>
-  <p:clrMapOvr>
-    <a:masterClrMapping/>
-  </p:clrMapOvr>
-  <mc:AlternateContent xmlns:mc="http://schemas.openxmlformats.org/markup-compatibility/2006" xmlns:p159="http://schemas.microsoft.com/office/powerpoint/2015/09/main">
-    <mc:Choice Requires="p159">
-      <p:transition spd="slow">
-        <p159:morph option="byObject"/>
-      </p:transition>
-    </mc:Choice>
-    <mc:Fallback xmlns="">
-      <p:transition spd="slow">
-        <p:fade/>
-      </p:transition>
-    </mc:Fallback>
-  </mc:AlternateContent>
-</p:sld>
-</file>
-
 <file path=ppt/slides/slide2.xml><?xml version="1.0" encoding="utf-8"?>
 <p:sld xmlns:a="http://schemas.openxmlformats.org/drawingml/2006/main" xmlns:r="http://schemas.openxmlformats.org/officeDocument/2006/relationships" xmlns:p="http://schemas.openxmlformats.org/presentationml/2006/main">
   <p:cSld>
@@ -17710,6 +17909,84 @@
           <a:chExt cx="0" cy="0"/>
         </a:xfrm>
       </p:grpSpPr>
+      <p:pic>
+        <p:nvPicPr>
+          <p:cNvPr id="4" name="Immagine 3" descr="test 4">
+            <a:extLst>
+              <a:ext uri="{FF2B5EF4-FFF2-40B4-BE49-F238E27FC236}">
+                <a16:creationId xmlns:a16="http://schemas.microsoft.com/office/drawing/2014/main" id="{4E19C180-8AB0-4CB4-B44B-E99E5B0CDF83}"/>
+              </a:ext>
+            </a:extLst>
+          </p:cNvPr>
+          <p:cNvPicPr>
+            <a:picLocks noChangeAspect="1"/>
+          </p:cNvPicPr>
+          <p:nvPr/>
+        </p:nvPicPr>
+        <p:blipFill>
+          <a:blip r:embed="rId2">
+            <a:extLst>
+              <a:ext uri="{28A0092B-C50C-407E-A947-70E740481C1C}">
+                <a14:useLocalDpi xmlns:a14="http://schemas.microsoft.com/office/drawing/2010/main" val="0"/>
+              </a:ext>
+            </a:extLst>
+          </a:blip>
+          <a:stretch>
+            <a:fillRect/>
+          </a:stretch>
+        </p:blipFill>
+        <p:spPr>
+          <a:xfrm>
+            <a:off x="1034352" y="361089"/>
+            <a:ext cx="10120120" cy="6135821"/>
+          </a:xfrm>
+          <a:prstGeom prst="rect">
+            <a:avLst/>
+          </a:prstGeom>
+        </p:spPr>
+      </p:pic>
+    </p:spTree>
+    <p:extLst>
+      <p:ext uri="{BB962C8B-B14F-4D97-AF65-F5344CB8AC3E}">
+        <p14:creationId xmlns:p14="http://schemas.microsoft.com/office/powerpoint/2010/main" val="3051268569"/>
+      </p:ext>
+    </p:extLst>
+  </p:cSld>
+  <p:clrMapOvr>
+    <a:masterClrMapping/>
+  </p:clrMapOvr>
+  <mc:AlternateContent xmlns:mc="http://schemas.openxmlformats.org/markup-compatibility/2006" xmlns:p159="http://schemas.microsoft.com/office/powerpoint/2015/09/main">
+    <mc:Choice Requires="p159">
+      <p:transition spd="slow">
+        <p159:morph option="byObject"/>
+      </p:transition>
+    </mc:Choice>
+    <mc:Fallback xmlns="">
+      <p:transition spd="slow">
+        <p:fade/>
+      </p:transition>
+    </mc:Fallback>
+  </mc:AlternateContent>
+</p:sld>
+</file>
+
+<file path=ppt/slides/slide21.xml><?xml version="1.0" encoding="utf-8"?>
+<p:sld xmlns:a="http://schemas.openxmlformats.org/drawingml/2006/main" xmlns:r="http://schemas.openxmlformats.org/officeDocument/2006/relationships" xmlns:p="http://schemas.openxmlformats.org/presentationml/2006/main">
+  <p:cSld>
+    <p:spTree>
+      <p:nvGrpSpPr>
+        <p:cNvPr id="1" name=""/>
+        <p:cNvGrpSpPr/>
+        <p:nvPr/>
+      </p:nvGrpSpPr>
+      <p:grpSpPr>
+        <a:xfrm>
+          <a:off x="0" y="0"/>
+          <a:ext cx="0" cy="0"/>
+          <a:chOff x="0" y="0"/>
+          <a:chExt cx="0" cy="0"/>
+        </a:xfrm>
+      </p:grpSpPr>
       <p:sp>
         <p:nvSpPr>
           <p:cNvPr id="6" name="Rettangolo 5">
@@ -18143,7 +18420,7 @@
 </p:sld>
 </file>
 
-<file path=ppt/slides/slide21.xml><?xml version="1.0" encoding="utf-8"?>
+<file path=ppt/slides/slide22.xml><?xml version="1.0" encoding="utf-8"?>
 <p:sld xmlns:a="http://schemas.openxmlformats.org/drawingml/2006/main" xmlns:r="http://schemas.openxmlformats.org/officeDocument/2006/relationships" xmlns:p="http://schemas.openxmlformats.org/presentationml/2006/main">
   <p:cSld>
     <p:spTree>
@@ -18224,7 +18501,7 @@
 </p:sld>
 </file>
 
-<file path=ppt/slides/slide22.xml><?xml version="1.0" encoding="utf-8"?>
+<file path=ppt/slides/slide23.xml><?xml version="1.0" encoding="utf-8"?>
 <p:sld xmlns:a="http://schemas.openxmlformats.org/drawingml/2006/main" xmlns:r="http://schemas.openxmlformats.org/officeDocument/2006/relationships" xmlns:p="http://schemas.openxmlformats.org/presentationml/2006/main">
   <p:cSld>
     <p:spTree>
@@ -18241,8 +18518,8 @@
           <a:chExt cx="0" cy="0"/>
         </a:xfrm>
       </p:grpSpPr>
-      <mc:AlternateContent xmlns:mc="http://schemas.openxmlformats.org/markup-compatibility/2006">
-        <mc:Choice xmlns:a14="http://schemas.microsoft.com/office/drawing/2010/main" Requires="a14">
+      <mc:AlternateContent xmlns:mc="http://schemas.openxmlformats.org/markup-compatibility/2006" xmlns:a14="http://schemas.microsoft.com/office/drawing/2010/main">
+        <mc:Choice Requires="a14">
           <p:sp>
             <p:nvSpPr>
               <p:cNvPr id="6" name="Rettangolo 5">
@@ -18385,7 +18662,7 @@
             </p:txBody>
           </p:sp>
         </mc:Choice>
-        <mc:Fallback>
+        <mc:Fallback xmlns="">
           <p:sp>
             <p:nvSpPr>
               <p:cNvPr id="6" name="Rettangolo 5">
@@ -18841,7 +19118,7 @@
 </p:sld>
 </file>
 
-<file path=ppt/slides/slide23.xml><?xml version="1.0" encoding="utf-8"?>
+<file path=ppt/slides/slide24.xml><?xml version="1.0" encoding="utf-8"?>
 <p:sld xmlns:a="http://schemas.openxmlformats.org/drawingml/2006/main" xmlns:r="http://schemas.openxmlformats.org/officeDocument/2006/relationships" xmlns:p="http://schemas.openxmlformats.org/presentationml/2006/main">
   <p:cSld>
     <p:spTree>
@@ -19429,7 +19706,7 @@
 </p:sld>
 </file>
 
-<file path=ppt/slides/slide24.xml><?xml version="1.0" encoding="utf-8"?>
+<file path=ppt/slides/slide25.xml><?xml version="1.0" encoding="utf-8"?>
 <p:sld xmlns:a="http://schemas.openxmlformats.org/drawingml/2006/main" xmlns:r="http://schemas.openxmlformats.org/officeDocument/2006/relationships" xmlns:p="http://schemas.openxmlformats.org/presentationml/2006/main">
   <p:cSld>
     <p:spTree>
@@ -19507,7 +19784,7 @@
 </p:sld>
 </file>
 
-<file path=ppt/slides/slide25.xml><?xml version="1.0" encoding="utf-8"?>
+<file path=ppt/slides/slide26.xml><?xml version="1.0" encoding="utf-8"?>
 <p:sld xmlns:a="http://schemas.openxmlformats.org/drawingml/2006/main" xmlns:r="http://schemas.openxmlformats.org/officeDocument/2006/relationships" xmlns:p="http://schemas.openxmlformats.org/presentationml/2006/main">
   <p:cSld>
     <p:spTree>
@@ -19830,7 +20107,7 @@
 </p:sld>
 </file>
 
-<file path=ppt/slides/slide26.xml><?xml version="1.0" encoding="utf-8"?>
+<file path=ppt/slides/slide27.xml><?xml version="1.0" encoding="utf-8"?>
 <p:sld xmlns:a="http://schemas.openxmlformats.org/drawingml/2006/main" xmlns:r="http://schemas.openxmlformats.org/officeDocument/2006/relationships" xmlns:p="http://schemas.openxmlformats.org/presentationml/2006/main">
   <p:cSld>
     <p:spTree>
@@ -20770,8 +21047,8 @@
           <a:chExt cx="0" cy="0"/>
         </a:xfrm>
       </p:grpSpPr>
-      <mc:AlternateContent xmlns:mc="http://schemas.openxmlformats.org/markup-compatibility/2006">
-        <mc:Choice xmlns:a14="http://schemas.microsoft.com/office/drawing/2010/main" Requires="a14">
+      <mc:AlternateContent xmlns:mc="http://schemas.openxmlformats.org/markup-compatibility/2006" xmlns:a14="http://schemas.microsoft.com/office/drawing/2010/main">
+        <mc:Choice Requires="a14">
           <p:sp>
             <p:nvSpPr>
               <p:cNvPr id="6" name="Rettangolo 5">
@@ -21140,7 +21417,7 @@
             </p:txBody>
           </p:sp>
         </mc:Choice>
-        <mc:Fallback>
+        <mc:Fallback xmlns="">
           <p:sp>
             <p:nvSpPr>
               <p:cNvPr id="6" name="Rettangolo 5">
@@ -21979,8 +22256,8 @@
           </p:txBody>
         </p:sp>
       </p:grpSp>
-      <mc:AlternateContent xmlns:mc="http://schemas.openxmlformats.org/markup-compatibility/2006">
-        <mc:Choice xmlns:a14="http://schemas.microsoft.com/office/drawing/2010/main" Requires="a14">
+      <mc:AlternateContent xmlns:mc="http://schemas.openxmlformats.org/markup-compatibility/2006" xmlns:a14="http://schemas.microsoft.com/office/drawing/2010/main">
+        <mc:Choice Requires="a14">
           <p:sp>
             <p:nvSpPr>
               <p:cNvPr id="2" name="Rettangolo 1">
@@ -22114,7 +22391,7 @@
             </p:txBody>
           </p:sp>
         </mc:Choice>
-        <mc:Fallback>
+        <mc:Fallback xmlns="">
           <p:sp>
             <p:nvSpPr>
               <p:cNvPr id="2" name="Rettangolo 1">
@@ -24797,7 +25074,7 @@
         </p:blipFill>
         <p:spPr>
           <a:xfrm>
-            <a:off x="4942284" y="3156524"/>
+            <a:off x="4942282" y="3211396"/>
             <a:ext cx="2304256" cy="632516"/>
           </a:xfrm>
           <a:prstGeom prst="rect">
